--- a/Presentazioni/Presentazione cerimonia.pptx
+++ b/Presentazioni/Presentazione cerimonia.pptx
@@ -19,7 +19,6 @@
   </p:notesMasterIdLst>
   <p:sldIdLst>
     <p:sldId id="256" r:id="rId14"/>
-    <p:sldId id="257" r:id="rId15"/>
   </p:sldIdLst>
   <p:sldSz cx="12192000" cy="6858000"/>
   <p:notesSz cx="6858000" cy="9144000"/>
@@ -45,7 +44,7 @@
       </p:grpSpPr>
       <p:sp>
         <p:nvSpPr>
-          <p:cNvPr id="67" name="PlaceHolder 1"/>
+          <p:cNvPr id="50" name="PlaceHolder 1"/>
           <p:cNvSpPr>
             <a:spLocks noGrp="1"/>
           </p:cNvSpPr>
@@ -71,27 +70,28 @@
             <a:noAutofit/>
           </a:bodyPr>
           <a:p>
-            <a:r>
-              <a:rPr b="0" lang="it-IT" sz="1800" spc="-1" strike="noStrike">
-                <a:solidFill>
-                  <a:schemeClr val="dk1"/>
-                </a:solidFill>
-                <a:latin typeface="Calibri"/>
+            <a:pPr algn="ctr"/>
+            <a:r>
+              <a:rPr b="0" lang="it-IT" sz="4400" spc="-1" strike="noStrike">
+                <a:solidFill>
+                  <a:srgbClr val="000000"/>
+                </a:solidFill>
+                <a:latin typeface="Arial"/>
               </a:rPr>
               <a:t>Fai clic per spostare la diapositiva</a:t>
             </a:r>
-            <a:endParaRPr b="0" lang="it-IT" sz="1800" spc="-1" strike="noStrike">
-              <a:solidFill>
-                <a:schemeClr val="dk1"/>
-              </a:solidFill>
-              <a:latin typeface="Calibri"/>
-            </a:endParaRPr>
-          </a:p>
-        </p:txBody>
-      </p:sp>
-      <p:sp>
-        <p:nvSpPr>
-          <p:cNvPr id="68" name="PlaceHolder 2"/>
+            <a:endParaRPr b="0" lang="it-IT" sz="4400" spc="-1" strike="noStrike">
+              <a:solidFill>
+                <a:srgbClr val="000000"/>
+              </a:solidFill>
+              <a:latin typeface="Arial"/>
+            </a:endParaRPr>
+          </a:p>
+        </p:txBody>
+      </p:sp>
+      <p:sp>
+        <p:nvSpPr>
+          <p:cNvPr id="51" name="PlaceHolder 2"/>
           <p:cNvSpPr>
             <a:spLocks noGrp="1"/>
           </p:cNvSpPr>
@@ -140,7 +140,7 @@
       </p:sp>
       <p:sp>
         <p:nvSpPr>
-          <p:cNvPr id="69" name="PlaceHolder 3"/>
+          <p:cNvPr id="52" name="PlaceHolder 3"/>
           <p:cNvSpPr>
             <a:spLocks noGrp="1"/>
           </p:cNvSpPr>
@@ -189,7 +189,7 @@
       </p:sp>
       <p:sp>
         <p:nvSpPr>
-          <p:cNvPr id="70" name="PlaceHolder 4"/>
+          <p:cNvPr id="53" name="PlaceHolder 4"/>
           <p:cNvSpPr>
             <a:spLocks noGrp="1"/>
           </p:cNvSpPr>
@@ -249,7 +249,7 @@
       </p:sp>
       <p:sp>
         <p:nvSpPr>
-          <p:cNvPr id="71" name="PlaceHolder 5"/>
+          <p:cNvPr id="54" name="PlaceHolder 5"/>
           <p:cNvSpPr>
             <a:spLocks noGrp="1"/>
           </p:cNvSpPr>
@@ -309,7 +309,7 @@
       </p:sp>
       <p:sp>
         <p:nvSpPr>
-          <p:cNvPr id="72" name="PlaceHolder 6"/>
+          <p:cNvPr id="55" name="PlaceHolder 6"/>
           <p:cNvSpPr>
             <a:spLocks noGrp="1"/>
           </p:cNvSpPr>
@@ -349,7 +349,7 @@
             <a:pPr indent="0" algn="r">
               <a:buNone/>
             </a:pPr>
-            <a:fld id="{2119DB68-911B-489E-BC18-45254CCB698F}" type="slidenum">
+            <a:fld id="{C3E94D70-380B-40EC-B519-8CA009F17B3E}" type="slidenum">
               <a:rPr b="0" lang="it-IT" sz="1400" spc="-1" strike="noStrike">
                 <a:solidFill>
                   <a:srgbClr val="000000"/>
@@ -392,7 +392,7 @@
       </p:grpSpPr>
       <p:sp>
         <p:nvSpPr>
-          <p:cNvPr id="100" name="PlaceHolder 1"/>
+          <p:cNvPr id="82" name="PlaceHolder 1"/>
           <p:cNvSpPr>
             <a:spLocks noGrp="1"/>
           </p:cNvSpPr>
@@ -403,7 +403,7 @@
         <p:spPr>
           <a:xfrm>
             <a:off x="685800" y="1143000"/>
-            <a:ext cx="5486040" cy="3085920"/>
+            <a:ext cx="5485680" cy="3085560"/>
           </a:xfrm>
           <a:prstGeom prst="rect">
             <a:avLst/>
@@ -415,7 +415,7 @@
       </p:sp>
       <p:sp>
         <p:nvSpPr>
-          <p:cNvPr id="101" name="PlaceHolder 2"/>
+          <p:cNvPr id="83" name="PlaceHolder 2"/>
           <p:cNvSpPr>
             <a:spLocks noGrp="1"/>
           </p:cNvSpPr>
@@ -426,7 +426,7 @@
         <p:spPr>
           <a:xfrm>
             <a:off x="685800" y="4400640"/>
-            <a:ext cx="5486040" cy="3600000"/>
+            <a:ext cx="5485680" cy="3599640"/>
           </a:xfrm>
           <a:prstGeom prst="rect">
             <a:avLst/>
@@ -446,6 +446,9 @@
                 <a:spcPct val="100000"/>
               </a:lnSpc>
               <a:buNone/>
+              <a:tabLst>
+                <a:tab algn="l" pos="0"/>
+              </a:tabLst>
             </a:pPr>
             <a:r>
               <a:rPr b="1" lang="it-IT" sz="1300" spc="-1" strike="noStrike" u="sng">
@@ -470,6 +473,9 @@
                 <a:spcPct val="100000"/>
               </a:lnSpc>
               <a:buNone/>
+              <a:tabLst>
+                <a:tab algn="l" pos="0"/>
+              </a:tabLst>
             </a:pPr>
             <a:r>
               <a:rPr b="1" lang="it-IT" sz="1300" spc="-1" strike="noStrike">
@@ -502,6 +508,9 @@
                 <a:spcPct val="100000"/>
               </a:lnSpc>
               <a:buNone/>
+              <a:tabLst>
+                <a:tab algn="l" pos="0"/>
+              </a:tabLst>
             </a:pPr>
             <a:endParaRPr b="0" lang="it-IT" sz="1300" spc="-1" strike="noStrike">
               <a:solidFill>
@@ -514,7 +523,7 @@
       </p:sp>
       <p:sp>
         <p:nvSpPr>
-          <p:cNvPr id="102" name="PlaceHolder 3"/>
+          <p:cNvPr id="84" name="PlaceHolder 3"/>
           <p:cNvSpPr>
             <a:spLocks noGrp="1"/>
           </p:cNvSpPr>
@@ -525,7 +534,7 @@
         <p:spPr>
           <a:xfrm>
             <a:off x="3884760" y="8685360"/>
-            <a:ext cx="2971440" cy="458280"/>
+            <a:ext cx="2971080" cy="457920"/>
           </a:xfrm>
           <a:prstGeom prst="rect">
             <a:avLst/>
@@ -567,7 +576,7 @@
                 <a:tab algn="l" pos="0"/>
               </a:tabLst>
             </a:pPr>
-            <a:fld id="{4D6A8860-CFC3-4F12-8134-354BEE1DB543}" type="slidenum">
+            <a:fld id="{911DFA31-9BE1-460A-AD6D-9C122E0F9DF7}" type="slidenum">
               <a:rPr b="0" lang="it-IT" sz="1300" spc="-1" strike="noStrike">
                 <a:solidFill>
                   <a:srgbClr val="000000"/>
@@ -636,14 +645,14 @@
             <a:noAutofit/>
           </a:bodyPr>
           <a:p>
-            <a:pPr indent="0">
-              <a:buNone/>
-            </a:pPr>
-            <a:endParaRPr b="0" lang="it-IT" sz="1800" spc="-1" strike="noStrike">
-              <a:solidFill>
-                <a:schemeClr val="dk1"/>
-              </a:solidFill>
-              <a:latin typeface="Calibri"/>
+            <a:pPr indent="0" algn="ctr">
+              <a:buNone/>
+            </a:pPr>
+            <a:endParaRPr b="0" lang="it-IT" sz="4400" spc="-1" strike="noStrike">
+              <a:solidFill>
+                <a:srgbClr val="000000"/>
+              </a:solidFill>
+              <a:latin typeface="Arial"/>
             </a:endParaRPr>
           </a:p>
         </p:txBody>
@@ -695,7 +704,7 @@
             <a:spLocks noGrp="1"/>
           </p:cNvSpPr>
           <p:nvPr>
-            <p:ph type="ftr" idx="2"/>
+            <p:ph type="ftr" idx="1"/>
           </p:nvPr>
         </p:nvSpPr>
         <p:spPr/>
@@ -715,14 +724,14 @@
             <a:spLocks noGrp="1"/>
           </p:cNvSpPr>
           <p:nvPr>
-            <p:ph type="sldNum" idx="3"/>
+            <p:ph type="sldNum" idx="2"/>
           </p:nvPr>
         </p:nvSpPr>
         <p:spPr/>
         <p:txBody>
           <a:bodyPr/>
           <a:p>
-            <a:fld id="{7290D478-0399-478C-A73E-92A9F1DBD62C}" type="slidenum">
+            <a:fld id="{2EBD4295-A953-43E8-A320-CC523A09653D}" type="slidenum">
               <a:t>&lt;#&gt;</a:t>
             </a:fld>
           </a:p>
@@ -735,7 +744,7 @@
             <a:spLocks noGrp="1"/>
           </p:cNvSpPr>
           <p:nvPr>
-            <p:ph type="dt" idx="1"/>
+            <p:ph type="dt" idx="3"/>
           </p:nvPr>
         </p:nvSpPr>
         <p:spPr/>
@@ -778,7 +787,7 @@
             <a:spLocks noGrp="1"/>
           </p:cNvSpPr>
           <p:nvPr>
-            <p:ph type="ftr" idx="29"/>
+            <p:ph type="ftr" idx="28"/>
           </p:nvPr>
         </p:nvSpPr>
         <p:spPr/>
@@ -798,14 +807,14 @@
             <a:spLocks noGrp="1"/>
           </p:cNvSpPr>
           <p:nvPr>
-            <p:ph type="sldNum" idx="30"/>
+            <p:ph type="sldNum" idx="29"/>
           </p:nvPr>
         </p:nvSpPr>
         <p:spPr/>
         <p:txBody>
           <a:bodyPr/>
           <a:p>
-            <a:fld id="{3AD228CF-C0E4-4738-8F74-11201AB997FF}" type="slidenum">
+            <a:fld id="{2E427896-81AA-4F06-BDF0-8DFE1515BF91}" type="slidenum">
               <a:t>&lt;#&gt;</a:t>
             </a:fld>
           </a:p>
@@ -818,7 +827,7 @@
             <a:spLocks noGrp="1"/>
           </p:cNvSpPr>
           <p:nvPr>
-            <p:ph type="dt" idx="28"/>
+            <p:ph type="dt" idx="30"/>
           </p:nvPr>
         </p:nvSpPr>
         <p:spPr/>
@@ -861,7 +870,7 @@
             <a:spLocks noGrp="1"/>
           </p:cNvSpPr>
           <p:nvPr>
-            <p:ph type="ftr" idx="32"/>
+            <p:ph type="ftr" idx="31"/>
           </p:nvPr>
         </p:nvSpPr>
         <p:spPr/>
@@ -881,14 +890,14 @@
             <a:spLocks noGrp="1"/>
           </p:cNvSpPr>
           <p:nvPr>
-            <p:ph type="sldNum" idx="33"/>
+            <p:ph type="sldNum" idx="32"/>
           </p:nvPr>
         </p:nvSpPr>
         <p:spPr/>
         <p:txBody>
           <a:bodyPr/>
           <a:p>
-            <a:fld id="{F4FF0C9B-0297-4B4B-B54A-C5C3A955BB3C}" type="slidenum">
+            <a:fld id="{76F75C5C-DD5F-44D2-A5DC-CD5525E6285A}" type="slidenum">
               <a:t>&lt;#&gt;</a:t>
             </a:fld>
           </a:p>
@@ -901,7 +910,7 @@
             <a:spLocks noGrp="1"/>
           </p:cNvSpPr>
           <p:nvPr>
-            <p:ph type="dt" idx="31"/>
+            <p:ph type="dt" idx="33"/>
           </p:nvPr>
         </p:nvSpPr>
         <p:spPr/>
@@ -944,7 +953,7 @@
             <a:spLocks noGrp="1"/>
           </p:cNvSpPr>
           <p:nvPr>
-            <p:ph type="ftr" idx="5"/>
+            <p:ph type="ftr" idx="4"/>
           </p:nvPr>
         </p:nvSpPr>
         <p:spPr/>
@@ -964,14 +973,14 @@
             <a:spLocks noGrp="1"/>
           </p:cNvSpPr>
           <p:nvPr>
-            <p:ph type="sldNum" idx="6"/>
+            <p:ph type="sldNum" idx="5"/>
           </p:nvPr>
         </p:nvSpPr>
         <p:spPr/>
         <p:txBody>
           <a:bodyPr/>
           <a:p>
-            <a:fld id="{107113AE-22B2-401C-B8F2-BB5B8D2D6CC7}" type="slidenum">
+            <a:fld id="{ED4BA232-D2F9-42E6-90E5-CC79E05BDE8F}" type="slidenum">
               <a:t>&lt;#&gt;</a:t>
             </a:fld>
           </a:p>
@@ -984,7 +993,7 @@
             <a:spLocks noGrp="1"/>
           </p:cNvSpPr>
           <p:nvPr>
-            <p:ph type="dt" idx="4"/>
+            <p:ph type="dt" idx="6"/>
           </p:nvPr>
         </p:nvSpPr>
         <p:spPr/>
@@ -1027,7 +1036,7 @@
             <a:spLocks noGrp="1"/>
           </p:cNvSpPr>
           <p:nvPr>
-            <p:ph type="ftr" idx="8"/>
+            <p:ph type="ftr" idx="7"/>
           </p:nvPr>
         </p:nvSpPr>
         <p:spPr/>
@@ -1047,14 +1056,14 @@
             <a:spLocks noGrp="1"/>
           </p:cNvSpPr>
           <p:nvPr>
-            <p:ph type="sldNum" idx="9"/>
+            <p:ph type="sldNum" idx="8"/>
           </p:nvPr>
         </p:nvSpPr>
         <p:spPr/>
         <p:txBody>
           <a:bodyPr/>
           <a:p>
-            <a:fld id="{B12D8B9F-7307-4221-AB74-C9473A790CB4}" type="slidenum">
+            <a:fld id="{D8FBBBEB-4C1A-45F9-999D-7A27C028DD2D}" type="slidenum">
               <a:t>&lt;#&gt;</a:t>
             </a:fld>
           </a:p>
@@ -1067,7 +1076,7 @@
             <a:spLocks noGrp="1"/>
           </p:cNvSpPr>
           <p:nvPr>
-            <p:ph type="dt" idx="7"/>
+            <p:ph type="dt" idx="9"/>
           </p:nvPr>
         </p:nvSpPr>
         <p:spPr/>
@@ -1105,7 +1114,7 @@
       </p:grpSpPr>
       <p:sp>
         <p:nvSpPr>
-          <p:cNvPr id="21" name="PlaceHolder 1"/>
+          <p:cNvPr id="17" name="PlaceHolder 1"/>
           <p:cNvSpPr>
             <a:spLocks noGrp="1"/>
           </p:cNvSpPr>
@@ -1131,21 +1140,21 @@
             <a:noAutofit/>
           </a:bodyPr>
           <a:p>
-            <a:pPr indent="0">
-              <a:buNone/>
-            </a:pPr>
-            <a:endParaRPr b="0" lang="it-IT" sz="1800" spc="-1" strike="noStrike">
-              <a:solidFill>
-                <a:schemeClr val="dk1"/>
-              </a:solidFill>
-              <a:latin typeface="Calibri"/>
-            </a:endParaRPr>
-          </a:p>
-        </p:txBody>
-      </p:sp>
-      <p:sp>
-        <p:nvSpPr>
-          <p:cNvPr id="22" name="PlaceHolder 2"/>
+            <a:pPr indent="0" algn="ctr">
+              <a:buNone/>
+            </a:pPr>
+            <a:endParaRPr b="0" lang="it-IT" sz="4400" spc="-1" strike="noStrike">
+              <a:solidFill>
+                <a:srgbClr val="000000"/>
+              </a:solidFill>
+              <a:latin typeface="Arial"/>
+            </a:endParaRPr>
+          </a:p>
+        </p:txBody>
+      </p:sp>
+      <p:sp>
+        <p:nvSpPr>
+          <p:cNvPr id="18" name="PlaceHolder 2"/>
           <p:cNvSpPr>
             <a:spLocks noGrp="1"/>
           </p:cNvSpPr>
@@ -1177,11 +1186,11 @@
               </a:spcBef>
               <a:buNone/>
             </a:pPr>
-            <a:endParaRPr b="0" lang="it-IT" sz="2130" spc="-1" strike="noStrike">
-              <a:solidFill>
-                <a:schemeClr val="dk1"/>
-              </a:solidFill>
-              <a:latin typeface="Calibri"/>
+            <a:endParaRPr b="0" lang="it-IT" sz="3200" spc="-1" strike="noStrike">
+              <a:solidFill>
+                <a:srgbClr val="000000"/>
+              </a:solidFill>
+              <a:latin typeface="Arial"/>
             </a:endParaRPr>
           </a:p>
         </p:txBody>
@@ -1193,7 +1202,7 @@
             <a:spLocks noGrp="1"/>
           </p:cNvSpPr>
           <p:nvPr>
-            <p:ph type="ftr" idx="11"/>
+            <p:ph type="ftr" idx="10"/>
           </p:nvPr>
         </p:nvSpPr>
         <p:spPr/>
@@ -1213,14 +1222,14 @@
             <a:spLocks noGrp="1"/>
           </p:cNvSpPr>
           <p:nvPr>
-            <p:ph type="sldNum" idx="12"/>
+            <p:ph type="sldNum" idx="11"/>
           </p:nvPr>
         </p:nvSpPr>
         <p:spPr/>
         <p:txBody>
           <a:bodyPr/>
           <a:p>
-            <a:fld id="{804F99C1-1CA1-489D-8039-DDD3EB60A7F4}" type="slidenum">
+            <a:fld id="{315799D3-C025-488C-B439-03D919BCCE83}" type="slidenum">
               <a:t>&lt;#&gt;</a:t>
             </a:fld>
           </a:p>
@@ -1233,7 +1242,7 @@
             <a:spLocks noGrp="1"/>
           </p:cNvSpPr>
           <p:nvPr>
-            <p:ph type="dt" idx="10"/>
+            <p:ph type="dt" idx="12"/>
           </p:nvPr>
         </p:nvSpPr>
         <p:spPr/>
@@ -1276,7 +1285,7 @@
             <a:spLocks noGrp="1"/>
           </p:cNvSpPr>
           <p:nvPr>
-            <p:ph type="ftr" idx="14"/>
+            <p:ph type="ftr" idx="13"/>
           </p:nvPr>
         </p:nvSpPr>
         <p:spPr/>
@@ -1296,14 +1305,14 @@
             <a:spLocks noGrp="1"/>
           </p:cNvSpPr>
           <p:nvPr>
-            <p:ph type="sldNum" idx="15"/>
+            <p:ph type="sldNum" idx="14"/>
           </p:nvPr>
         </p:nvSpPr>
         <p:spPr/>
         <p:txBody>
           <a:bodyPr/>
           <a:p>
-            <a:fld id="{EE2072DA-371F-4BBF-9983-F5DE5F8B8950}" type="slidenum">
+            <a:fld id="{87014837-FB10-475F-865A-EBC004565202}" type="slidenum">
               <a:t>&lt;#&gt;</a:t>
             </a:fld>
           </a:p>
@@ -1316,7 +1325,7 @@
             <a:spLocks noGrp="1"/>
           </p:cNvSpPr>
           <p:nvPr>
-            <p:ph type="dt" idx="13"/>
+            <p:ph type="dt" idx="15"/>
           </p:nvPr>
         </p:nvSpPr>
         <p:spPr/>
@@ -1354,7 +1363,7 @@
       </p:grpSpPr>
       <p:sp>
         <p:nvSpPr>
-          <p:cNvPr id="34" name="PlaceHolder 1"/>
+          <p:cNvPr id="28" name="PlaceHolder 1"/>
           <p:cNvSpPr>
             <a:spLocks noGrp="1"/>
           </p:cNvSpPr>
@@ -1380,21 +1389,21 @@
             <a:noAutofit/>
           </a:bodyPr>
           <a:p>
-            <a:pPr indent="0">
-              <a:buNone/>
-            </a:pPr>
-            <a:endParaRPr b="0" lang="it-IT" sz="1800" spc="-1" strike="noStrike">
-              <a:solidFill>
-                <a:schemeClr val="dk1"/>
-              </a:solidFill>
-              <a:latin typeface="Calibri"/>
-            </a:endParaRPr>
-          </a:p>
-        </p:txBody>
-      </p:sp>
-      <p:sp>
-        <p:nvSpPr>
-          <p:cNvPr id="35" name="PlaceHolder 2"/>
+            <a:pPr indent="0" algn="ctr">
+              <a:buNone/>
+            </a:pPr>
+            <a:endParaRPr b="0" lang="it-IT" sz="4400" spc="-1" strike="noStrike">
+              <a:solidFill>
+                <a:srgbClr val="000000"/>
+              </a:solidFill>
+              <a:latin typeface="Arial"/>
+            </a:endParaRPr>
+          </a:p>
+        </p:txBody>
+      </p:sp>
+      <p:sp>
+        <p:nvSpPr>
+          <p:cNvPr id="29" name="PlaceHolder 2"/>
           <p:cNvSpPr>
             <a:spLocks noGrp="1"/>
           </p:cNvSpPr>
@@ -1426,18 +1435,18 @@
               </a:spcBef>
               <a:buNone/>
             </a:pPr>
-            <a:endParaRPr b="0" lang="it-IT" sz="2130" spc="-1" strike="noStrike">
-              <a:solidFill>
-                <a:schemeClr val="dk1"/>
-              </a:solidFill>
-              <a:latin typeface="Calibri"/>
-            </a:endParaRPr>
-          </a:p>
-        </p:txBody>
-      </p:sp>
-      <p:sp>
-        <p:nvSpPr>
-          <p:cNvPr id="36" name="PlaceHolder 3"/>
+            <a:endParaRPr b="0" lang="it-IT" sz="3200" spc="-1" strike="noStrike">
+              <a:solidFill>
+                <a:srgbClr val="000000"/>
+              </a:solidFill>
+              <a:latin typeface="Arial"/>
+            </a:endParaRPr>
+          </a:p>
+        </p:txBody>
+      </p:sp>
+      <p:sp>
+        <p:nvSpPr>
+          <p:cNvPr id="30" name="PlaceHolder 3"/>
           <p:cNvSpPr>
             <a:spLocks noGrp="1"/>
           </p:cNvSpPr>
@@ -1469,11 +1478,11 @@
               </a:spcBef>
               <a:buNone/>
             </a:pPr>
-            <a:endParaRPr b="0" lang="it-IT" sz="2130" spc="-1" strike="noStrike">
-              <a:solidFill>
-                <a:schemeClr val="dk1"/>
-              </a:solidFill>
-              <a:latin typeface="Calibri"/>
+            <a:endParaRPr b="0" lang="it-IT" sz="3200" spc="-1" strike="noStrike">
+              <a:solidFill>
+                <a:srgbClr val="000000"/>
+              </a:solidFill>
+              <a:latin typeface="Arial"/>
             </a:endParaRPr>
           </a:p>
         </p:txBody>
@@ -1485,7 +1494,7 @@
             <a:spLocks noGrp="1"/>
           </p:cNvSpPr>
           <p:nvPr>
-            <p:ph type="ftr" idx="17"/>
+            <p:ph type="ftr" idx="16"/>
           </p:nvPr>
         </p:nvSpPr>
         <p:spPr/>
@@ -1505,14 +1514,14 @@
             <a:spLocks noGrp="1"/>
           </p:cNvSpPr>
           <p:nvPr>
-            <p:ph type="sldNum" idx="18"/>
+            <p:ph type="sldNum" idx="17"/>
           </p:nvPr>
         </p:nvSpPr>
         <p:spPr/>
         <p:txBody>
           <a:bodyPr/>
           <a:p>
-            <a:fld id="{239A1313-1289-45D9-B310-B8E2814841CD}" type="slidenum">
+            <a:fld id="{490D1B21-F39E-42AC-8370-3AE8EC2CB803}" type="slidenum">
               <a:t>&lt;#&gt;</a:t>
             </a:fld>
           </a:p>
@@ -1525,7 +1534,7 @@
             <a:spLocks noGrp="1"/>
           </p:cNvSpPr>
           <p:nvPr>
-            <p:ph type="dt" idx="16"/>
+            <p:ph type="dt" idx="18"/>
           </p:nvPr>
         </p:nvSpPr>
         <p:spPr/>
@@ -1568,7 +1577,7 @@
             <a:spLocks noGrp="1"/>
           </p:cNvSpPr>
           <p:nvPr>
-            <p:ph type="ftr" idx="20"/>
+            <p:ph type="ftr" idx="19"/>
           </p:nvPr>
         </p:nvSpPr>
         <p:spPr/>
@@ -1588,14 +1597,14 @@
             <a:spLocks noGrp="1"/>
           </p:cNvSpPr>
           <p:nvPr>
-            <p:ph type="sldNum" idx="21"/>
+            <p:ph type="sldNum" idx="20"/>
           </p:nvPr>
         </p:nvSpPr>
         <p:spPr/>
         <p:txBody>
           <a:bodyPr/>
           <a:p>
-            <a:fld id="{4ECDDBFB-05D8-4933-81CF-5DCE27B6726B}" type="slidenum">
+            <a:fld id="{F22E99F0-11E2-4075-88C0-4E8B63654C12}" type="slidenum">
               <a:t>&lt;#&gt;</a:t>
             </a:fld>
           </a:p>
@@ -1608,7 +1617,7 @@
             <a:spLocks noGrp="1"/>
           </p:cNvSpPr>
           <p:nvPr>
-            <p:ph type="dt" idx="19"/>
+            <p:ph type="dt" idx="21"/>
           </p:nvPr>
         </p:nvSpPr>
         <p:spPr/>
@@ -1646,7 +1655,7 @@
       </p:grpSpPr>
       <p:sp>
         <p:nvSpPr>
-          <p:cNvPr id="49" name="PlaceHolder 1"/>
+          <p:cNvPr id="38" name="PlaceHolder 1"/>
           <p:cNvSpPr>
             <a:spLocks noGrp="1"/>
           </p:cNvSpPr>
@@ -1672,14 +1681,14 @@
             <a:noAutofit/>
           </a:bodyPr>
           <a:p>
-            <a:pPr indent="0">
-              <a:buNone/>
-            </a:pPr>
-            <a:endParaRPr b="0" lang="it-IT" sz="1800" spc="-1" strike="noStrike">
-              <a:solidFill>
-                <a:schemeClr val="dk1"/>
-              </a:solidFill>
-              <a:latin typeface="Calibri"/>
+            <a:pPr indent="0" algn="ctr">
+              <a:buNone/>
+            </a:pPr>
+            <a:endParaRPr b="0" lang="it-IT" sz="4400" spc="-1" strike="noStrike">
+              <a:solidFill>
+                <a:srgbClr val="000000"/>
+              </a:solidFill>
+              <a:latin typeface="Arial"/>
             </a:endParaRPr>
           </a:p>
         </p:txBody>
@@ -1691,7 +1700,7 @@
             <a:spLocks noGrp="1"/>
           </p:cNvSpPr>
           <p:nvPr>
-            <p:ph type="ftr" idx="23"/>
+            <p:ph type="ftr" idx="22"/>
           </p:nvPr>
         </p:nvSpPr>
         <p:spPr/>
@@ -1711,14 +1720,14 @@
             <a:spLocks noGrp="1"/>
           </p:cNvSpPr>
           <p:nvPr>
-            <p:ph type="sldNum" idx="24"/>
+            <p:ph type="sldNum" idx="23"/>
           </p:nvPr>
         </p:nvSpPr>
         <p:spPr/>
         <p:txBody>
           <a:bodyPr/>
           <a:p>
-            <a:fld id="{737EE995-77FA-45AE-9E1D-D921DAA522F9}" type="slidenum">
+            <a:fld id="{0A72369F-87BF-485C-B7C2-B6CF4D5D5A50}" type="slidenum">
               <a:t>&lt;#&gt;</a:t>
             </a:fld>
           </a:p>
@@ -1731,7 +1740,7 @@
             <a:spLocks noGrp="1"/>
           </p:cNvSpPr>
           <p:nvPr>
-            <p:ph type="dt" idx="22"/>
+            <p:ph type="dt" idx="24"/>
           </p:nvPr>
         </p:nvSpPr>
         <p:spPr/>
@@ -1774,7 +1783,7 @@
             <a:spLocks noGrp="1"/>
           </p:cNvSpPr>
           <p:nvPr>
-            <p:ph type="ftr" idx="26"/>
+            <p:ph type="ftr" idx="25"/>
           </p:nvPr>
         </p:nvSpPr>
         <p:spPr/>
@@ -1794,14 +1803,14 @@
             <a:spLocks noGrp="1"/>
           </p:cNvSpPr>
           <p:nvPr>
-            <p:ph type="sldNum" idx="27"/>
+            <p:ph type="sldNum" idx="26"/>
           </p:nvPr>
         </p:nvSpPr>
         <p:spPr/>
         <p:txBody>
           <a:bodyPr/>
           <a:p>
-            <a:fld id="{2BB0FEE3-9B34-45F0-94B2-F4EBF021478D}" type="slidenum">
+            <a:fld id="{B548B357-84F8-451E-9EEA-0A31B5373BD1}" type="slidenum">
               <a:t>&lt;#&gt;</a:t>
             </a:fld>
           </a:p>
@@ -1814,7 +1823,7 @@
             <a:spLocks noGrp="1"/>
           </p:cNvSpPr>
           <p:nvPr>
-            <p:ph type="dt" idx="25"/>
+            <p:ph type="dt" idx="27"/>
           </p:nvPr>
         </p:nvSpPr>
         <p:spPr/>
@@ -1869,8 +1878,8 @@
         </p:nvSpPr>
         <p:spPr>
           <a:xfrm>
-            <a:off x="457200" y="1420200"/>
-            <a:ext cx="5181120" cy="979560"/>
+            <a:off x="609480" y="273600"/>
+            <a:ext cx="10972080" cy="1144440"/>
           </a:xfrm>
           <a:prstGeom prst="rect">
             <a:avLst/>
@@ -1881,30 +1890,27 @@
           </a:ln>
         </p:spPr>
         <p:txBody>
-          <a:bodyPr lIns="91440" rIns="91440" tIns="45720" bIns="45720" anchor="ctr">
+          <a:bodyPr lIns="0" rIns="0" tIns="0" bIns="0" anchor="ctr">
             <a:noAutofit/>
           </a:bodyPr>
           <a:p>
-            <a:pPr indent="0" algn="ctr" defTabSz="609480">
-              <a:lnSpc>
-                <a:spcPct val="100000"/>
-              </a:lnSpc>
-              <a:buNone/>
-            </a:pPr>
-            <a:r>
-              <a:rPr b="0" lang="en-US" sz="2930" spc="-1" strike="noStrike">
-                <a:solidFill>
-                  <a:schemeClr val="dk1"/>
-                </a:solidFill>
-                <a:latin typeface="Calibri"/>
+            <a:pPr indent="0">
+              <a:buNone/>
+            </a:pPr>
+            <a:r>
+              <a:rPr b="0" lang="it-IT" sz="1800" spc="-1" strike="noStrike">
+                <a:solidFill>
+                  <a:srgbClr val="000000"/>
+                </a:solidFill>
+                <a:latin typeface="Arial"/>
               </a:rPr>
-              <a:t>Click to edit Master title style</a:t>
-            </a:r>
-            <a:endParaRPr b="0" lang="it-IT" sz="2930" spc="-1" strike="noStrike">
-              <a:solidFill>
-                <a:schemeClr val="dk1"/>
-              </a:solidFill>
-              <a:latin typeface="Calibri"/>
+              <a:t>Fai clic per modificare il formato del testo del titolo</a:t>
+            </a:r>
+            <a:endParaRPr b="0" lang="it-IT" sz="1800" spc="-1" strike="noStrike">
+              <a:solidFill>
+                <a:srgbClr val="000000"/>
+              </a:solidFill>
+              <a:latin typeface="Arial"/>
             </a:endParaRPr>
           </a:p>
         </p:txBody>
@@ -1916,13 +1922,13 @@
             <a:spLocks noGrp="1"/>
           </p:cNvSpPr>
           <p:nvPr>
-            <p:ph type="dt" idx="1"/>
+            <p:ph type="ftr" idx="1"/>
           </p:nvPr>
         </p:nvSpPr>
         <p:spPr>
           <a:xfrm>
-            <a:off x="304920" y="4237560"/>
-            <a:ext cx="1422000" cy="243000"/>
+            <a:off x="2082960" y="4237560"/>
+            <a:ext cx="1929600" cy="242640"/>
           </a:xfrm>
           <a:prstGeom prst="rect">
             <a:avLst/>
@@ -1937,40 +1943,42 @@
             <a:noAutofit/>
           </a:bodyPr>
           <a:lstStyle>
-            <a:lvl1pPr indent="0" defTabSz="914400">
+            <a:lvl1pPr indent="0" algn="ctr">
               <a:lnSpc>
                 <a:spcPct val="100000"/>
               </a:lnSpc>
               <a:buNone/>
-              <a:defRPr b="0" lang="en-US" sz="800" spc="-1" strike="noStrike">
-                <a:solidFill>
-                  <a:schemeClr val="dk1">
-                    <a:tint val="75000"/>
-                  </a:schemeClr>
-                </a:solidFill>
-                <a:latin typeface="Calibri"/>
+              <a:tabLst>
+                <a:tab algn="l" pos="0"/>
+              </a:tabLst>
+              <a:defRPr b="0" lang="it-IT" sz="1400" spc="-1" strike="noStrike">
+                <a:solidFill>
+                  <a:srgbClr val="000000"/>
+                </a:solidFill>
+                <a:latin typeface="Times New Roman"/>
               </a:defRPr>
             </a:lvl1pPr>
           </a:lstStyle>
           <a:p>
-            <a:pPr indent="0" defTabSz="914400">
+            <a:pPr indent="0" algn="ctr">
               <a:lnSpc>
                 <a:spcPct val="100000"/>
               </a:lnSpc>
               <a:buNone/>
-            </a:pPr>
-            <a:r>
-              <a:rPr b="0" lang="en-US" sz="800" spc="-1" strike="noStrike">
-                <a:solidFill>
-                  <a:schemeClr val="dk1">
-                    <a:tint val="75000"/>
-                  </a:schemeClr>
-                </a:solidFill>
-                <a:latin typeface="Calibri"/>
+              <a:tabLst>
+                <a:tab algn="l" pos="0"/>
+              </a:tabLst>
+            </a:pPr>
+            <a:r>
+              <a:rPr b="0" lang="it-IT" sz="1400" spc="-1" strike="noStrike">
+                <a:solidFill>
+                  <a:srgbClr val="000000"/>
+                </a:solidFill>
+                <a:latin typeface="Times New Roman"/>
               </a:rPr>
-              <a:t>&lt;data/ora&gt;</a:t>
-            </a:r>
-            <a:endParaRPr b="0" lang="it-IT" sz="800" spc="-1" strike="noStrike">
+              <a:t> </a:t>
+            </a:r>
+            <a:endParaRPr b="0" lang="it-IT" sz="1400" spc="-1" strike="noStrike">
               <a:solidFill>
                 <a:srgbClr val="000000"/>
               </a:solidFill>
@@ -1986,13 +1994,13 @@
             <a:spLocks noGrp="1"/>
           </p:cNvSpPr>
           <p:nvPr>
-            <p:ph type="ftr" idx="2"/>
+            <p:ph type="sldNum" idx="2"/>
           </p:nvPr>
         </p:nvSpPr>
         <p:spPr>
           <a:xfrm>
-            <a:off x="2082960" y="4237560"/>
-            <a:ext cx="1929960" cy="243000"/>
+            <a:off x="4368960" y="4237560"/>
+            <a:ext cx="1421640" cy="242640"/>
           </a:xfrm>
           <a:prstGeom prst="rect">
             <a:avLst/>
@@ -2007,30 +2015,46 @@
             <a:noAutofit/>
           </a:bodyPr>
           <a:lstStyle>
-            <a:lvl1pPr indent="0" algn="ctr">
-              <a:buNone/>
-              <a:defRPr b="0" lang="it-IT" sz="1400" spc="-1" strike="noStrike">
-                <a:solidFill>
-                  <a:srgbClr val="000000"/>
-                </a:solidFill>
-                <a:latin typeface="Times New Roman"/>
+            <a:lvl1pPr indent="0" algn="r" defTabSz="914400">
+              <a:lnSpc>
+                <a:spcPct val="100000"/>
+              </a:lnSpc>
+              <a:buNone/>
+              <a:tabLst>
+                <a:tab algn="l" pos="0"/>
+              </a:tabLst>
+              <a:defRPr b="0" lang="en-US" sz="800" spc="-1" strike="noStrike">
+                <a:solidFill>
+                  <a:schemeClr val="dk1">
+                    <a:tint val="75000"/>
+                  </a:schemeClr>
+                </a:solidFill>
+                <a:latin typeface="Calibri"/>
               </a:defRPr>
             </a:lvl1pPr>
           </a:lstStyle>
           <a:p>
-            <a:pPr indent="0" algn="ctr">
-              <a:buNone/>
-            </a:pPr>
-            <a:r>
-              <a:rPr b="0" lang="it-IT" sz="1400" spc="-1" strike="noStrike">
-                <a:solidFill>
-                  <a:srgbClr val="000000"/>
-                </a:solidFill>
-                <a:latin typeface="Times New Roman"/>
+            <a:pPr indent="0" algn="r" defTabSz="914400">
+              <a:lnSpc>
+                <a:spcPct val="100000"/>
+              </a:lnSpc>
+              <a:buNone/>
+              <a:tabLst>
+                <a:tab algn="l" pos="0"/>
+              </a:tabLst>
+            </a:pPr>
+            <a:fld id="{0794D705-FC01-4866-9240-5C861EBAF2B9}" type="slidenum">
+              <a:rPr b="0" lang="en-US" sz="800" spc="-1" strike="noStrike">
+                <a:solidFill>
+                  <a:schemeClr val="dk1">
+                    <a:tint val="75000"/>
+                  </a:schemeClr>
+                </a:solidFill>
+                <a:latin typeface="Calibri"/>
               </a:rPr>
-              <a:t>&lt;piè di pagina&gt;</a:t>
-            </a:r>
-            <a:endParaRPr b="0" lang="it-IT" sz="1400" spc="-1" strike="noStrike">
+              <a:t>1</a:t>
+            </a:fld>
+            <a:endParaRPr b="0" lang="it-IT" sz="800" spc="-1" strike="noStrike">
               <a:solidFill>
                 <a:srgbClr val="000000"/>
               </a:solidFill>
@@ -2046,13 +2070,13 @@
             <a:spLocks noGrp="1"/>
           </p:cNvSpPr>
           <p:nvPr>
-            <p:ph type="sldNum" idx="3"/>
+            <p:ph type="dt" idx="3"/>
           </p:nvPr>
         </p:nvSpPr>
         <p:spPr>
           <a:xfrm>
-            <a:off x="4368960" y="4237560"/>
-            <a:ext cx="1422000" cy="243000"/>
+            <a:off x="304920" y="4237560"/>
+            <a:ext cx="1421640" cy="242640"/>
           </a:xfrm>
           <a:prstGeom prst="rect">
             <a:avLst/>
@@ -2067,40 +2091,30 @@
             <a:noAutofit/>
           </a:bodyPr>
           <a:lstStyle>
-            <a:lvl1pPr indent="0" algn="r" defTabSz="914400">
-              <a:lnSpc>
-                <a:spcPct val="100000"/>
-              </a:lnSpc>
-              <a:buNone/>
-              <a:defRPr b="0" lang="en-US" sz="800" spc="-1" strike="noStrike">
-                <a:solidFill>
-                  <a:schemeClr val="dk1">
-                    <a:tint val="75000"/>
-                  </a:schemeClr>
-                </a:solidFill>
-                <a:latin typeface="Calibri"/>
+            <a:lvl1pPr indent="0">
+              <a:buNone/>
+              <a:defRPr b="0" lang="it-IT" sz="1400" spc="-1" strike="noStrike">
+                <a:solidFill>
+                  <a:srgbClr val="000000"/>
+                </a:solidFill>
+                <a:latin typeface="Times New Roman"/>
               </a:defRPr>
             </a:lvl1pPr>
           </a:lstStyle>
           <a:p>
-            <a:pPr indent="0" algn="r" defTabSz="914400">
-              <a:lnSpc>
-                <a:spcPct val="100000"/>
-              </a:lnSpc>
-              <a:buNone/>
-            </a:pPr>
-            <a:fld id="{5EA4F7EA-7EF8-4008-BAD4-EF3A19D311CC}" type="slidenum">
-              <a:rPr b="0" lang="en-US" sz="800" spc="-1" strike="noStrike">
-                <a:solidFill>
-                  <a:schemeClr val="dk1">
-                    <a:tint val="75000"/>
-                  </a:schemeClr>
-                </a:solidFill>
-                <a:latin typeface="Calibri"/>
+            <a:pPr indent="0">
+              <a:buNone/>
+            </a:pPr>
+            <a:r>
+              <a:rPr b="0" lang="it-IT" sz="1400" spc="-1" strike="noStrike">
+                <a:solidFill>
+                  <a:srgbClr val="000000"/>
+                </a:solidFill>
+                <a:latin typeface="Times New Roman"/>
               </a:rPr>
-              <a:t>&lt;numero&gt;</a:t>
-            </a:fld>
-            <a:endParaRPr b="0" lang="it-IT" sz="800" spc="-1" strike="noStrike">
+              <a:t> </a:t>
+            </a:r>
+            <a:endParaRPr b="0" lang="it-IT" sz="1400" spc="-1" strike="noStrike">
               <a:solidFill>
                 <a:srgbClr val="000000"/>
               </a:solidFill>
@@ -2144,18 +2158,18 @@
       </p:grpSpPr>
       <p:sp>
         <p:nvSpPr>
-          <p:cNvPr id="55" name="PlaceHolder 1"/>
-          <p:cNvSpPr>
-            <a:spLocks noGrp="1"/>
-          </p:cNvSpPr>
-          <p:nvPr>
-            <p:ph type="title"/>
+          <p:cNvPr id="44" name="PlaceHolder 1"/>
+          <p:cNvSpPr>
+            <a:spLocks noGrp="1"/>
+          </p:cNvSpPr>
+          <p:nvPr>
+            <p:ph type="ftr" idx="28"/>
           </p:nvPr>
         </p:nvSpPr>
         <p:spPr>
           <a:xfrm>
-            <a:off x="304920" y="182160"/>
-            <a:ext cx="2005200" cy="774360"/>
+            <a:off x="2082960" y="4237560"/>
+            <a:ext cx="1929600" cy="242640"/>
           </a:xfrm>
           <a:prstGeom prst="rect">
             <a:avLst/>
@@ -2166,48 +2180,68 @@
           </a:ln>
         </p:spPr>
         <p:txBody>
-          <a:bodyPr lIns="91440" rIns="91440" tIns="45720" bIns="45720" anchor="b">
+          <a:bodyPr lIns="91440" rIns="91440" tIns="45720" bIns="45720" anchor="ctr">
             <a:noAutofit/>
           </a:bodyPr>
-          <a:p>
-            <a:pPr indent="0" defTabSz="609480">
+          <a:lstStyle>
+            <a:lvl1pPr indent="0" algn="ctr">
               <a:lnSpc>
                 <a:spcPct val="100000"/>
               </a:lnSpc>
               <a:buNone/>
-            </a:pPr>
-            <a:r>
-              <a:rPr b="1" lang="en-US" sz="1340" spc="-1" strike="noStrike">
-                <a:solidFill>
-                  <a:schemeClr val="dk1"/>
-                </a:solidFill>
-                <a:latin typeface="Calibri"/>
+              <a:tabLst>
+                <a:tab algn="l" pos="0"/>
+              </a:tabLst>
+              <a:defRPr b="0" lang="it-IT" sz="1400" spc="-1" strike="noStrike">
+                <a:solidFill>
+                  <a:srgbClr val="000000"/>
+                </a:solidFill>
+                <a:latin typeface="Times New Roman"/>
+              </a:defRPr>
+            </a:lvl1pPr>
+          </a:lstStyle>
+          <a:p>
+            <a:pPr indent="0" algn="ctr">
+              <a:lnSpc>
+                <a:spcPct val="100000"/>
+              </a:lnSpc>
+              <a:buNone/>
+              <a:tabLst>
+                <a:tab algn="l" pos="0"/>
+              </a:tabLst>
+            </a:pPr>
+            <a:r>
+              <a:rPr b="0" lang="it-IT" sz="1400" spc="-1" strike="noStrike">
+                <a:solidFill>
+                  <a:srgbClr val="000000"/>
+                </a:solidFill>
+                <a:latin typeface="Times New Roman"/>
               </a:rPr>
-              <a:t>Click to edit Master title style</a:t>
-            </a:r>
-            <a:endParaRPr b="0" lang="it-IT" sz="1340" spc="-1" strike="noStrike">
-              <a:solidFill>
-                <a:schemeClr val="dk1"/>
-              </a:solidFill>
-              <a:latin typeface="Calibri"/>
-            </a:endParaRPr>
-          </a:p>
-        </p:txBody>
-      </p:sp>
-      <p:sp>
-        <p:nvSpPr>
-          <p:cNvPr id="56" name="PlaceHolder 2"/>
-          <p:cNvSpPr>
-            <a:spLocks noGrp="1"/>
-          </p:cNvSpPr>
-          <p:nvPr>
-            <p:ph type="body"/>
+              <a:t>&lt;piè di pagina&gt;</a:t>
+            </a:r>
+            <a:endParaRPr b="0" lang="it-IT" sz="1400" spc="-1" strike="noStrike">
+              <a:solidFill>
+                <a:srgbClr val="000000"/>
+              </a:solidFill>
+              <a:latin typeface="Times New Roman"/>
+            </a:endParaRPr>
+          </a:p>
+        </p:txBody>
+      </p:sp>
+      <p:sp>
+        <p:nvSpPr>
+          <p:cNvPr id="45" name="PlaceHolder 2"/>
+          <p:cNvSpPr>
+            <a:spLocks noGrp="1"/>
+          </p:cNvSpPr>
+          <p:nvPr>
+            <p:ph type="sldNum" idx="29"/>
           </p:nvPr>
         </p:nvSpPr>
         <p:spPr>
           <a:xfrm>
-            <a:off x="2383200" y="182160"/>
-            <a:ext cx="3407400" cy="3901680"/>
+            <a:off x="4368960" y="4237560"/>
+            <a:ext cx="1421640" cy="242640"/>
           </a:xfrm>
           <a:prstGeom prst="rect">
             <a:avLst/>
@@ -2218,175 +2252,72 @@
           </a:ln>
         </p:spPr>
         <p:txBody>
-          <a:bodyPr lIns="91440" rIns="91440" tIns="45720" bIns="45720" anchor="t">
+          <a:bodyPr lIns="91440" rIns="91440" tIns="45720" bIns="45720" anchor="ctr">
             <a:noAutofit/>
           </a:bodyPr>
-          <a:p>
-            <a:pPr marL="228600" indent="-228600" defTabSz="609480">
+          <a:lstStyle>
+            <a:lvl1pPr indent="0" algn="r" defTabSz="914400">
               <a:lnSpc>
                 <a:spcPct val="100000"/>
               </a:lnSpc>
-              <a:spcBef>
-                <a:spcPts val="425"/>
-              </a:spcBef>
-              <a:buClr>
-                <a:srgbClr val="000000"/>
-              </a:buClr>
-              <a:buFont typeface="Arial"/>
-              <a:buChar char="•"/>
-            </a:pPr>
-            <a:r>
-              <a:rPr b="0" lang="en-US" sz="2130" spc="-1" strike="noStrike">
-                <a:solidFill>
-                  <a:schemeClr val="dk1"/>
+              <a:buNone/>
+              <a:tabLst>
+                <a:tab algn="l" pos="0"/>
+              </a:tabLst>
+              <a:defRPr b="0" lang="en-US" sz="800" spc="-1" strike="noStrike">
+                <a:solidFill>
+                  <a:schemeClr val="dk1">
+                    <a:tint val="75000"/>
+                  </a:schemeClr>
                 </a:solidFill>
                 <a:latin typeface="Calibri"/>
-              </a:rPr>
-              <a:t>Click to edit Master text styles</a:t>
-            </a:r>
-            <a:endParaRPr b="0" lang="it-IT" sz="2130" spc="-1" strike="noStrike">
-              <a:solidFill>
-                <a:schemeClr val="dk1"/>
-              </a:solidFill>
-              <a:latin typeface="Calibri"/>
-            </a:endParaRPr>
-          </a:p>
-          <a:p>
-            <a:pPr lvl="1" marL="495360" indent="-190440" defTabSz="609480">
+              </a:defRPr>
+            </a:lvl1pPr>
+          </a:lstStyle>
+          <a:p>
+            <a:pPr indent="0" algn="r" defTabSz="914400">
               <a:lnSpc>
                 <a:spcPct val="100000"/>
               </a:lnSpc>
-              <a:spcBef>
-                <a:spcPts val="374"/>
-              </a:spcBef>
-              <a:buClr>
-                <a:srgbClr val="000000"/>
-              </a:buClr>
-              <a:buFont typeface="Arial"/>
-              <a:buChar char="–"/>
-            </a:pPr>
-            <a:r>
-              <a:rPr b="0" lang="en-US" sz="1870" spc="-1" strike="noStrike">
-                <a:solidFill>
-                  <a:schemeClr val="dk1"/>
+              <a:buNone/>
+              <a:tabLst>
+                <a:tab algn="l" pos="0"/>
+              </a:tabLst>
+            </a:pPr>
+            <a:fld id="{4258D18E-D0A5-4C83-B210-D19F5775C8AB}" type="slidenum">
+              <a:rPr b="0" lang="en-US" sz="800" spc="-1" strike="noStrike">
+                <a:solidFill>
+                  <a:schemeClr val="dk1">
+                    <a:tint val="75000"/>
+                  </a:schemeClr>
                 </a:solidFill>
                 <a:latin typeface="Calibri"/>
               </a:rPr>
-              <a:t>Second level</a:t>
-            </a:r>
-            <a:endParaRPr b="0" lang="it-IT" sz="1870" spc="-1" strike="noStrike">
-              <a:solidFill>
-                <a:schemeClr val="dk1"/>
-              </a:solidFill>
-              <a:latin typeface="Calibri"/>
-            </a:endParaRPr>
-          </a:p>
-          <a:p>
-            <a:pPr lvl="2" marL="762120" indent="-152280" defTabSz="609480">
-              <a:lnSpc>
-                <a:spcPct val="100000"/>
-              </a:lnSpc>
-              <a:spcBef>
-                <a:spcPts val="320"/>
-              </a:spcBef>
-              <a:buClr>
-                <a:srgbClr val="000000"/>
-              </a:buClr>
-              <a:buFont typeface="Arial"/>
-              <a:buChar char="•"/>
-            </a:pPr>
-            <a:r>
-              <a:rPr b="0" lang="en-US" sz="1600" spc="-1" strike="noStrike">
-                <a:solidFill>
-                  <a:schemeClr val="dk1"/>
-                </a:solidFill>
-                <a:latin typeface="Calibri"/>
-              </a:rPr>
-              <a:t>Third level</a:t>
-            </a:r>
-            <a:endParaRPr b="0" lang="it-IT" sz="1600" spc="-1" strike="noStrike">
-              <a:solidFill>
-                <a:schemeClr val="dk1"/>
-              </a:solidFill>
-              <a:latin typeface="Calibri"/>
-            </a:endParaRPr>
-          </a:p>
-          <a:p>
-            <a:pPr lvl="3" marL="1066680" indent="-152280" defTabSz="609480">
-              <a:lnSpc>
-                <a:spcPct val="100000"/>
-              </a:lnSpc>
-              <a:spcBef>
-                <a:spcPts val="266"/>
-              </a:spcBef>
-              <a:buClr>
-                <a:srgbClr val="000000"/>
-              </a:buClr>
-              <a:buFont typeface="Arial"/>
-              <a:buChar char="–"/>
-            </a:pPr>
-            <a:r>
-              <a:rPr b="0" lang="en-US" sz="1340" spc="-1" strike="noStrike">
-                <a:solidFill>
-                  <a:schemeClr val="dk1"/>
-                </a:solidFill>
-                <a:latin typeface="Calibri"/>
-              </a:rPr>
-              <a:t>Fourth level</a:t>
-            </a:r>
-            <a:endParaRPr b="0" lang="it-IT" sz="1340" spc="-1" strike="noStrike">
-              <a:solidFill>
-                <a:schemeClr val="dk1"/>
-              </a:solidFill>
-              <a:latin typeface="Calibri"/>
-            </a:endParaRPr>
-          </a:p>
-          <a:p>
-            <a:pPr lvl="4" marL="1371600" indent="-152280" defTabSz="609480">
-              <a:lnSpc>
-                <a:spcPct val="100000"/>
-              </a:lnSpc>
-              <a:spcBef>
-                <a:spcPts val="266"/>
-              </a:spcBef>
-              <a:buClr>
-                <a:srgbClr val="000000"/>
-              </a:buClr>
-              <a:buFont typeface="Arial"/>
-              <a:buChar char="»"/>
-            </a:pPr>
-            <a:r>
-              <a:rPr b="0" lang="en-US" sz="1340" spc="-1" strike="noStrike">
-                <a:solidFill>
-                  <a:schemeClr val="dk1"/>
-                </a:solidFill>
-                <a:latin typeface="Calibri"/>
-              </a:rPr>
-              <a:t>Fifth level</a:t>
-            </a:r>
-            <a:endParaRPr b="0" lang="it-IT" sz="1340" spc="-1" strike="noStrike">
-              <a:solidFill>
-                <a:schemeClr val="dk1"/>
-              </a:solidFill>
-              <a:latin typeface="Calibri"/>
-            </a:endParaRPr>
-          </a:p>
-        </p:txBody>
-      </p:sp>
-      <p:sp>
-        <p:nvSpPr>
-          <p:cNvPr id="57" name="PlaceHolder 3"/>
-          <p:cNvSpPr>
-            <a:spLocks noGrp="1"/>
-          </p:cNvSpPr>
-          <p:nvPr>
-            <p:ph type="body"/>
+              <a:t>&lt;numero&gt;</a:t>
+            </a:fld>
+            <a:endParaRPr b="0" lang="it-IT" sz="800" spc="-1" strike="noStrike">
+              <a:solidFill>
+                <a:srgbClr val="000000"/>
+              </a:solidFill>
+              <a:latin typeface="Times New Roman"/>
+            </a:endParaRPr>
+          </a:p>
+        </p:txBody>
+      </p:sp>
+      <p:sp>
+        <p:nvSpPr>
+          <p:cNvPr id="46" name="PlaceHolder 3"/>
+          <p:cNvSpPr>
+            <a:spLocks noGrp="1"/>
+          </p:cNvSpPr>
+          <p:nvPr>
+            <p:ph type="dt" idx="30"/>
           </p:nvPr>
         </p:nvSpPr>
         <p:spPr>
           <a:xfrm>
-            <a:off x="304920" y="956880"/>
-            <a:ext cx="2005200" cy="3126960"/>
+            <a:off x="304920" y="4237560"/>
+            <a:ext cx="1421640" cy="242640"/>
           </a:xfrm>
           <a:prstGeom prst="rect">
             <a:avLst/>
@@ -2397,139 +2328,11 @@
           </a:ln>
         </p:spPr>
         <p:txBody>
-          <a:bodyPr lIns="91440" rIns="91440" tIns="45720" bIns="45720" anchor="t">
-            <a:noAutofit/>
-          </a:bodyPr>
-          <a:p>
-            <a:pPr indent="0" defTabSz="609480">
-              <a:lnSpc>
-                <a:spcPct val="100000"/>
-              </a:lnSpc>
-              <a:spcBef>
-                <a:spcPts val="187"/>
-              </a:spcBef>
-              <a:buNone/>
-              <a:tabLst>
-                <a:tab algn="l" pos="0"/>
-              </a:tabLst>
-            </a:pPr>
-            <a:r>
-              <a:rPr b="0" lang="en-US" sz="939" spc="-1" strike="noStrike">
-                <a:solidFill>
-                  <a:schemeClr val="dk1"/>
-                </a:solidFill>
-                <a:latin typeface="Calibri"/>
-              </a:rPr>
-              <a:t>Click to edit Master text styles</a:t>
-            </a:r>
-            <a:endParaRPr b="0" lang="it-IT" sz="939" spc="-1" strike="noStrike">
-              <a:solidFill>
-                <a:schemeClr val="dk1"/>
-              </a:solidFill>
-              <a:latin typeface="Calibri"/>
-            </a:endParaRPr>
-          </a:p>
-        </p:txBody>
-      </p:sp>
-      <p:sp>
-        <p:nvSpPr>
-          <p:cNvPr id="58" name="PlaceHolder 4"/>
-          <p:cNvSpPr>
-            <a:spLocks noGrp="1"/>
-          </p:cNvSpPr>
-          <p:nvPr>
-            <p:ph type="dt" idx="28"/>
-          </p:nvPr>
-        </p:nvSpPr>
-        <p:spPr>
-          <a:xfrm>
-            <a:off x="304920" y="4237560"/>
-            <a:ext cx="1422000" cy="243000"/>
-          </a:xfrm>
-          <a:prstGeom prst="rect">
-            <a:avLst/>
-          </a:prstGeom>
-          <a:noFill/>
-          <a:ln w="0">
-            <a:noFill/>
-          </a:ln>
-        </p:spPr>
-        <p:txBody>
           <a:bodyPr lIns="91440" rIns="91440" tIns="45720" bIns="45720" anchor="ctr">
             <a:noAutofit/>
           </a:bodyPr>
           <a:lstStyle>
-            <a:lvl1pPr indent="0" defTabSz="914400">
-              <a:lnSpc>
-                <a:spcPct val="100000"/>
-              </a:lnSpc>
-              <a:buNone/>
-              <a:defRPr b="0" lang="en-US" sz="800" spc="-1" strike="noStrike">
-                <a:solidFill>
-                  <a:schemeClr val="dk1">
-                    <a:tint val="75000"/>
-                  </a:schemeClr>
-                </a:solidFill>
-                <a:latin typeface="Calibri"/>
-              </a:defRPr>
-            </a:lvl1pPr>
-          </a:lstStyle>
-          <a:p>
-            <a:pPr indent="0" defTabSz="914400">
-              <a:lnSpc>
-                <a:spcPct val="100000"/>
-              </a:lnSpc>
-              <a:buNone/>
-            </a:pPr>
-            <a:r>
-              <a:rPr b="0" lang="en-US" sz="800" spc="-1" strike="noStrike">
-                <a:solidFill>
-                  <a:schemeClr val="dk1">
-                    <a:tint val="75000"/>
-                  </a:schemeClr>
-                </a:solidFill>
-                <a:latin typeface="Calibri"/>
-              </a:rPr>
-              <a:t>&lt;data/ora&gt;</a:t>
-            </a:r>
-            <a:endParaRPr b="0" lang="it-IT" sz="800" spc="-1" strike="noStrike">
-              <a:solidFill>
-                <a:srgbClr val="000000"/>
-              </a:solidFill>
-              <a:latin typeface="Times New Roman"/>
-            </a:endParaRPr>
-          </a:p>
-        </p:txBody>
-      </p:sp>
-      <p:sp>
-        <p:nvSpPr>
-          <p:cNvPr id="59" name="PlaceHolder 5"/>
-          <p:cNvSpPr>
-            <a:spLocks noGrp="1"/>
-          </p:cNvSpPr>
-          <p:nvPr>
-            <p:ph type="ftr" idx="29"/>
-          </p:nvPr>
-        </p:nvSpPr>
-        <p:spPr>
-          <a:xfrm>
-            <a:off x="2082960" y="4237560"/>
-            <a:ext cx="1929960" cy="243000"/>
-          </a:xfrm>
-          <a:prstGeom prst="rect">
-            <a:avLst/>
-          </a:prstGeom>
-          <a:noFill/>
-          <a:ln w="0">
-            <a:noFill/>
-          </a:ln>
-        </p:spPr>
-        <p:txBody>
-          <a:bodyPr lIns="91440" rIns="91440" tIns="45720" bIns="45720" anchor="ctr">
-            <a:noAutofit/>
-          </a:bodyPr>
-          <a:lstStyle>
-            <a:lvl1pPr indent="0" algn="ctr">
+            <a:lvl1pPr indent="0">
               <a:buNone/>
               <a:defRPr b="0" lang="it-IT" sz="1400" spc="-1" strike="noStrike">
                 <a:solidFill>
@@ -2540,7 +2343,7 @@
             </a:lvl1pPr>
           </a:lstStyle>
           <a:p>
-            <a:pPr indent="0" algn="ctr">
+            <a:pPr indent="0">
               <a:buNone/>
             </a:pPr>
             <a:r>
@@ -2550,79 +2353,9 @@
                 </a:solidFill>
                 <a:latin typeface="Times New Roman"/>
               </a:rPr>
-              <a:t>&lt;piè di pagina&gt;</a:t>
+              <a:t>&lt;data/ora&gt;</a:t>
             </a:r>
             <a:endParaRPr b="0" lang="it-IT" sz="1400" spc="-1" strike="noStrike">
-              <a:solidFill>
-                <a:srgbClr val="000000"/>
-              </a:solidFill>
-              <a:latin typeface="Times New Roman"/>
-            </a:endParaRPr>
-          </a:p>
-        </p:txBody>
-      </p:sp>
-      <p:sp>
-        <p:nvSpPr>
-          <p:cNvPr id="60" name="PlaceHolder 6"/>
-          <p:cNvSpPr>
-            <a:spLocks noGrp="1"/>
-          </p:cNvSpPr>
-          <p:nvPr>
-            <p:ph type="sldNum" idx="30"/>
-          </p:nvPr>
-        </p:nvSpPr>
-        <p:spPr>
-          <a:xfrm>
-            <a:off x="4368960" y="4237560"/>
-            <a:ext cx="1422000" cy="243000"/>
-          </a:xfrm>
-          <a:prstGeom prst="rect">
-            <a:avLst/>
-          </a:prstGeom>
-          <a:noFill/>
-          <a:ln w="0">
-            <a:noFill/>
-          </a:ln>
-        </p:spPr>
-        <p:txBody>
-          <a:bodyPr lIns="91440" rIns="91440" tIns="45720" bIns="45720" anchor="ctr">
-            <a:noAutofit/>
-          </a:bodyPr>
-          <a:lstStyle>
-            <a:lvl1pPr indent="0" algn="r" defTabSz="914400">
-              <a:lnSpc>
-                <a:spcPct val="100000"/>
-              </a:lnSpc>
-              <a:buNone/>
-              <a:defRPr b="0" lang="en-US" sz="800" spc="-1" strike="noStrike">
-                <a:solidFill>
-                  <a:schemeClr val="dk1">
-                    <a:tint val="75000"/>
-                  </a:schemeClr>
-                </a:solidFill>
-                <a:latin typeface="Calibri"/>
-              </a:defRPr>
-            </a:lvl1pPr>
-          </a:lstStyle>
-          <a:p>
-            <a:pPr indent="0" algn="r" defTabSz="914400">
-              <a:lnSpc>
-                <a:spcPct val="100000"/>
-              </a:lnSpc>
-              <a:buNone/>
-            </a:pPr>
-            <a:fld id="{BEB90B7B-5F34-49BC-9A07-ED24BB735B26}" type="slidenum">
-              <a:rPr b="0" lang="en-US" sz="800" spc="-1" strike="noStrike">
-                <a:solidFill>
-                  <a:schemeClr val="dk1">
-                    <a:tint val="75000"/>
-                  </a:schemeClr>
-                </a:solidFill>
-                <a:latin typeface="Calibri"/>
-              </a:rPr>
-              <a:t>&lt;numero&gt;</a:t>
-            </a:fld>
-            <a:endParaRPr b="0" lang="it-IT" sz="800" spc="-1" strike="noStrike">
               <a:solidFill>
                 <a:srgbClr val="000000"/>
               </a:solidFill>
@@ -2666,18 +2399,18 @@
       </p:grpSpPr>
       <p:sp>
         <p:nvSpPr>
-          <p:cNvPr id="61" name="PlaceHolder 1"/>
-          <p:cNvSpPr>
-            <a:spLocks noGrp="1"/>
-          </p:cNvSpPr>
-          <p:nvPr>
-            <p:ph type="title"/>
+          <p:cNvPr id="47" name="PlaceHolder 1"/>
+          <p:cNvSpPr>
+            <a:spLocks noGrp="1"/>
+          </p:cNvSpPr>
+          <p:nvPr>
+            <p:ph type="ftr" idx="31"/>
           </p:nvPr>
         </p:nvSpPr>
         <p:spPr>
           <a:xfrm>
-            <a:off x="1194840" y="3200400"/>
-            <a:ext cx="3657240" cy="377640"/>
+            <a:off x="2082960" y="4237560"/>
+            <a:ext cx="1929600" cy="242640"/>
           </a:xfrm>
           <a:prstGeom prst="rect">
             <a:avLst/>
@@ -2688,48 +2421,68 @@
           </a:ln>
         </p:spPr>
         <p:txBody>
-          <a:bodyPr lIns="91440" rIns="91440" tIns="45720" bIns="45720" anchor="b">
+          <a:bodyPr lIns="91440" rIns="91440" tIns="45720" bIns="45720" anchor="ctr">
             <a:noAutofit/>
           </a:bodyPr>
-          <a:p>
-            <a:pPr indent="0" defTabSz="609480">
+          <a:lstStyle>
+            <a:lvl1pPr indent="0" algn="ctr">
               <a:lnSpc>
                 <a:spcPct val="100000"/>
               </a:lnSpc>
               <a:buNone/>
-            </a:pPr>
-            <a:r>
-              <a:rPr b="1" lang="en-US" sz="1340" spc="-1" strike="noStrike">
-                <a:solidFill>
-                  <a:schemeClr val="dk1"/>
-                </a:solidFill>
-                <a:latin typeface="Calibri"/>
+              <a:tabLst>
+                <a:tab algn="l" pos="0"/>
+              </a:tabLst>
+              <a:defRPr b="0" lang="it-IT" sz="1400" spc="-1" strike="noStrike">
+                <a:solidFill>
+                  <a:srgbClr val="000000"/>
+                </a:solidFill>
+                <a:latin typeface="Times New Roman"/>
+              </a:defRPr>
+            </a:lvl1pPr>
+          </a:lstStyle>
+          <a:p>
+            <a:pPr indent="0" algn="ctr">
+              <a:lnSpc>
+                <a:spcPct val="100000"/>
+              </a:lnSpc>
+              <a:buNone/>
+              <a:tabLst>
+                <a:tab algn="l" pos="0"/>
+              </a:tabLst>
+            </a:pPr>
+            <a:r>
+              <a:rPr b="0" lang="it-IT" sz="1400" spc="-1" strike="noStrike">
+                <a:solidFill>
+                  <a:srgbClr val="000000"/>
+                </a:solidFill>
+                <a:latin typeface="Times New Roman"/>
               </a:rPr>
-              <a:t>Click to edit Master title style</a:t>
-            </a:r>
-            <a:endParaRPr b="0" lang="it-IT" sz="1340" spc="-1" strike="noStrike">
-              <a:solidFill>
-                <a:schemeClr val="dk1"/>
-              </a:solidFill>
-              <a:latin typeface="Calibri"/>
-            </a:endParaRPr>
-          </a:p>
-        </p:txBody>
-      </p:sp>
-      <p:sp>
-        <p:nvSpPr>
-          <p:cNvPr id="62" name="PlaceHolder 2"/>
-          <p:cNvSpPr>
-            <a:spLocks noGrp="1"/>
-          </p:cNvSpPr>
-          <p:nvPr>
-            <p:ph type="body"/>
+              <a:t>&lt;piè di pagina&gt;</a:t>
+            </a:r>
+            <a:endParaRPr b="0" lang="it-IT" sz="1400" spc="-1" strike="noStrike">
+              <a:solidFill>
+                <a:srgbClr val="000000"/>
+              </a:solidFill>
+              <a:latin typeface="Times New Roman"/>
+            </a:endParaRPr>
+          </a:p>
+        </p:txBody>
+      </p:sp>
+      <p:sp>
+        <p:nvSpPr>
+          <p:cNvPr id="48" name="PlaceHolder 2"/>
+          <p:cNvSpPr>
+            <a:spLocks noGrp="1"/>
+          </p:cNvSpPr>
+          <p:nvPr>
+            <p:ph type="sldNum" idx="32"/>
           </p:nvPr>
         </p:nvSpPr>
         <p:spPr>
           <a:xfrm>
-            <a:off x="1194840" y="408600"/>
-            <a:ext cx="3657240" cy="2742840"/>
+            <a:off x="4368960" y="4237560"/>
+            <a:ext cx="1421640" cy="242640"/>
           </a:xfrm>
           <a:prstGeom prst="rect">
             <a:avLst/>
@@ -2740,221 +2493,72 @@
           </a:ln>
         </p:spPr>
         <p:txBody>
-          <a:bodyPr lIns="90000" rIns="90000" tIns="45000" bIns="45000" anchor="t">
+          <a:bodyPr lIns="91440" rIns="91440" tIns="45720" bIns="45720" anchor="ctr">
             <a:noAutofit/>
           </a:bodyPr>
-          <a:p>
-            <a:pPr marL="432000" indent="-324000">
-              <a:spcBef>
-                <a:spcPts val="1417"/>
-              </a:spcBef>
-              <a:buClr>
-                <a:srgbClr val="000000"/>
-              </a:buClr>
-              <a:buSzPct val="45000"/>
-              <a:buFont typeface="Wingdings" charset="2"/>
-              <a:buChar char=""/>
-            </a:pPr>
-            <a:r>
-              <a:rPr b="0" lang="it-IT" sz="2130" spc="-1" strike="noStrike">
-                <a:solidFill>
-                  <a:schemeClr val="dk1"/>
+          <a:lstStyle>
+            <a:lvl1pPr indent="0" algn="r" defTabSz="914400">
+              <a:lnSpc>
+                <a:spcPct val="100000"/>
+              </a:lnSpc>
+              <a:buNone/>
+              <a:tabLst>
+                <a:tab algn="l" pos="0"/>
+              </a:tabLst>
+              <a:defRPr b="0" lang="en-US" sz="800" spc="-1" strike="noStrike">
+                <a:solidFill>
+                  <a:schemeClr val="dk1">
+                    <a:tint val="75000"/>
+                  </a:schemeClr>
+                </a:solidFill>
+                <a:latin typeface="Calibri"/>
+              </a:defRPr>
+            </a:lvl1pPr>
+          </a:lstStyle>
+          <a:p>
+            <a:pPr indent="0" algn="r" defTabSz="914400">
+              <a:lnSpc>
+                <a:spcPct val="100000"/>
+              </a:lnSpc>
+              <a:buNone/>
+              <a:tabLst>
+                <a:tab algn="l" pos="0"/>
+              </a:tabLst>
+            </a:pPr>
+            <a:fld id="{4827F76D-0F0E-4318-99D2-190CC4764D03}" type="slidenum">
+              <a:rPr b="0" lang="en-US" sz="800" spc="-1" strike="noStrike">
+                <a:solidFill>
+                  <a:schemeClr val="dk1">
+                    <a:tint val="75000"/>
+                  </a:schemeClr>
                 </a:solidFill>
                 <a:latin typeface="Calibri"/>
               </a:rPr>
-              <a:t>Fai clic per modificare il formato del testo della struttura</a:t>
-            </a:r>
-            <a:endParaRPr b="0" lang="it-IT" sz="2130" spc="-1" strike="noStrike">
-              <a:solidFill>
-                <a:schemeClr val="dk1"/>
-              </a:solidFill>
-              <a:latin typeface="Calibri"/>
-            </a:endParaRPr>
-          </a:p>
-          <a:p>
-            <a:pPr lvl="1" marL="864000" indent="-324000">
-              <a:spcBef>
-                <a:spcPts val="1134"/>
-              </a:spcBef>
-              <a:buClr>
-                <a:srgbClr val="000000"/>
-              </a:buClr>
-              <a:buSzPct val="75000"/>
-              <a:buFont typeface="Symbol" charset="2"/>
-              <a:buChar char=""/>
-            </a:pPr>
-            <a:r>
-              <a:rPr b="0" lang="it-IT" sz="2130" spc="-1" strike="noStrike">
-                <a:solidFill>
-                  <a:schemeClr val="dk1"/>
-                </a:solidFill>
-                <a:latin typeface="Calibri"/>
-              </a:rPr>
-              <a:t>Secondo livello struttura</a:t>
-            </a:r>
-            <a:endParaRPr b="0" lang="it-IT" sz="2130" spc="-1" strike="noStrike">
-              <a:solidFill>
-                <a:schemeClr val="dk1"/>
-              </a:solidFill>
-              <a:latin typeface="Calibri"/>
-            </a:endParaRPr>
-          </a:p>
-          <a:p>
-            <a:pPr lvl="2" marL="1296000" indent="-288000">
-              <a:spcBef>
-                <a:spcPts val="850"/>
-              </a:spcBef>
-              <a:buClr>
-                <a:srgbClr val="000000"/>
-              </a:buClr>
-              <a:buSzPct val="45000"/>
-              <a:buFont typeface="Wingdings" charset="2"/>
-              <a:buChar char=""/>
-            </a:pPr>
-            <a:r>
-              <a:rPr b="0" lang="it-IT" sz="2130" spc="-1" strike="noStrike">
-                <a:solidFill>
-                  <a:schemeClr val="dk1"/>
-                </a:solidFill>
-                <a:latin typeface="Calibri"/>
-              </a:rPr>
-              <a:t>Terzo livello struttura</a:t>
-            </a:r>
-            <a:endParaRPr b="0" lang="it-IT" sz="2130" spc="-1" strike="noStrike">
-              <a:solidFill>
-                <a:schemeClr val="dk1"/>
-              </a:solidFill>
-              <a:latin typeface="Calibri"/>
-            </a:endParaRPr>
-          </a:p>
-          <a:p>
-            <a:pPr lvl="3" marL="1728000" indent="-216000">
-              <a:spcBef>
-                <a:spcPts val="567"/>
-              </a:spcBef>
-              <a:buClr>
-                <a:srgbClr val="000000"/>
-              </a:buClr>
-              <a:buSzPct val="75000"/>
-              <a:buFont typeface="Symbol" charset="2"/>
-              <a:buChar char=""/>
-            </a:pPr>
-            <a:r>
-              <a:rPr b="0" lang="it-IT" sz="2130" spc="-1" strike="noStrike">
-                <a:solidFill>
-                  <a:schemeClr val="dk1"/>
-                </a:solidFill>
-                <a:latin typeface="Calibri"/>
-              </a:rPr>
-              <a:t>Quarto livello struttura</a:t>
-            </a:r>
-            <a:endParaRPr b="0" lang="it-IT" sz="2130" spc="-1" strike="noStrike">
-              <a:solidFill>
-                <a:schemeClr val="dk1"/>
-              </a:solidFill>
-              <a:latin typeface="Calibri"/>
-            </a:endParaRPr>
-          </a:p>
-          <a:p>
-            <a:pPr lvl="4" marL="2160000" indent="-216000">
-              <a:spcBef>
-                <a:spcPts val="283"/>
-              </a:spcBef>
-              <a:buClr>
-                <a:srgbClr val="000000"/>
-              </a:buClr>
-              <a:buSzPct val="45000"/>
-              <a:buFont typeface="Wingdings" charset="2"/>
-              <a:buChar char=""/>
-            </a:pPr>
-            <a:r>
-              <a:rPr b="0" lang="it-IT" sz="2130" spc="-1" strike="noStrike">
-                <a:solidFill>
-                  <a:schemeClr val="dk1"/>
-                </a:solidFill>
-                <a:latin typeface="Calibri"/>
-              </a:rPr>
-              <a:t>Quinto livello struttura</a:t>
-            </a:r>
-            <a:endParaRPr b="0" lang="it-IT" sz="2130" spc="-1" strike="noStrike">
-              <a:solidFill>
-                <a:schemeClr val="dk1"/>
-              </a:solidFill>
-              <a:latin typeface="Calibri"/>
-            </a:endParaRPr>
-          </a:p>
-          <a:p>
-            <a:pPr lvl="5" marL="2592000" indent="-216000">
-              <a:spcBef>
-                <a:spcPts val="283"/>
-              </a:spcBef>
-              <a:buClr>
-                <a:srgbClr val="000000"/>
-              </a:buClr>
-              <a:buSzPct val="45000"/>
-              <a:buFont typeface="Wingdings" charset="2"/>
-              <a:buChar char=""/>
-            </a:pPr>
-            <a:r>
-              <a:rPr b="0" lang="it-IT" sz="2130" spc="-1" strike="noStrike">
-                <a:solidFill>
-                  <a:schemeClr val="dk1"/>
-                </a:solidFill>
-                <a:latin typeface="Calibri"/>
-              </a:rPr>
-              <a:t>Sesto livello struttura</a:t>
-            </a:r>
-            <a:endParaRPr b="0" lang="it-IT" sz="2130" spc="-1" strike="noStrike">
-              <a:solidFill>
-                <a:schemeClr val="dk1"/>
-              </a:solidFill>
-              <a:latin typeface="Calibri"/>
-            </a:endParaRPr>
-          </a:p>
-          <a:p>
-            <a:pPr lvl="6" marL="3024000" indent="-216000">
-              <a:spcBef>
-                <a:spcPts val="283"/>
-              </a:spcBef>
-              <a:buClr>
-                <a:srgbClr val="000000"/>
-              </a:buClr>
-              <a:buSzPct val="45000"/>
-              <a:buFont typeface="Wingdings" charset="2"/>
-              <a:buChar char=""/>
-            </a:pPr>
-            <a:r>
-              <a:rPr b="0" lang="it-IT" sz="2130" spc="-1" strike="noStrike">
-                <a:solidFill>
-                  <a:schemeClr val="dk1"/>
-                </a:solidFill>
-                <a:latin typeface="Calibri"/>
-              </a:rPr>
-              <a:t>Settimo livello struttura</a:t>
-            </a:r>
-            <a:endParaRPr b="0" lang="it-IT" sz="2130" spc="-1" strike="noStrike">
-              <a:solidFill>
-                <a:schemeClr val="dk1"/>
-              </a:solidFill>
-              <a:latin typeface="Calibri"/>
-            </a:endParaRPr>
-          </a:p>
-        </p:txBody>
-      </p:sp>
-      <p:sp>
-        <p:nvSpPr>
-          <p:cNvPr id="63" name="PlaceHolder 3"/>
-          <p:cNvSpPr>
-            <a:spLocks noGrp="1"/>
-          </p:cNvSpPr>
-          <p:nvPr>
-            <p:ph type="body"/>
+              <a:t>&lt;numero&gt;</a:t>
+            </a:fld>
+            <a:endParaRPr b="0" lang="it-IT" sz="800" spc="-1" strike="noStrike">
+              <a:solidFill>
+                <a:srgbClr val="000000"/>
+              </a:solidFill>
+              <a:latin typeface="Times New Roman"/>
+            </a:endParaRPr>
+          </a:p>
+        </p:txBody>
+      </p:sp>
+      <p:sp>
+        <p:nvSpPr>
+          <p:cNvPr id="49" name="PlaceHolder 3"/>
+          <p:cNvSpPr>
+            <a:spLocks noGrp="1"/>
+          </p:cNvSpPr>
+          <p:nvPr>
+            <p:ph type="dt" idx="33"/>
           </p:nvPr>
         </p:nvSpPr>
         <p:spPr>
           <a:xfrm>
-            <a:off x="1194840" y="3578400"/>
-            <a:ext cx="3657240" cy="536040"/>
+            <a:off x="304920" y="4237560"/>
+            <a:ext cx="1421640" cy="242640"/>
           </a:xfrm>
           <a:prstGeom prst="rect">
             <a:avLst/>
@@ -2965,139 +2569,11 @@
           </a:ln>
         </p:spPr>
         <p:txBody>
-          <a:bodyPr lIns="91440" rIns="91440" tIns="45720" bIns="45720" anchor="t">
-            <a:noAutofit/>
-          </a:bodyPr>
-          <a:p>
-            <a:pPr indent="0" defTabSz="609480">
-              <a:lnSpc>
-                <a:spcPct val="100000"/>
-              </a:lnSpc>
-              <a:spcBef>
-                <a:spcPts val="187"/>
-              </a:spcBef>
-              <a:buNone/>
-              <a:tabLst>
-                <a:tab algn="l" pos="0"/>
-              </a:tabLst>
-            </a:pPr>
-            <a:r>
-              <a:rPr b="0" lang="en-US" sz="939" spc="-1" strike="noStrike">
-                <a:solidFill>
-                  <a:schemeClr val="dk1"/>
-                </a:solidFill>
-                <a:latin typeface="Calibri"/>
-              </a:rPr>
-              <a:t>Click to edit Master text styles</a:t>
-            </a:r>
-            <a:endParaRPr b="0" lang="it-IT" sz="939" spc="-1" strike="noStrike">
-              <a:solidFill>
-                <a:schemeClr val="dk1"/>
-              </a:solidFill>
-              <a:latin typeface="Calibri"/>
-            </a:endParaRPr>
-          </a:p>
-        </p:txBody>
-      </p:sp>
-      <p:sp>
-        <p:nvSpPr>
-          <p:cNvPr id="64" name="PlaceHolder 4"/>
-          <p:cNvSpPr>
-            <a:spLocks noGrp="1"/>
-          </p:cNvSpPr>
-          <p:nvPr>
-            <p:ph type="dt" idx="31"/>
-          </p:nvPr>
-        </p:nvSpPr>
-        <p:spPr>
-          <a:xfrm>
-            <a:off x="304920" y="4237560"/>
-            <a:ext cx="1422000" cy="243000"/>
-          </a:xfrm>
-          <a:prstGeom prst="rect">
-            <a:avLst/>
-          </a:prstGeom>
-          <a:noFill/>
-          <a:ln w="0">
-            <a:noFill/>
-          </a:ln>
-        </p:spPr>
-        <p:txBody>
           <a:bodyPr lIns="91440" rIns="91440" tIns="45720" bIns="45720" anchor="ctr">
             <a:noAutofit/>
           </a:bodyPr>
           <a:lstStyle>
-            <a:lvl1pPr indent="0" defTabSz="914400">
-              <a:lnSpc>
-                <a:spcPct val="100000"/>
-              </a:lnSpc>
-              <a:buNone/>
-              <a:defRPr b="0" lang="en-US" sz="800" spc="-1" strike="noStrike">
-                <a:solidFill>
-                  <a:schemeClr val="dk1">
-                    <a:tint val="75000"/>
-                  </a:schemeClr>
-                </a:solidFill>
-                <a:latin typeface="Calibri"/>
-              </a:defRPr>
-            </a:lvl1pPr>
-          </a:lstStyle>
-          <a:p>
-            <a:pPr indent="0" defTabSz="914400">
-              <a:lnSpc>
-                <a:spcPct val="100000"/>
-              </a:lnSpc>
-              <a:buNone/>
-            </a:pPr>
-            <a:r>
-              <a:rPr b="0" lang="en-US" sz="800" spc="-1" strike="noStrike">
-                <a:solidFill>
-                  <a:schemeClr val="dk1">
-                    <a:tint val="75000"/>
-                  </a:schemeClr>
-                </a:solidFill>
-                <a:latin typeface="Calibri"/>
-              </a:rPr>
-              <a:t>&lt;data/ora&gt;</a:t>
-            </a:r>
-            <a:endParaRPr b="0" lang="it-IT" sz="800" spc="-1" strike="noStrike">
-              <a:solidFill>
-                <a:srgbClr val="000000"/>
-              </a:solidFill>
-              <a:latin typeface="Times New Roman"/>
-            </a:endParaRPr>
-          </a:p>
-        </p:txBody>
-      </p:sp>
-      <p:sp>
-        <p:nvSpPr>
-          <p:cNvPr id="65" name="PlaceHolder 5"/>
-          <p:cNvSpPr>
-            <a:spLocks noGrp="1"/>
-          </p:cNvSpPr>
-          <p:nvPr>
-            <p:ph type="ftr" idx="32"/>
-          </p:nvPr>
-        </p:nvSpPr>
-        <p:spPr>
-          <a:xfrm>
-            <a:off x="2082960" y="4237560"/>
-            <a:ext cx="1929960" cy="243000"/>
-          </a:xfrm>
-          <a:prstGeom prst="rect">
-            <a:avLst/>
-          </a:prstGeom>
-          <a:noFill/>
-          <a:ln w="0">
-            <a:noFill/>
-          </a:ln>
-        </p:spPr>
-        <p:txBody>
-          <a:bodyPr lIns="91440" rIns="91440" tIns="45720" bIns="45720" anchor="ctr">
-            <a:noAutofit/>
-          </a:bodyPr>
-          <a:lstStyle>
-            <a:lvl1pPr indent="0" algn="ctr">
+            <a:lvl1pPr indent="0">
               <a:buNone/>
               <a:defRPr b="0" lang="it-IT" sz="1400" spc="-1" strike="noStrike">
                 <a:solidFill>
@@ -3108,7 +2584,7 @@
             </a:lvl1pPr>
           </a:lstStyle>
           <a:p>
-            <a:pPr indent="0" algn="ctr">
+            <a:pPr indent="0">
               <a:buNone/>
             </a:pPr>
             <a:r>
@@ -3118,79 +2594,9 @@
                 </a:solidFill>
                 <a:latin typeface="Times New Roman"/>
               </a:rPr>
-              <a:t>&lt;piè di pagina&gt;</a:t>
+              <a:t>&lt;data/ora&gt;</a:t>
             </a:r>
             <a:endParaRPr b="0" lang="it-IT" sz="1400" spc="-1" strike="noStrike">
-              <a:solidFill>
-                <a:srgbClr val="000000"/>
-              </a:solidFill>
-              <a:latin typeface="Times New Roman"/>
-            </a:endParaRPr>
-          </a:p>
-        </p:txBody>
-      </p:sp>
-      <p:sp>
-        <p:nvSpPr>
-          <p:cNvPr id="66" name="PlaceHolder 6"/>
-          <p:cNvSpPr>
-            <a:spLocks noGrp="1"/>
-          </p:cNvSpPr>
-          <p:nvPr>
-            <p:ph type="sldNum" idx="33"/>
-          </p:nvPr>
-        </p:nvSpPr>
-        <p:spPr>
-          <a:xfrm>
-            <a:off x="4368960" y="4237560"/>
-            <a:ext cx="1422000" cy="243000"/>
-          </a:xfrm>
-          <a:prstGeom prst="rect">
-            <a:avLst/>
-          </a:prstGeom>
-          <a:noFill/>
-          <a:ln w="0">
-            <a:noFill/>
-          </a:ln>
-        </p:spPr>
-        <p:txBody>
-          <a:bodyPr lIns="91440" rIns="91440" tIns="45720" bIns="45720" anchor="ctr">
-            <a:noAutofit/>
-          </a:bodyPr>
-          <a:lstStyle>
-            <a:lvl1pPr indent="0" algn="r" defTabSz="914400">
-              <a:lnSpc>
-                <a:spcPct val="100000"/>
-              </a:lnSpc>
-              <a:buNone/>
-              <a:defRPr b="0" lang="en-US" sz="800" spc="-1" strike="noStrike">
-                <a:solidFill>
-                  <a:schemeClr val="dk1">
-                    <a:tint val="75000"/>
-                  </a:schemeClr>
-                </a:solidFill>
-                <a:latin typeface="Calibri"/>
-              </a:defRPr>
-            </a:lvl1pPr>
-          </a:lstStyle>
-          <a:p>
-            <a:pPr indent="0" algn="r" defTabSz="914400">
-              <a:lnSpc>
-                <a:spcPct val="100000"/>
-              </a:lnSpc>
-              <a:buNone/>
-            </a:pPr>
-            <a:fld id="{7EA32DA5-555B-4669-BB51-85457AF0539E}" type="slidenum">
-              <a:rPr b="0" lang="en-US" sz="800" spc="-1" strike="noStrike">
-                <a:solidFill>
-                  <a:schemeClr val="dk1">
-                    <a:tint val="75000"/>
-                  </a:schemeClr>
-                </a:solidFill>
-                <a:latin typeface="Calibri"/>
-              </a:rPr>
-              <a:t>&lt;numero&gt;</a:t>
-            </a:fld>
-            <a:endParaRPr b="0" lang="it-IT" sz="800" spc="-1" strike="noStrike">
               <a:solidFill>
                 <a:srgbClr val="000000"/>
               </a:solidFill>
@@ -3239,13 +2645,13 @@
             <a:spLocks noGrp="1"/>
           </p:cNvSpPr>
           <p:nvPr>
-            <p:ph type="title"/>
+            <p:ph type="ftr" idx="4"/>
           </p:nvPr>
         </p:nvSpPr>
         <p:spPr>
           <a:xfrm>
-            <a:off x="304920" y="183240"/>
-            <a:ext cx="5486040" cy="761760"/>
+            <a:off x="2082960" y="4237560"/>
+            <a:ext cx="1929600" cy="242640"/>
           </a:xfrm>
           <a:prstGeom prst="rect">
             <a:avLst/>
@@ -3259,27 +2665,47 @@
           <a:bodyPr lIns="91440" rIns="91440" tIns="45720" bIns="45720" anchor="ctr">
             <a:noAutofit/>
           </a:bodyPr>
-          <a:p>
-            <a:pPr indent="0" algn="ctr" defTabSz="609480">
+          <a:lstStyle>
+            <a:lvl1pPr indent="0" algn="ctr">
               <a:lnSpc>
                 <a:spcPct val="100000"/>
               </a:lnSpc>
               <a:buNone/>
-            </a:pPr>
-            <a:r>
-              <a:rPr b="0" lang="en-US" sz="2930" spc="-1" strike="noStrike">
-                <a:solidFill>
-                  <a:schemeClr val="dk1"/>
-                </a:solidFill>
-                <a:latin typeface="Calibri"/>
+              <a:tabLst>
+                <a:tab algn="l" pos="0"/>
+              </a:tabLst>
+              <a:defRPr b="0" lang="it-IT" sz="1400" spc="-1" strike="noStrike">
+                <a:solidFill>
+                  <a:srgbClr val="000000"/>
+                </a:solidFill>
+                <a:latin typeface="Times New Roman"/>
+              </a:defRPr>
+            </a:lvl1pPr>
+          </a:lstStyle>
+          <a:p>
+            <a:pPr indent="0" algn="ctr">
+              <a:lnSpc>
+                <a:spcPct val="100000"/>
+              </a:lnSpc>
+              <a:buNone/>
+              <a:tabLst>
+                <a:tab algn="l" pos="0"/>
+              </a:tabLst>
+            </a:pPr>
+            <a:r>
+              <a:rPr b="0" lang="it-IT" sz="1400" spc="-1" strike="noStrike">
+                <a:solidFill>
+                  <a:srgbClr val="000000"/>
+                </a:solidFill>
+                <a:latin typeface="Times New Roman"/>
               </a:rPr>
-              <a:t>Click to edit Master title style</a:t>
-            </a:r>
-            <a:endParaRPr b="0" lang="it-IT" sz="2930" spc="-1" strike="noStrike">
-              <a:solidFill>
-                <a:schemeClr val="dk1"/>
-              </a:solidFill>
-              <a:latin typeface="Calibri"/>
+              <a:t>&lt;piè di pagina&gt;</a:t>
+            </a:r>
+            <a:endParaRPr b="0" lang="it-IT" sz="1400" spc="-1" strike="noStrike">
+              <a:solidFill>
+                <a:srgbClr val="000000"/>
+              </a:solidFill>
+              <a:latin typeface="Times New Roman"/>
             </a:endParaRPr>
           </a:p>
         </p:txBody>
@@ -3291,13 +2717,13 @@
             <a:spLocks noGrp="1"/>
           </p:cNvSpPr>
           <p:nvPr>
-            <p:ph type="body"/>
+            <p:ph type="sldNum" idx="5"/>
           </p:nvPr>
         </p:nvSpPr>
         <p:spPr>
           <a:xfrm>
-            <a:off x="304920" y="1066680"/>
-            <a:ext cx="5486040" cy="3016800"/>
+            <a:off x="4368960" y="4237560"/>
+            <a:ext cx="1421640" cy="242640"/>
           </a:xfrm>
           <a:prstGeom prst="rect">
             <a:avLst/>
@@ -3308,157 +2734,54 @@
           </a:ln>
         </p:spPr>
         <p:txBody>
-          <a:bodyPr lIns="91440" rIns="91440" tIns="45720" bIns="45720" anchor="t" vert="eaVert">
+          <a:bodyPr lIns="91440" rIns="91440" tIns="45720" bIns="45720" anchor="ctr">
             <a:noAutofit/>
           </a:bodyPr>
-          <a:p>
-            <a:pPr marL="228600" indent="-228600" defTabSz="609480">
+          <a:lstStyle>
+            <a:lvl1pPr indent="0" algn="r" defTabSz="914400">
               <a:lnSpc>
                 <a:spcPct val="100000"/>
               </a:lnSpc>
-              <a:spcBef>
-                <a:spcPts val="425"/>
-              </a:spcBef>
-              <a:buClr>
-                <a:srgbClr val="000000"/>
-              </a:buClr>
-              <a:buFont typeface="Arial"/>
-              <a:buChar char="•"/>
-            </a:pPr>
-            <a:r>
-              <a:rPr b="0" lang="en-US" sz="2130" spc="-1" strike="noStrike">
-                <a:solidFill>
-                  <a:schemeClr val="dk1"/>
+              <a:buNone/>
+              <a:tabLst>
+                <a:tab algn="l" pos="0"/>
+              </a:tabLst>
+              <a:defRPr b="0" lang="en-US" sz="800" spc="-1" strike="noStrike">
+                <a:solidFill>
+                  <a:schemeClr val="dk1">
+                    <a:tint val="75000"/>
+                  </a:schemeClr>
                 </a:solidFill>
                 <a:latin typeface="Calibri"/>
-              </a:rPr>
-              <a:t>Click to edit Master text styles</a:t>
-            </a:r>
-            <a:endParaRPr b="0" lang="it-IT" sz="2130" spc="-1" strike="noStrike">
-              <a:solidFill>
-                <a:schemeClr val="dk1"/>
-              </a:solidFill>
-              <a:latin typeface="Calibri"/>
-            </a:endParaRPr>
-          </a:p>
-          <a:p>
-            <a:pPr lvl="1" marL="495360" indent="-190440" defTabSz="609480">
+              </a:defRPr>
+            </a:lvl1pPr>
+          </a:lstStyle>
+          <a:p>
+            <a:pPr indent="0" algn="r" defTabSz="914400">
               <a:lnSpc>
                 <a:spcPct val="100000"/>
               </a:lnSpc>
-              <a:spcBef>
-                <a:spcPts val="374"/>
-              </a:spcBef>
-              <a:buClr>
-                <a:srgbClr val="000000"/>
-              </a:buClr>
-              <a:buFont typeface="Arial"/>
-              <a:buChar char="–"/>
-            </a:pPr>
-            <a:r>
-              <a:rPr b="0" lang="en-US" sz="1870" spc="-1" strike="noStrike">
-                <a:solidFill>
-                  <a:schemeClr val="dk1"/>
+              <a:buNone/>
+              <a:tabLst>
+                <a:tab algn="l" pos="0"/>
+              </a:tabLst>
+            </a:pPr>
+            <a:fld id="{FC4CA8CF-40F0-4170-8755-F8D69F3A437A}" type="slidenum">
+              <a:rPr b="0" lang="en-US" sz="800" spc="-1" strike="noStrike">
+                <a:solidFill>
+                  <a:schemeClr val="dk1">
+                    <a:tint val="75000"/>
+                  </a:schemeClr>
                 </a:solidFill>
                 <a:latin typeface="Calibri"/>
               </a:rPr>
-              <a:t>Second level</a:t>
-            </a:r>
-            <a:endParaRPr b="0" lang="it-IT" sz="1870" spc="-1" strike="noStrike">
-              <a:solidFill>
-                <a:schemeClr val="dk1"/>
-              </a:solidFill>
-              <a:latin typeface="Calibri"/>
-            </a:endParaRPr>
-          </a:p>
-          <a:p>
-            <a:pPr lvl="2" marL="762120" indent="-152280" defTabSz="609480">
-              <a:lnSpc>
-                <a:spcPct val="100000"/>
-              </a:lnSpc>
-              <a:spcBef>
-                <a:spcPts val="320"/>
-              </a:spcBef>
-              <a:buClr>
-                <a:srgbClr val="000000"/>
-              </a:buClr>
-              <a:buFont typeface="Arial"/>
-              <a:buChar char="•"/>
-            </a:pPr>
-            <a:r>
-              <a:rPr b="0" lang="en-US" sz="1600" spc="-1" strike="noStrike">
-                <a:solidFill>
-                  <a:schemeClr val="dk1"/>
-                </a:solidFill>
-                <a:latin typeface="Calibri"/>
-              </a:rPr>
-              <a:t>Third level</a:t>
-            </a:r>
-            <a:endParaRPr b="0" lang="it-IT" sz="1600" spc="-1" strike="noStrike">
-              <a:solidFill>
-                <a:schemeClr val="dk1"/>
-              </a:solidFill>
-              <a:latin typeface="Calibri"/>
-            </a:endParaRPr>
-          </a:p>
-          <a:p>
-            <a:pPr lvl="3" marL="1066680" indent="-152280" defTabSz="609480">
-              <a:lnSpc>
-                <a:spcPct val="100000"/>
-              </a:lnSpc>
-              <a:spcBef>
-                <a:spcPts val="266"/>
-              </a:spcBef>
-              <a:buClr>
-                <a:srgbClr val="000000"/>
-              </a:buClr>
-              <a:buFont typeface="Arial"/>
-              <a:buChar char="–"/>
-            </a:pPr>
-            <a:r>
-              <a:rPr b="0" lang="en-US" sz="1340" spc="-1" strike="noStrike">
-                <a:solidFill>
-                  <a:schemeClr val="dk1"/>
-                </a:solidFill>
-                <a:latin typeface="Calibri"/>
-              </a:rPr>
-              <a:t>Fourth level</a:t>
-            </a:r>
-            <a:endParaRPr b="0" lang="it-IT" sz="1340" spc="-1" strike="noStrike">
-              <a:solidFill>
-                <a:schemeClr val="dk1"/>
-              </a:solidFill>
-              <a:latin typeface="Calibri"/>
-            </a:endParaRPr>
-          </a:p>
-          <a:p>
-            <a:pPr lvl="4" marL="1371600" indent="-152280" defTabSz="609480">
-              <a:lnSpc>
-                <a:spcPct val="100000"/>
-              </a:lnSpc>
-              <a:spcBef>
-                <a:spcPts val="266"/>
-              </a:spcBef>
-              <a:buClr>
-                <a:srgbClr val="000000"/>
-              </a:buClr>
-              <a:buFont typeface="Arial"/>
-              <a:buChar char="»"/>
-            </a:pPr>
-            <a:r>
-              <a:rPr b="0" lang="en-US" sz="1340" spc="-1" strike="noStrike">
-                <a:solidFill>
-                  <a:schemeClr val="dk1"/>
-                </a:solidFill>
-                <a:latin typeface="Calibri"/>
-              </a:rPr>
-              <a:t>Fifth level</a:t>
-            </a:r>
-            <a:endParaRPr b="0" lang="it-IT" sz="1340" spc="-1" strike="noStrike">
-              <a:solidFill>
-                <a:schemeClr val="dk1"/>
-              </a:solidFill>
-              <a:latin typeface="Calibri"/>
+              <a:t>&lt;numero&gt;</a:t>
+            </a:fld>
+            <a:endParaRPr b="0" lang="it-IT" sz="800" spc="-1" strike="noStrike">
+              <a:solidFill>
+                <a:srgbClr val="000000"/>
+              </a:solidFill>
+              <a:latin typeface="Times New Roman"/>
             </a:endParaRPr>
           </a:p>
         </p:txBody>
@@ -3470,13 +2793,13 @@
             <a:spLocks noGrp="1"/>
           </p:cNvSpPr>
           <p:nvPr>
-            <p:ph type="dt" idx="4"/>
+            <p:ph type="dt" idx="6"/>
           </p:nvPr>
         </p:nvSpPr>
         <p:spPr>
           <a:xfrm>
             <a:off x="304920" y="4237560"/>
-            <a:ext cx="1422000" cy="243000"/>
+            <a:ext cx="1421640" cy="242640"/>
           </a:xfrm>
           <a:prstGeom prst="rect">
             <a:avLst/>
@@ -3491,77 +2814,7 @@
             <a:noAutofit/>
           </a:bodyPr>
           <a:lstStyle>
-            <a:lvl1pPr indent="0" defTabSz="914400">
-              <a:lnSpc>
-                <a:spcPct val="100000"/>
-              </a:lnSpc>
-              <a:buNone/>
-              <a:defRPr b="0" lang="en-US" sz="800" spc="-1" strike="noStrike">
-                <a:solidFill>
-                  <a:schemeClr val="dk1">
-                    <a:tint val="75000"/>
-                  </a:schemeClr>
-                </a:solidFill>
-                <a:latin typeface="Calibri"/>
-              </a:defRPr>
-            </a:lvl1pPr>
-          </a:lstStyle>
-          <a:p>
-            <a:pPr indent="0" defTabSz="914400">
-              <a:lnSpc>
-                <a:spcPct val="100000"/>
-              </a:lnSpc>
-              <a:buNone/>
-            </a:pPr>
-            <a:r>
-              <a:rPr b="0" lang="en-US" sz="800" spc="-1" strike="noStrike">
-                <a:solidFill>
-                  <a:schemeClr val="dk1">
-                    <a:tint val="75000"/>
-                  </a:schemeClr>
-                </a:solidFill>
-                <a:latin typeface="Calibri"/>
-              </a:rPr>
-              <a:t>&lt;data/ora&gt;</a:t>
-            </a:r>
-            <a:endParaRPr b="0" lang="it-IT" sz="800" spc="-1" strike="noStrike">
-              <a:solidFill>
-                <a:srgbClr val="000000"/>
-              </a:solidFill>
-              <a:latin typeface="Times New Roman"/>
-            </a:endParaRPr>
-          </a:p>
-        </p:txBody>
-      </p:sp>
-      <p:sp>
-        <p:nvSpPr>
-          <p:cNvPr id="9" name="PlaceHolder 4"/>
-          <p:cNvSpPr>
-            <a:spLocks noGrp="1"/>
-          </p:cNvSpPr>
-          <p:nvPr>
-            <p:ph type="ftr" idx="5"/>
-          </p:nvPr>
-        </p:nvSpPr>
-        <p:spPr>
-          <a:xfrm>
-            <a:off x="2082960" y="4237560"/>
-            <a:ext cx="1929960" cy="243000"/>
-          </a:xfrm>
-          <a:prstGeom prst="rect">
-            <a:avLst/>
-          </a:prstGeom>
-          <a:noFill/>
-          <a:ln w="0">
-            <a:noFill/>
-          </a:ln>
-        </p:spPr>
-        <p:txBody>
-          <a:bodyPr lIns="91440" rIns="91440" tIns="45720" bIns="45720" anchor="ctr">
-            <a:noAutofit/>
-          </a:bodyPr>
-          <a:lstStyle>
-            <a:lvl1pPr indent="0" algn="ctr">
+            <a:lvl1pPr indent="0">
               <a:buNone/>
               <a:defRPr b="0" lang="it-IT" sz="1400" spc="-1" strike="noStrike">
                 <a:solidFill>
@@ -3572,7 +2825,7 @@
             </a:lvl1pPr>
           </a:lstStyle>
           <a:p>
-            <a:pPr indent="0" algn="ctr">
+            <a:pPr indent="0">
               <a:buNone/>
             </a:pPr>
             <a:r>
@@ -3582,79 +2835,9 @@
                 </a:solidFill>
                 <a:latin typeface="Times New Roman"/>
               </a:rPr>
-              <a:t>&lt;piè di pagina&gt;</a:t>
+              <a:t>&lt;data/ora&gt;</a:t>
             </a:r>
             <a:endParaRPr b="0" lang="it-IT" sz="1400" spc="-1" strike="noStrike">
-              <a:solidFill>
-                <a:srgbClr val="000000"/>
-              </a:solidFill>
-              <a:latin typeface="Times New Roman"/>
-            </a:endParaRPr>
-          </a:p>
-        </p:txBody>
-      </p:sp>
-      <p:sp>
-        <p:nvSpPr>
-          <p:cNvPr id="10" name="PlaceHolder 5"/>
-          <p:cNvSpPr>
-            <a:spLocks noGrp="1"/>
-          </p:cNvSpPr>
-          <p:nvPr>
-            <p:ph type="sldNum" idx="6"/>
-          </p:nvPr>
-        </p:nvSpPr>
-        <p:spPr>
-          <a:xfrm>
-            <a:off x="4368960" y="4237560"/>
-            <a:ext cx="1422000" cy="243000"/>
-          </a:xfrm>
-          <a:prstGeom prst="rect">
-            <a:avLst/>
-          </a:prstGeom>
-          <a:noFill/>
-          <a:ln w="0">
-            <a:noFill/>
-          </a:ln>
-        </p:spPr>
-        <p:txBody>
-          <a:bodyPr lIns="91440" rIns="91440" tIns="45720" bIns="45720" anchor="ctr">
-            <a:noAutofit/>
-          </a:bodyPr>
-          <a:lstStyle>
-            <a:lvl1pPr indent="0" algn="r" defTabSz="914400">
-              <a:lnSpc>
-                <a:spcPct val="100000"/>
-              </a:lnSpc>
-              <a:buNone/>
-              <a:defRPr b="0" lang="en-US" sz="800" spc="-1" strike="noStrike">
-                <a:solidFill>
-                  <a:schemeClr val="dk1">
-                    <a:tint val="75000"/>
-                  </a:schemeClr>
-                </a:solidFill>
-                <a:latin typeface="Calibri"/>
-              </a:defRPr>
-            </a:lvl1pPr>
-          </a:lstStyle>
-          <a:p>
-            <a:pPr indent="0" algn="r" defTabSz="914400">
-              <a:lnSpc>
-                <a:spcPct val="100000"/>
-              </a:lnSpc>
-              <a:buNone/>
-            </a:pPr>
-            <a:fld id="{1D880D8E-114B-4285-A8E6-F38CFACF7604}" type="slidenum">
-              <a:rPr b="0" lang="en-US" sz="800" spc="-1" strike="noStrike">
-                <a:solidFill>
-                  <a:schemeClr val="dk1">
-                    <a:tint val="75000"/>
-                  </a:schemeClr>
-                </a:solidFill>
-                <a:latin typeface="Calibri"/>
-              </a:rPr>
-              <a:t>&lt;numero&gt;</a:t>
-            </a:fld>
-            <a:endParaRPr b="0" lang="it-IT" sz="800" spc="-1" strike="noStrike">
               <a:solidFill>
                 <a:srgbClr val="000000"/>
               </a:solidFill>
@@ -3698,18 +2881,18 @@
       </p:grpSpPr>
       <p:sp>
         <p:nvSpPr>
-          <p:cNvPr id="11" name="PlaceHolder 1"/>
-          <p:cNvSpPr>
-            <a:spLocks noGrp="1"/>
-          </p:cNvSpPr>
-          <p:nvPr>
-            <p:ph type="title"/>
+          <p:cNvPr id="9" name="PlaceHolder 1"/>
+          <p:cNvSpPr>
+            <a:spLocks noGrp="1"/>
+          </p:cNvSpPr>
+          <p:nvPr>
+            <p:ph type="ftr" idx="7"/>
           </p:nvPr>
         </p:nvSpPr>
         <p:spPr>
           <a:xfrm>
-            <a:off x="4419720" y="183240"/>
-            <a:ext cx="1371240" cy="3900600"/>
+            <a:off x="2082960" y="4237560"/>
+            <a:ext cx="1929600" cy="242640"/>
           </a:xfrm>
           <a:prstGeom prst="rect">
             <a:avLst/>
@@ -3720,48 +2903,68 @@
           </a:ln>
         </p:spPr>
         <p:txBody>
-          <a:bodyPr lIns="91440" rIns="91440" tIns="45720" bIns="45720" anchor="ctr" vert="eaVert">
+          <a:bodyPr lIns="91440" rIns="91440" tIns="45720" bIns="45720" anchor="ctr">
             <a:noAutofit/>
           </a:bodyPr>
-          <a:p>
-            <a:pPr indent="0" algn="ctr" defTabSz="609480">
+          <a:lstStyle>
+            <a:lvl1pPr indent="0" algn="ctr">
               <a:lnSpc>
                 <a:spcPct val="100000"/>
               </a:lnSpc>
               <a:buNone/>
-            </a:pPr>
-            <a:r>
-              <a:rPr b="0" lang="en-US" sz="2930" spc="-1" strike="noStrike">
-                <a:solidFill>
-                  <a:schemeClr val="dk1"/>
-                </a:solidFill>
-                <a:latin typeface="Calibri"/>
+              <a:tabLst>
+                <a:tab algn="l" pos="0"/>
+              </a:tabLst>
+              <a:defRPr b="0" lang="it-IT" sz="1400" spc="-1" strike="noStrike">
+                <a:solidFill>
+                  <a:srgbClr val="000000"/>
+                </a:solidFill>
+                <a:latin typeface="Times New Roman"/>
+              </a:defRPr>
+            </a:lvl1pPr>
+          </a:lstStyle>
+          <a:p>
+            <a:pPr indent="0" algn="ctr">
+              <a:lnSpc>
+                <a:spcPct val="100000"/>
+              </a:lnSpc>
+              <a:buNone/>
+              <a:tabLst>
+                <a:tab algn="l" pos="0"/>
+              </a:tabLst>
+            </a:pPr>
+            <a:r>
+              <a:rPr b="0" lang="it-IT" sz="1400" spc="-1" strike="noStrike">
+                <a:solidFill>
+                  <a:srgbClr val="000000"/>
+                </a:solidFill>
+                <a:latin typeface="Times New Roman"/>
               </a:rPr>
-              <a:t>Click to edit Master title style</a:t>
-            </a:r>
-            <a:endParaRPr b="0" lang="it-IT" sz="2930" spc="-1" strike="noStrike">
-              <a:solidFill>
-                <a:schemeClr val="dk1"/>
-              </a:solidFill>
-              <a:latin typeface="Calibri"/>
-            </a:endParaRPr>
-          </a:p>
-        </p:txBody>
-      </p:sp>
-      <p:sp>
-        <p:nvSpPr>
-          <p:cNvPr id="12" name="PlaceHolder 2"/>
-          <p:cNvSpPr>
-            <a:spLocks noGrp="1"/>
-          </p:cNvSpPr>
-          <p:nvPr>
-            <p:ph type="body"/>
+              <a:t>&lt;piè di pagina&gt;</a:t>
+            </a:r>
+            <a:endParaRPr b="0" lang="it-IT" sz="1400" spc="-1" strike="noStrike">
+              <a:solidFill>
+                <a:srgbClr val="000000"/>
+              </a:solidFill>
+              <a:latin typeface="Times New Roman"/>
+            </a:endParaRPr>
+          </a:p>
+        </p:txBody>
+      </p:sp>
+      <p:sp>
+        <p:nvSpPr>
+          <p:cNvPr id="10" name="PlaceHolder 2"/>
+          <p:cNvSpPr>
+            <a:spLocks noGrp="1"/>
+          </p:cNvSpPr>
+          <p:nvPr>
+            <p:ph type="sldNum" idx="8"/>
           </p:nvPr>
         </p:nvSpPr>
         <p:spPr>
           <a:xfrm>
-            <a:off x="304920" y="183240"/>
-            <a:ext cx="4012920" cy="3900600"/>
+            <a:off x="4368960" y="4237560"/>
+            <a:ext cx="1421640" cy="242640"/>
           </a:xfrm>
           <a:prstGeom prst="rect">
             <a:avLst/>
@@ -3772,175 +2975,72 @@
           </a:ln>
         </p:spPr>
         <p:txBody>
-          <a:bodyPr lIns="91440" rIns="91440" tIns="45720" bIns="45720" anchor="t" vert="eaVert">
+          <a:bodyPr lIns="91440" rIns="91440" tIns="45720" bIns="45720" anchor="ctr">
             <a:noAutofit/>
           </a:bodyPr>
-          <a:p>
-            <a:pPr marL="228600" indent="-228600" defTabSz="609480">
+          <a:lstStyle>
+            <a:lvl1pPr indent="0" algn="r" defTabSz="914400">
               <a:lnSpc>
                 <a:spcPct val="100000"/>
               </a:lnSpc>
-              <a:spcBef>
-                <a:spcPts val="425"/>
-              </a:spcBef>
-              <a:buClr>
-                <a:srgbClr val="000000"/>
-              </a:buClr>
-              <a:buFont typeface="Arial"/>
-              <a:buChar char="•"/>
-            </a:pPr>
-            <a:r>
-              <a:rPr b="0" lang="en-US" sz="2130" spc="-1" strike="noStrike">
-                <a:solidFill>
-                  <a:schemeClr val="dk1"/>
+              <a:buNone/>
+              <a:tabLst>
+                <a:tab algn="l" pos="0"/>
+              </a:tabLst>
+              <a:defRPr b="0" lang="en-US" sz="800" spc="-1" strike="noStrike">
+                <a:solidFill>
+                  <a:schemeClr val="dk1">
+                    <a:tint val="75000"/>
+                  </a:schemeClr>
                 </a:solidFill>
                 <a:latin typeface="Calibri"/>
-              </a:rPr>
-              <a:t>Click to edit Master text styles</a:t>
-            </a:r>
-            <a:endParaRPr b="0" lang="it-IT" sz="2130" spc="-1" strike="noStrike">
-              <a:solidFill>
-                <a:schemeClr val="dk1"/>
-              </a:solidFill>
-              <a:latin typeface="Calibri"/>
-            </a:endParaRPr>
-          </a:p>
-          <a:p>
-            <a:pPr lvl="1" marL="495360" indent="-190440" defTabSz="609480">
+              </a:defRPr>
+            </a:lvl1pPr>
+          </a:lstStyle>
+          <a:p>
+            <a:pPr indent="0" algn="r" defTabSz="914400">
               <a:lnSpc>
                 <a:spcPct val="100000"/>
               </a:lnSpc>
-              <a:spcBef>
-                <a:spcPts val="374"/>
-              </a:spcBef>
-              <a:buClr>
-                <a:srgbClr val="000000"/>
-              </a:buClr>
-              <a:buFont typeface="Arial"/>
-              <a:buChar char="–"/>
-            </a:pPr>
-            <a:r>
-              <a:rPr b="0" lang="en-US" sz="1870" spc="-1" strike="noStrike">
-                <a:solidFill>
-                  <a:schemeClr val="dk1"/>
+              <a:buNone/>
+              <a:tabLst>
+                <a:tab algn="l" pos="0"/>
+              </a:tabLst>
+            </a:pPr>
+            <a:fld id="{11162C31-1ABE-4E9B-9B88-426386A461AC}" type="slidenum">
+              <a:rPr b="0" lang="en-US" sz="800" spc="-1" strike="noStrike">
+                <a:solidFill>
+                  <a:schemeClr val="dk1">
+                    <a:tint val="75000"/>
+                  </a:schemeClr>
                 </a:solidFill>
                 <a:latin typeface="Calibri"/>
               </a:rPr>
-              <a:t>Second level</a:t>
-            </a:r>
-            <a:endParaRPr b="0" lang="it-IT" sz="1870" spc="-1" strike="noStrike">
-              <a:solidFill>
-                <a:schemeClr val="dk1"/>
-              </a:solidFill>
-              <a:latin typeface="Calibri"/>
-            </a:endParaRPr>
-          </a:p>
-          <a:p>
-            <a:pPr lvl="2" marL="762120" indent="-152280" defTabSz="609480">
-              <a:lnSpc>
-                <a:spcPct val="100000"/>
-              </a:lnSpc>
-              <a:spcBef>
-                <a:spcPts val="320"/>
-              </a:spcBef>
-              <a:buClr>
-                <a:srgbClr val="000000"/>
-              </a:buClr>
-              <a:buFont typeface="Arial"/>
-              <a:buChar char="•"/>
-            </a:pPr>
-            <a:r>
-              <a:rPr b="0" lang="en-US" sz="1600" spc="-1" strike="noStrike">
-                <a:solidFill>
-                  <a:schemeClr val="dk1"/>
-                </a:solidFill>
-                <a:latin typeface="Calibri"/>
-              </a:rPr>
-              <a:t>Third level</a:t>
-            </a:r>
-            <a:endParaRPr b="0" lang="it-IT" sz="1600" spc="-1" strike="noStrike">
-              <a:solidFill>
-                <a:schemeClr val="dk1"/>
-              </a:solidFill>
-              <a:latin typeface="Calibri"/>
-            </a:endParaRPr>
-          </a:p>
-          <a:p>
-            <a:pPr lvl="3" marL="1066680" indent="-152280" defTabSz="609480">
-              <a:lnSpc>
-                <a:spcPct val="100000"/>
-              </a:lnSpc>
-              <a:spcBef>
-                <a:spcPts val="266"/>
-              </a:spcBef>
-              <a:buClr>
-                <a:srgbClr val="000000"/>
-              </a:buClr>
-              <a:buFont typeface="Arial"/>
-              <a:buChar char="–"/>
-            </a:pPr>
-            <a:r>
-              <a:rPr b="0" lang="en-US" sz="1340" spc="-1" strike="noStrike">
-                <a:solidFill>
-                  <a:schemeClr val="dk1"/>
-                </a:solidFill>
-                <a:latin typeface="Calibri"/>
-              </a:rPr>
-              <a:t>Fourth level</a:t>
-            </a:r>
-            <a:endParaRPr b="0" lang="it-IT" sz="1340" spc="-1" strike="noStrike">
-              <a:solidFill>
-                <a:schemeClr val="dk1"/>
-              </a:solidFill>
-              <a:latin typeface="Calibri"/>
-            </a:endParaRPr>
-          </a:p>
-          <a:p>
-            <a:pPr lvl="4" marL="1371600" indent="-152280" defTabSz="609480">
-              <a:lnSpc>
-                <a:spcPct val="100000"/>
-              </a:lnSpc>
-              <a:spcBef>
-                <a:spcPts val="266"/>
-              </a:spcBef>
-              <a:buClr>
-                <a:srgbClr val="000000"/>
-              </a:buClr>
-              <a:buFont typeface="Arial"/>
-              <a:buChar char="»"/>
-            </a:pPr>
-            <a:r>
-              <a:rPr b="0" lang="en-US" sz="1340" spc="-1" strike="noStrike">
-                <a:solidFill>
-                  <a:schemeClr val="dk1"/>
-                </a:solidFill>
-                <a:latin typeface="Calibri"/>
-              </a:rPr>
-              <a:t>Fifth level</a:t>
-            </a:r>
-            <a:endParaRPr b="0" lang="it-IT" sz="1340" spc="-1" strike="noStrike">
-              <a:solidFill>
-                <a:schemeClr val="dk1"/>
-              </a:solidFill>
-              <a:latin typeface="Calibri"/>
-            </a:endParaRPr>
-          </a:p>
-        </p:txBody>
-      </p:sp>
-      <p:sp>
-        <p:nvSpPr>
-          <p:cNvPr id="13" name="PlaceHolder 3"/>
-          <p:cNvSpPr>
-            <a:spLocks noGrp="1"/>
-          </p:cNvSpPr>
-          <p:nvPr>
-            <p:ph type="dt" idx="7"/>
+              <a:t>&lt;numero&gt;</a:t>
+            </a:fld>
+            <a:endParaRPr b="0" lang="it-IT" sz="800" spc="-1" strike="noStrike">
+              <a:solidFill>
+                <a:srgbClr val="000000"/>
+              </a:solidFill>
+              <a:latin typeface="Times New Roman"/>
+            </a:endParaRPr>
+          </a:p>
+        </p:txBody>
+      </p:sp>
+      <p:sp>
+        <p:nvSpPr>
+          <p:cNvPr id="11" name="PlaceHolder 3"/>
+          <p:cNvSpPr>
+            <a:spLocks noGrp="1"/>
+          </p:cNvSpPr>
+          <p:nvPr>
+            <p:ph type="dt" idx="9"/>
           </p:nvPr>
         </p:nvSpPr>
         <p:spPr>
           <a:xfrm>
             <a:off x="304920" y="4237560"/>
-            <a:ext cx="1422000" cy="243000"/>
+            <a:ext cx="1421640" cy="242640"/>
           </a:xfrm>
           <a:prstGeom prst="rect">
             <a:avLst/>
@@ -3955,77 +3055,7 @@
             <a:noAutofit/>
           </a:bodyPr>
           <a:lstStyle>
-            <a:lvl1pPr indent="0" defTabSz="914400">
-              <a:lnSpc>
-                <a:spcPct val="100000"/>
-              </a:lnSpc>
-              <a:buNone/>
-              <a:defRPr b="0" lang="en-US" sz="800" spc="-1" strike="noStrike">
-                <a:solidFill>
-                  <a:schemeClr val="dk1">
-                    <a:tint val="75000"/>
-                  </a:schemeClr>
-                </a:solidFill>
-                <a:latin typeface="Calibri"/>
-              </a:defRPr>
-            </a:lvl1pPr>
-          </a:lstStyle>
-          <a:p>
-            <a:pPr indent="0" defTabSz="914400">
-              <a:lnSpc>
-                <a:spcPct val="100000"/>
-              </a:lnSpc>
-              <a:buNone/>
-            </a:pPr>
-            <a:r>
-              <a:rPr b="0" lang="en-US" sz="800" spc="-1" strike="noStrike">
-                <a:solidFill>
-                  <a:schemeClr val="dk1">
-                    <a:tint val="75000"/>
-                  </a:schemeClr>
-                </a:solidFill>
-                <a:latin typeface="Calibri"/>
-              </a:rPr>
-              <a:t>&lt;data/ora&gt;</a:t>
-            </a:r>
-            <a:endParaRPr b="0" lang="it-IT" sz="800" spc="-1" strike="noStrike">
-              <a:solidFill>
-                <a:srgbClr val="000000"/>
-              </a:solidFill>
-              <a:latin typeface="Times New Roman"/>
-            </a:endParaRPr>
-          </a:p>
-        </p:txBody>
-      </p:sp>
-      <p:sp>
-        <p:nvSpPr>
-          <p:cNvPr id="14" name="PlaceHolder 4"/>
-          <p:cNvSpPr>
-            <a:spLocks noGrp="1"/>
-          </p:cNvSpPr>
-          <p:nvPr>
-            <p:ph type="ftr" idx="8"/>
-          </p:nvPr>
-        </p:nvSpPr>
-        <p:spPr>
-          <a:xfrm>
-            <a:off x="2082960" y="4237560"/>
-            <a:ext cx="1929960" cy="243000"/>
-          </a:xfrm>
-          <a:prstGeom prst="rect">
-            <a:avLst/>
-          </a:prstGeom>
-          <a:noFill/>
-          <a:ln w="0">
-            <a:noFill/>
-          </a:ln>
-        </p:spPr>
-        <p:txBody>
-          <a:bodyPr lIns="91440" rIns="91440" tIns="45720" bIns="45720" anchor="ctr">
-            <a:noAutofit/>
-          </a:bodyPr>
-          <a:lstStyle>
-            <a:lvl1pPr indent="0" algn="ctr">
+            <a:lvl1pPr indent="0">
               <a:buNone/>
               <a:defRPr b="0" lang="it-IT" sz="1400" spc="-1" strike="noStrike">
                 <a:solidFill>
@@ -4036,7 +3066,7 @@
             </a:lvl1pPr>
           </a:lstStyle>
           <a:p>
-            <a:pPr indent="0" algn="ctr">
+            <a:pPr indent="0">
               <a:buNone/>
             </a:pPr>
             <a:r>
@@ -4046,79 +3076,9 @@
                 </a:solidFill>
                 <a:latin typeface="Times New Roman"/>
               </a:rPr>
-              <a:t>&lt;piè di pagina&gt;</a:t>
+              <a:t>&lt;data/ora&gt;</a:t>
             </a:r>
             <a:endParaRPr b="0" lang="it-IT" sz="1400" spc="-1" strike="noStrike">
-              <a:solidFill>
-                <a:srgbClr val="000000"/>
-              </a:solidFill>
-              <a:latin typeface="Times New Roman"/>
-            </a:endParaRPr>
-          </a:p>
-        </p:txBody>
-      </p:sp>
-      <p:sp>
-        <p:nvSpPr>
-          <p:cNvPr id="15" name="PlaceHolder 5"/>
-          <p:cNvSpPr>
-            <a:spLocks noGrp="1"/>
-          </p:cNvSpPr>
-          <p:nvPr>
-            <p:ph type="sldNum" idx="9"/>
-          </p:nvPr>
-        </p:nvSpPr>
-        <p:spPr>
-          <a:xfrm>
-            <a:off x="4368960" y="4237560"/>
-            <a:ext cx="1422000" cy="243000"/>
-          </a:xfrm>
-          <a:prstGeom prst="rect">
-            <a:avLst/>
-          </a:prstGeom>
-          <a:noFill/>
-          <a:ln w="0">
-            <a:noFill/>
-          </a:ln>
-        </p:spPr>
-        <p:txBody>
-          <a:bodyPr lIns="91440" rIns="91440" tIns="45720" bIns="45720" anchor="ctr">
-            <a:noAutofit/>
-          </a:bodyPr>
-          <a:lstStyle>
-            <a:lvl1pPr indent="0" algn="r" defTabSz="914400">
-              <a:lnSpc>
-                <a:spcPct val="100000"/>
-              </a:lnSpc>
-              <a:buNone/>
-              <a:defRPr b="0" lang="en-US" sz="800" spc="-1" strike="noStrike">
-                <a:solidFill>
-                  <a:schemeClr val="dk1">
-                    <a:tint val="75000"/>
-                  </a:schemeClr>
-                </a:solidFill>
-                <a:latin typeface="Calibri"/>
-              </a:defRPr>
-            </a:lvl1pPr>
-          </a:lstStyle>
-          <a:p>
-            <a:pPr indent="0" algn="r" defTabSz="914400">
-              <a:lnSpc>
-                <a:spcPct val="100000"/>
-              </a:lnSpc>
-              <a:buNone/>
-            </a:pPr>
-            <a:fld id="{FEAA952A-7E0B-4DC4-A959-07B69A225FFF}" type="slidenum">
-              <a:rPr b="0" lang="en-US" sz="800" spc="-1" strike="noStrike">
-                <a:solidFill>
-                  <a:schemeClr val="dk1">
-                    <a:tint val="75000"/>
-                  </a:schemeClr>
-                </a:solidFill>
-                <a:latin typeface="Calibri"/>
-              </a:rPr>
-              <a:t>&lt;numero&gt;</a:t>
-            </a:fld>
-            <a:endParaRPr b="0" lang="it-IT" sz="800" spc="-1" strike="noStrike">
               <a:solidFill>
                 <a:srgbClr val="000000"/>
               </a:solidFill>
@@ -4162,7 +3122,7 @@
       </p:grpSpPr>
       <p:sp>
         <p:nvSpPr>
-          <p:cNvPr id="16" name="PlaceHolder 1"/>
+          <p:cNvPr id="12" name="PlaceHolder 1"/>
           <p:cNvSpPr>
             <a:spLocks noGrp="1"/>
           </p:cNvSpPr>
@@ -4172,8 +3132,8 @@
         </p:nvSpPr>
         <p:spPr>
           <a:xfrm>
-            <a:off x="304920" y="183240"/>
-            <a:ext cx="5486040" cy="761760"/>
+            <a:off x="609480" y="273600"/>
+            <a:ext cx="10972080" cy="1144440"/>
           </a:xfrm>
           <a:prstGeom prst="rect">
             <a:avLst/>
@@ -4184,37 +3144,34 @@
           </a:ln>
         </p:spPr>
         <p:txBody>
-          <a:bodyPr lIns="91440" rIns="91440" tIns="45720" bIns="45720" anchor="ctr">
+          <a:bodyPr lIns="0" rIns="0" tIns="0" bIns="0" anchor="ctr">
             <a:noAutofit/>
           </a:bodyPr>
           <a:p>
-            <a:pPr indent="0" algn="ctr" defTabSz="609480">
-              <a:lnSpc>
-                <a:spcPct val="100000"/>
-              </a:lnSpc>
-              <a:buNone/>
-            </a:pPr>
-            <a:r>
-              <a:rPr b="0" lang="en-US" sz="2930" spc="-1" strike="noStrike">
-                <a:solidFill>
-                  <a:schemeClr val="dk1"/>
-                </a:solidFill>
-                <a:latin typeface="Calibri"/>
+            <a:pPr indent="0">
+              <a:buNone/>
+            </a:pPr>
+            <a:r>
+              <a:rPr b="0" lang="it-IT" sz="1800" spc="-1" strike="noStrike">
+                <a:solidFill>
+                  <a:srgbClr val="000000"/>
+                </a:solidFill>
+                <a:latin typeface="Arial"/>
               </a:rPr>
-              <a:t>Click to edit Master title style</a:t>
-            </a:r>
-            <a:endParaRPr b="0" lang="it-IT" sz="2930" spc="-1" strike="noStrike">
-              <a:solidFill>
-                <a:schemeClr val="dk1"/>
-              </a:solidFill>
-              <a:latin typeface="Calibri"/>
-            </a:endParaRPr>
-          </a:p>
-        </p:txBody>
-      </p:sp>
-      <p:sp>
-        <p:nvSpPr>
-          <p:cNvPr id="17" name="PlaceHolder 2"/>
+              <a:t>Fai clic per modificare il formato del testo del titolo</a:t>
+            </a:r>
+            <a:endParaRPr b="0" lang="it-IT" sz="1800" spc="-1" strike="noStrike">
+              <a:solidFill>
+                <a:srgbClr val="000000"/>
+              </a:solidFill>
+              <a:latin typeface="Arial"/>
+            </a:endParaRPr>
+          </a:p>
+        </p:txBody>
+      </p:sp>
+      <p:sp>
+        <p:nvSpPr>
+          <p:cNvPr id="13" name="PlaceHolder 2"/>
           <p:cNvSpPr>
             <a:spLocks noGrp="1"/>
           </p:cNvSpPr>
@@ -4224,8 +3181,8 @@
         </p:nvSpPr>
         <p:spPr>
           <a:xfrm>
-            <a:off x="304920" y="1066680"/>
-            <a:ext cx="5486040" cy="3016800"/>
+            <a:off x="609480" y="1604520"/>
+            <a:ext cx="10972080" cy="3976920"/>
           </a:xfrm>
           <a:prstGeom prst="rect">
             <a:avLst/>
@@ -4236,175 +3193,221 @@
           </a:ln>
         </p:spPr>
         <p:txBody>
-          <a:bodyPr lIns="91440" rIns="91440" tIns="45720" bIns="45720" anchor="t">
-            <a:noAutofit/>
+          <a:bodyPr lIns="0" rIns="0" tIns="0" bIns="0" anchor="t">
+            <a:normAutofit/>
           </a:bodyPr>
           <a:p>
-            <a:pPr marL="228600" indent="-228600" defTabSz="609480">
-              <a:lnSpc>
-                <a:spcPct val="100000"/>
-              </a:lnSpc>
+            <a:pPr marL="432000" indent="-324000">
               <a:spcBef>
-                <a:spcPts val="425"/>
+                <a:spcPts val="1417"/>
               </a:spcBef>
               <a:buClr>
                 <a:srgbClr val="000000"/>
               </a:buClr>
-              <a:buFont typeface="Arial"/>
-              <a:buChar char="•"/>
-            </a:pPr>
-            <a:r>
-              <a:rPr b="0" lang="en-US" sz="2130" spc="-1" strike="noStrike">
-                <a:solidFill>
-                  <a:schemeClr val="dk1"/>
-                </a:solidFill>
-                <a:latin typeface="Calibri"/>
+              <a:buSzPct val="45000"/>
+              <a:buFont typeface="Wingdings" charset="2"/>
+              <a:buChar char=""/>
+            </a:pPr>
+            <a:r>
+              <a:rPr b="0" lang="it-IT" sz="1800" spc="-1" strike="noStrike">
+                <a:solidFill>
+                  <a:srgbClr val="000000"/>
+                </a:solidFill>
+                <a:latin typeface="Arial"/>
               </a:rPr>
-              <a:t>Click to edit Master text styles</a:t>
-            </a:r>
-            <a:endParaRPr b="0" lang="it-IT" sz="2130" spc="-1" strike="noStrike">
-              <a:solidFill>
-                <a:schemeClr val="dk1"/>
-              </a:solidFill>
-              <a:latin typeface="Calibri"/>
-            </a:endParaRPr>
-          </a:p>
-          <a:p>
-            <a:pPr lvl="1" marL="495360" indent="-190440" defTabSz="609480">
-              <a:lnSpc>
-                <a:spcPct val="100000"/>
-              </a:lnSpc>
+              <a:t>Fai clic per modificare il formato del testo della struttura</a:t>
+            </a:r>
+            <a:endParaRPr b="0" lang="it-IT" sz="1800" spc="-1" strike="noStrike">
+              <a:solidFill>
+                <a:srgbClr val="000000"/>
+              </a:solidFill>
+              <a:latin typeface="Arial"/>
+            </a:endParaRPr>
+          </a:p>
+          <a:p>
+            <a:pPr lvl="1" marL="864000" indent="-324000">
               <a:spcBef>
-                <a:spcPts val="374"/>
+                <a:spcPts val="1134"/>
               </a:spcBef>
               <a:buClr>
                 <a:srgbClr val="000000"/>
               </a:buClr>
-              <a:buFont typeface="Arial"/>
-              <a:buChar char="–"/>
-            </a:pPr>
-            <a:r>
-              <a:rPr b="0" lang="en-US" sz="1870" spc="-1" strike="noStrike">
-                <a:solidFill>
-                  <a:schemeClr val="dk1"/>
-                </a:solidFill>
-                <a:latin typeface="Calibri"/>
+              <a:buSzPct val="75000"/>
+              <a:buFont typeface="Symbol" charset="2"/>
+              <a:buChar char=""/>
+            </a:pPr>
+            <a:r>
+              <a:rPr b="0" lang="it-IT" sz="1800" spc="-1" strike="noStrike">
+                <a:solidFill>
+                  <a:srgbClr val="000000"/>
+                </a:solidFill>
+                <a:latin typeface="Arial"/>
               </a:rPr>
-              <a:t>Second level</a:t>
-            </a:r>
-            <a:endParaRPr b="0" lang="it-IT" sz="1870" spc="-1" strike="noStrike">
-              <a:solidFill>
-                <a:schemeClr val="dk1"/>
-              </a:solidFill>
-              <a:latin typeface="Calibri"/>
-            </a:endParaRPr>
-          </a:p>
-          <a:p>
-            <a:pPr lvl="2" marL="762120" indent="-152280" defTabSz="609480">
-              <a:lnSpc>
-                <a:spcPct val="100000"/>
-              </a:lnSpc>
+              <a:t>Secondo livello struttura</a:t>
+            </a:r>
+            <a:endParaRPr b="0" lang="it-IT" sz="1800" spc="-1" strike="noStrike">
+              <a:solidFill>
+                <a:srgbClr val="000000"/>
+              </a:solidFill>
+              <a:latin typeface="Arial"/>
+            </a:endParaRPr>
+          </a:p>
+          <a:p>
+            <a:pPr lvl="2" marL="1296000" indent="-288000">
               <a:spcBef>
-                <a:spcPts val="320"/>
+                <a:spcPts val="850"/>
               </a:spcBef>
               <a:buClr>
                 <a:srgbClr val="000000"/>
               </a:buClr>
-              <a:buFont typeface="Arial"/>
-              <a:buChar char="•"/>
-            </a:pPr>
-            <a:r>
-              <a:rPr b="0" lang="en-US" sz="1600" spc="-1" strike="noStrike">
-                <a:solidFill>
-                  <a:schemeClr val="dk1"/>
-                </a:solidFill>
-                <a:latin typeface="Calibri"/>
+              <a:buSzPct val="45000"/>
+              <a:buFont typeface="Wingdings" charset="2"/>
+              <a:buChar char=""/>
+            </a:pPr>
+            <a:r>
+              <a:rPr b="0" lang="it-IT" sz="1800" spc="-1" strike="noStrike">
+                <a:solidFill>
+                  <a:srgbClr val="000000"/>
+                </a:solidFill>
+                <a:latin typeface="Arial"/>
               </a:rPr>
-              <a:t>Third level</a:t>
-            </a:r>
-            <a:endParaRPr b="0" lang="it-IT" sz="1600" spc="-1" strike="noStrike">
-              <a:solidFill>
-                <a:schemeClr val="dk1"/>
-              </a:solidFill>
-              <a:latin typeface="Calibri"/>
-            </a:endParaRPr>
-          </a:p>
-          <a:p>
-            <a:pPr lvl="3" marL="1066680" indent="-152280" defTabSz="609480">
-              <a:lnSpc>
-                <a:spcPct val="100000"/>
-              </a:lnSpc>
+              <a:t>Terzo livello struttura</a:t>
+            </a:r>
+            <a:endParaRPr b="0" lang="it-IT" sz="1800" spc="-1" strike="noStrike">
+              <a:solidFill>
+                <a:srgbClr val="000000"/>
+              </a:solidFill>
+              <a:latin typeface="Arial"/>
+            </a:endParaRPr>
+          </a:p>
+          <a:p>
+            <a:pPr lvl="3" marL="1728000" indent="-216000">
               <a:spcBef>
-                <a:spcPts val="266"/>
+                <a:spcPts val="567"/>
               </a:spcBef>
               <a:buClr>
                 <a:srgbClr val="000000"/>
               </a:buClr>
-              <a:buFont typeface="Arial"/>
-              <a:buChar char="–"/>
-            </a:pPr>
-            <a:r>
-              <a:rPr b="0" lang="en-US" sz="1340" spc="-1" strike="noStrike">
-                <a:solidFill>
-                  <a:schemeClr val="dk1"/>
-                </a:solidFill>
-                <a:latin typeface="Calibri"/>
+              <a:buSzPct val="75000"/>
+              <a:buFont typeface="Symbol" charset="2"/>
+              <a:buChar char=""/>
+            </a:pPr>
+            <a:r>
+              <a:rPr b="0" lang="it-IT" sz="1800" spc="-1" strike="noStrike">
+                <a:solidFill>
+                  <a:srgbClr val="000000"/>
+                </a:solidFill>
+                <a:latin typeface="Arial"/>
               </a:rPr>
-              <a:t>Fourth level</a:t>
-            </a:r>
-            <a:endParaRPr b="0" lang="it-IT" sz="1340" spc="-1" strike="noStrike">
-              <a:solidFill>
-                <a:schemeClr val="dk1"/>
-              </a:solidFill>
-              <a:latin typeface="Calibri"/>
-            </a:endParaRPr>
-          </a:p>
-          <a:p>
-            <a:pPr lvl="4" marL="1371600" indent="-152280" defTabSz="609480">
-              <a:lnSpc>
-                <a:spcPct val="100000"/>
-              </a:lnSpc>
+              <a:t>Quarto livello struttura</a:t>
+            </a:r>
+            <a:endParaRPr b="0" lang="it-IT" sz="1800" spc="-1" strike="noStrike">
+              <a:solidFill>
+                <a:srgbClr val="000000"/>
+              </a:solidFill>
+              <a:latin typeface="Arial"/>
+            </a:endParaRPr>
+          </a:p>
+          <a:p>
+            <a:pPr lvl="4" marL="2160000" indent="-216000">
               <a:spcBef>
-                <a:spcPts val="266"/>
+                <a:spcPts val="283"/>
               </a:spcBef>
               <a:buClr>
                 <a:srgbClr val="000000"/>
               </a:buClr>
-              <a:buFont typeface="Arial"/>
-              <a:buChar char="»"/>
-            </a:pPr>
-            <a:r>
-              <a:rPr b="0" lang="en-US" sz="1340" spc="-1" strike="noStrike">
-                <a:solidFill>
-                  <a:schemeClr val="dk1"/>
-                </a:solidFill>
-                <a:latin typeface="Calibri"/>
+              <a:buSzPct val="45000"/>
+              <a:buFont typeface="Wingdings" charset="2"/>
+              <a:buChar char=""/>
+            </a:pPr>
+            <a:r>
+              <a:rPr b="0" lang="it-IT" sz="1800" spc="-1" strike="noStrike">
+                <a:solidFill>
+                  <a:srgbClr val="000000"/>
+                </a:solidFill>
+                <a:latin typeface="Arial"/>
               </a:rPr>
-              <a:t>Fifth level</a:t>
-            </a:r>
-            <a:endParaRPr b="0" lang="it-IT" sz="1340" spc="-1" strike="noStrike">
-              <a:solidFill>
-                <a:schemeClr val="dk1"/>
-              </a:solidFill>
-              <a:latin typeface="Calibri"/>
-            </a:endParaRPr>
-          </a:p>
-        </p:txBody>
-      </p:sp>
-      <p:sp>
-        <p:nvSpPr>
-          <p:cNvPr id="18" name="PlaceHolder 3"/>
-          <p:cNvSpPr>
-            <a:spLocks noGrp="1"/>
-          </p:cNvSpPr>
-          <p:nvPr>
-            <p:ph type="dt" idx="10"/>
+              <a:t>Quinto livello struttura</a:t>
+            </a:r>
+            <a:endParaRPr b="0" lang="it-IT" sz="1800" spc="-1" strike="noStrike">
+              <a:solidFill>
+                <a:srgbClr val="000000"/>
+              </a:solidFill>
+              <a:latin typeface="Arial"/>
+            </a:endParaRPr>
+          </a:p>
+          <a:p>
+            <a:pPr lvl="5" marL="2592000" indent="-216000">
+              <a:spcBef>
+                <a:spcPts val="283"/>
+              </a:spcBef>
+              <a:buClr>
+                <a:srgbClr val="000000"/>
+              </a:buClr>
+              <a:buSzPct val="45000"/>
+              <a:buFont typeface="Wingdings" charset="2"/>
+              <a:buChar char=""/>
+            </a:pPr>
+            <a:r>
+              <a:rPr b="0" lang="it-IT" sz="1800" spc="-1" strike="noStrike">
+                <a:solidFill>
+                  <a:srgbClr val="000000"/>
+                </a:solidFill>
+                <a:latin typeface="Arial"/>
+              </a:rPr>
+              <a:t>Sesto livello struttura</a:t>
+            </a:r>
+            <a:endParaRPr b="0" lang="it-IT" sz="1800" spc="-1" strike="noStrike">
+              <a:solidFill>
+                <a:srgbClr val="000000"/>
+              </a:solidFill>
+              <a:latin typeface="Arial"/>
+            </a:endParaRPr>
+          </a:p>
+          <a:p>
+            <a:pPr lvl="6" marL="3024000" indent="-216000">
+              <a:spcBef>
+                <a:spcPts val="283"/>
+              </a:spcBef>
+              <a:buClr>
+                <a:srgbClr val="000000"/>
+              </a:buClr>
+              <a:buSzPct val="45000"/>
+              <a:buFont typeface="Wingdings" charset="2"/>
+              <a:buChar char=""/>
+            </a:pPr>
+            <a:r>
+              <a:rPr b="0" lang="it-IT" sz="1800" spc="-1" strike="noStrike">
+                <a:solidFill>
+                  <a:srgbClr val="000000"/>
+                </a:solidFill>
+                <a:latin typeface="Arial"/>
+              </a:rPr>
+              <a:t>Settimo livello struttura</a:t>
+            </a:r>
+            <a:endParaRPr b="0" lang="it-IT" sz="1800" spc="-1" strike="noStrike">
+              <a:solidFill>
+                <a:srgbClr val="000000"/>
+              </a:solidFill>
+              <a:latin typeface="Arial"/>
+            </a:endParaRPr>
+          </a:p>
+        </p:txBody>
+      </p:sp>
+      <p:sp>
+        <p:nvSpPr>
+          <p:cNvPr id="14" name="PlaceHolder 3"/>
+          <p:cNvSpPr>
+            <a:spLocks noGrp="1"/>
+          </p:cNvSpPr>
+          <p:nvPr>
+            <p:ph type="ftr" idx="10"/>
           </p:nvPr>
         </p:nvSpPr>
         <p:spPr>
           <a:xfrm>
-            <a:off x="304920" y="4237560"/>
-            <a:ext cx="1422000" cy="243000"/>
+            <a:off x="2082960" y="4237560"/>
+            <a:ext cx="1929600" cy="242640"/>
           </a:xfrm>
           <a:prstGeom prst="rect">
             <a:avLst/>
@@ -4419,40 +3422,42 @@
             <a:noAutofit/>
           </a:bodyPr>
           <a:lstStyle>
-            <a:lvl1pPr indent="0" defTabSz="914400">
+            <a:lvl1pPr indent="0" algn="ctr">
               <a:lnSpc>
                 <a:spcPct val="100000"/>
               </a:lnSpc>
               <a:buNone/>
-              <a:defRPr b="0" lang="en-US" sz="800" spc="-1" strike="noStrike">
-                <a:solidFill>
-                  <a:schemeClr val="dk1">
-                    <a:tint val="75000"/>
-                  </a:schemeClr>
-                </a:solidFill>
-                <a:latin typeface="Calibri"/>
+              <a:tabLst>
+                <a:tab algn="l" pos="0"/>
+              </a:tabLst>
+              <a:defRPr b="0" lang="it-IT" sz="1400" spc="-1" strike="noStrike">
+                <a:solidFill>
+                  <a:srgbClr val="000000"/>
+                </a:solidFill>
+                <a:latin typeface="Times New Roman"/>
               </a:defRPr>
             </a:lvl1pPr>
           </a:lstStyle>
           <a:p>
-            <a:pPr indent="0" defTabSz="914400">
+            <a:pPr indent="0" algn="ctr">
               <a:lnSpc>
                 <a:spcPct val="100000"/>
               </a:lnSpc>
               <a:buNone/>
-            </a:pPr>
-            <a:r>
-              <a:rPr b="0" lang="en-US" sz="800" spc="-1" strike="noStrike">
-                <a:solidFill>
-                  <a:schemeClr val="dk1">
-                    <a:tint val="75000"/>
-                  </a:schemeClr>
-                </a:solidFill>
-                <a:latin typeface="Calibri"/>
+              <a:tabLst>
+                <a:tab algn="l" pos="0"/>
+              </a:tabLst>
+            </a:pPr>
+            <a:r>
+              <a:rPr b="0" lang="it-IT" sz="1400" spc="-1" strike="noStrike">
+                <a:solidFill>
+                  <a:srgbClr val="000000"/>
+                </a:solidFill>
+                <a:latin typeface="Times New Roman"/>
               </a:rPr>
-              <a:t>&lt;data/ora&gt;</a:t>
-            </a:r>
-            <a:endParaRPr b="0" lang="it-IT" sz="800" spc="-1" strike="noStrike">
+              <a:t>&lt;piè di pagina&gt;</a:t>
+            </a:r>
+            <a:endParaRPr b="0" lang="it-IT" sz="1400" spc="-1" strike="noStrike">
               <a:solidFill>
                 <a:srgbClr val="000000"/>
               </a:solidFill>
@@ -4463,18 +3468,18 @@
       </p:sp>
       <p:sp>
         <p:nvSpPr>
-          <p:cNvPr id="19" name="PlaceHolder 4"/>
-          <p:cNvSpPr>
-            <a:spLocks noGrp="1"/>
-          </p:cNvSpPr>
-          <p:nvPr>
-            <p:ph type="ftr" idx="11"/>
+          <p:cNvPr id="15" name="PlaceHolder 4"/>
+          <p:cNvSpPr>
+            <a:spLocks noGrp="1"/>
+          </p:cNvSpPr>
+          <p:nvPr>
+            <p:ph type="sldNum" idx="11"/>
           </p:nvPr>
         </p:nvSpPr>
         <p:spPr>
           <a:xfrm>
-            <a:off x="2082960" y="4237560"/>
-            <a:ext cx="1929960" cy="243000"/>
+            <a:off x="4368960" y="4237560"/>
+            <a:ext cx="1421640" cy="242640"/>
           </a:xfrm>
           <a:prstGeom prst="rect">
             <a:avLst/>
@@ -4489,30 +3494,46 @@
             <a:noAutofit/>
           </a:bodyPr>
           <a:lstStyle>
-            <a:lvl1pPr indent="0" algn="ctr">
-              <a:buNone/>
-              <a:defRPr b="0" lang="it-IT" sz="1400" spc="-1" strike="noStrike">
-                <a:solidFill>
-                  <a:srgbClr val="000000"/>
-                </a:solidFill>
-                <a:latin typeface="Times New Roman"/>
+            <a:lvl1pPr indent="0" algn="r" defTabSz="914400">
+              <a:lnSpc>
+                <a:spcPct val="100000"/>
+              </a:lnSpc>
+              <a:buNone/>
+              <a:tabLst>
+                <a:tab algn="l" pos="0"/>
+              </a:tabLst>
+              <a:defRPr b="0" lang="en-US" sz="800" spc="-1" strike="noStrike">
+                <a:solidFill>
+                  <a:schemeClr val="dk1">
+                    <a:tint val="75000"/>
+                  </a:schemeClr>
+                </a:solidFill>
+                <a:latin typeface="Calibri"/>
               </a:defRPr>
             </a:lvl1pPr>
           </a:lstStyle>
           <a:p>
-            <a:pPr indent="0" algn="ctr">
-              <a:buNone/>
-            </a:pPr>
-            <a:r>
-              <a:rPr b="0" lang="it-IT" sz="1400" spc="-1" strike="noStrike">
-                <a:solidFill>
-                  <a:srgbClr val="000000"/>
-                </a:solidFill>
-                <a:latin typeface="Times New Roman"/>
+            <a:pPr indent="0" algn="r" defTabSz="914400">
+              <a:lnSpc>
+                <a:spcPct val="100000"/>
+              </a:lnSpc>
+              <a:buNone/>
+              <a:tabLst>
+                <a:tab algn="l" pos="0"/>
+              </a:tabLst>
+            </a:pPr>
+            <a:fld id="{5584D48E-6231-48AB-B057-6347E1A824FC}" type="slidenum">
+              <a:rPr b="0" lang="en-US" sz="800" spc="-1" strike="noStrike">
+                <a:solidFill>
+                  <a:schemeClr val="dk1">
+                    <a:tint val="75000"/>
+                  </a:schemeClr>
+                </a:solidFill>
+                <a:latin typeface="Calibri"/>
               </a:rPr>
-              <a:t>&lt;piè di pagina&gt;</a:t>
-            </a:r>
-            <a:endParaRPr b="0" lang="it-IT" sz="1400" spc="-1" strike="noStrike">
+              <a:t>&lt;numero&gt;</a:t>
+            </a:fld>
+            <a:endParaRPr b="0" lang="it-IT" sz="800" spc="-1" strike="noStrike">
               <a:solidFill>
                 <a:srgbClr val="000000"/>
               </a:solidFill>
@@ -4523,18 +3544,18 @@
       </p:sp>
       <p:sp>
         <p:nvSpPr>
-          <p:cNvPr id="20" name="PlaceHolder 5"/>
-          <p:cNvSpPr>
-            <a:spLocks noGrp="1"/>
-          </p:cNvSpPr>
-          <p:nvPr>
-            <p:ph type="sldNum" idx="12"/>
+          <p:cNvPr id="16" name="PlaceHolder 5"/>
+          <p:cNvSpPr>
+            <a:spLocks noGrp="1"/>
+          </p:cNvSpPr>
+          <p:nvPr>
+            <p:ph type="dt" idx="12"/>
           </p:nvPr>
         </p:nvSpPr>
         <p:spPr>
           <a:xfrm>
-            <a:off x="4368960" y="4237560"/>
-            <a:ext cx="1422000" cy="243000"/>
+            <a:off x="304920" y="4237560"/>
+            <a:ext cx="1421640" cy="242640"/>
           </a:xfrm>
           <a:prstGeom prst="rect">
             <a:avLst/>
@@ -4549,40 +3570,30 @@
             <a:noAutofit/>
           </a:bodyPr>
           <a:lstStyle>
-            <a:lvl1pPr indent="0" algn="r" defTabSz="914400">
-              <a:lnSpc>
-                <a:spcPct val="100000"/>
-              </a:lnSpc>
-              <a:buNone/>
-              <a:defRPr b="0" lang="en-US" sz="800" spc="-1" strike="noStrike">
-                <a:solidFill>
-                  <a:schemeClr val="dk1">
-                    <a:tint val="75000"/>
-                  </a:schemeClr>
-                </a:solidFill>
-                <a:latin typeface="Calibri"/>
+            <a:lvl1pPr indent="0">
+              <a:buNone/>
+              <a:defRPr b="0" lang="it-IT" sz="1400" spc="-1" strike="noStrike">
+                <a:solidFill>
+                  <a:srgbClr val="000000"/>
+                </a:solidFill>
+                <a:latin typeface="Times New Roman"/>
               </a:defRPr>
             </a:lvl1pPr>
           </a:lstStyle>
           <a:p>
-            <a:pPr indent="0" algn="r" defTabSz="914400">
-              <a:lnSpc>
-                <a:spcPct val="100000"/>
-              </a:lnSpc>
-              <a:buNone/>
-            </a:pPr>
-            <a:fld id="{4D76078F-C030-4B77-8014-1453E593D4E5}" type="slidenum">
-              <a:rPr b="0" lang="en-US" sz="800" spc="-1" strike="noStrike">
-                <a:solidFill>
-                  <a:schemeClr val="dk1">
-                    <a:tint val="75000"/>
-                  </a:schemeClr>
-                </a:solidFill>
-                <a:latin typeface="Calibri"/>
+            <a:pPr indent="0">
+              <a:buNone/>
+            </a:pPr>
+            <a:r>
+              <a:rPr b="0" lang="it-IT" sz="1400" spc="-1" strike="noStrike">
+                <a:solidFill>
+                  <a:srgbClr val="000000"/>
+                </a:solidFill>
+                <a:latin typeface="Times New Roman"/>
               </a:rPr>
-              <a:t>&lt;numero&gt;</a:t>
-            </a:fld>
-            <a:endParaRPr b="0" lang="it-IT" sz="800" spc="-1" strike="noStrike">
+              <a:t>&lt;data/ora&gt;</a:t>
+            </a:r>
+            <a:endParaRPr b="0" lang="it-IT" sz="1400" spc="-1" strike="noStrike">
               <a:solidFill>
                 <a:srgbClr val="000000"/>
               </a:solidFill>
@@ -4626,18 +3637,18 @@
       </p:grpSpPr>
       <p:sp>
         <p:nvSpPr>
-          <p:cNvPr id="23" name="PlaceHolder 1"/>
-          <p:cNvSpPr>
-            <a:spLocks noGrp="1"/>
-          </p:cNvSpPr>
-          <p:nvPr>
-            <p:ph type="title"/>
+          <p:cNvPr id="19" name="PlaceHolder 1"/>
+          <p:cNvSpPr>
+            <a:spLocks noGrp="1"/>
+          </p:cNvSpPr>
+          <p:nvPr>
+            <p:ph type="ftr" idx="13"/>
           </p:nvPr>
         </p:nvSpPr>
         <p:spPr>
           <a:xfrm>
-            <a:off x="481680" y="2937960"/>
-            <a:ext cx="5181120" cy="907560"/>
+            <a:off x="2082960" y="4237560"/>
+            <a:ext cx="1929600" cy="242640"/>
           </a:xfrm>
           <a:prstGeom prst="rect">
             <a:avLst/>
@@ -4648,48 +3659,68 @@
           </a:ln>
         </p:spPr>
         <p:txBody>
-          <a:bodyPr lIns="91440" rIns="91440" tIns="45720" bIns="45720" anchor="t">
+          <a:bodyPr lIns="91440" rIns="91440" tIns="45720" bIns="45720" anchor="ctr">
             <a:noAutofit/>
           </a:bodyPr>
-          <a:p>
-            <a:pPr indent="0" defTabSz="609480">
+          <a:lstStyle>
+            <a:lvl1pPr indent="0" algn="ctr">
               <a:lnSpc>
                 <a:spcPct val="100000"/>
               </a:lnSpc>
               <a:buNone/>
-            </a:pPr>
-            <a:r>
-              <a:rPr b="1" lang="en-US" sz="2660" spc="-1" strike="noStrike" cap="all">
-                <a:solidFill>
-                  <a:schemeClr val="dk1"/>
-                </a:solidFill>
-                <a:latin typeface="Calibri"/>
+              <a:tabLst>
+                <a:tab algn="l" pos="0"/>
+              </a:tabLst>
+              <a:defRPr b="0" lang="it-IT" sz="1400" spc="-1" strike="noStrike">
+                <a:solidFill>
+                  <a:srgbClr val="000000"/>
+                </a:solidFill>
+                <a:latin typeface="Times New Roman"/>
+              </a:defRPr>
+            </a:lvl1pPr>
+          </a:lstStyle>
+          <a:p>
+            <a:pPr indent="0" algn="ctr">
+              <a:lnSpc>
+                <a:spcPct val="100000"/>
+              </a:lnSpc>
+              <a:buNone/>
+              <a:tabLst>
+                <a:tab algn="l" pos="0"/>
+              </a:tabLst>
+            </a:pPr>
+            <a:r>
+              <a:rPr b="0" lang="it-IT" sz="1400" spc="-1" strike="noStrike">
+                <a:solidFill>
+                  <a:srgbClr val="000000"/>
+                </a:solidFill>
+                <a:latin typeface="Times New Roman"/>
               </a:rPr>
-              <a:t>Click to edit Master title style</a:t>
-            </a:r>
-            <a:endParaRPr b="0" lang="it-IT" sz="2660" spc="-1" strike="noStrike">
-              <a:solidFill>
-                <a:schemeClr val="dk1"/>
-              </a:solidFill>
-              <a:latin typeface="Calibri"/>
-            </a:endParaRPr>
-          </a:p>
-        </p:txBody>
-      </p:sp>
-      <p:sp>
-        <p:nvSpPr>
-          <p:cNvPr id="24" name="PlaceHolder 2"/>
-          <p:cNvSpPr>
-            <a:spLocks noGrp="1"/>
-          </p:cNvSpPr>
-          <p:nvPr>
-            <p:ph type="body"/>
+              <a:t>&lt;piè di pagina&gt;</a:t>
+            </a:r>
+            <a:endParaRPr b="0" lang="it-IT" sz="1400" spc="-1" strike="noStrike">
+              <a:solidFill>
+                <a:srgbClr val="000000"/>
+              </a:solidFill>
+              <a:latin typeface="Times New Roman"/>
+            </a:endParaRPr>
+          </a:p>
+        </p:txBody>
+      </p:sp>
+      <p:sp>
+        <p:nvSpPr>
+          <p:cNvPr id="20" name="PlaceHolder 2"/>
+          <p:cNvSpPr>
+            <a:spLocks noGrp="1"/>
+          </p:cNvSpPr>
+          <p:nvPr>
+            <p:ph type="sldNum" idx="14"/>
           </p:nvPr>
         </p:nvSpPr>
         <p:spPr>
           <a:xfrm>
-            <a:off x="481680" y="1937880"/>
-            <a:ext cx="5181120" cy="999720"/>
+            <a:off x="4368960" y="4237560"/>
+            <a:ext cx="1421640" cy="242640"/>
           </a:xfrm>
           <a:prstGeom prst="rect">
             <a:avLst/>
@@ -4700,56 +3731,72 @@
           </a:ln>
         </p:spPr>
         <p:txBody>
-          <a:bodyPr lIns="91440" rIns="91440" tIns="45720" bIns="45720" anchor="b">
+          <a:bodyPr lIns="91440" rIns="91440" tIns="45720" bIns="45720" anchor="ctr">
             <a:noAutofit/>
           </a:bodyPr>
-          <a:p>
-            <a:pPr indent="0" defTabSz="609480">
+          <a:lstStyle>
+            <a:lvl1pPr indent="0" algn="r" defTabSz="914400">
               <a:lnSpc>
                 <a:spcPct val="100000"/>
               </a:lnSpc>
-              <a:spcBef>
-                <a:spcPts val="266"/>
-              </a:spcBef>
               <a:buNone/>
               <a:tabLst>
                 <a:tab algn="l" pos="0"/>
               </a:tabLst>
-            </a:pPr>
-            <a:r>
-              <a:rPr b="0" lang="en-US" sz="1340" spc="-1" strike="noStrike">
+              <a:defRPr b="0" lang="en-US" sz="800" spc="-1" strike="noStrike">
                 <a:solidFill>
                   <a:schemeClr val="dk1">
                     <a:tint val="75000"/>
                   </a:schemeClr>
                 </a:solidFill>
                 <a:latin typeface="Calibri"/>
+              </a:defRPr>
+            </a:lvl1pPr>
+          </a:lstStyle>
+          <a:p>
+            <a:pPr indent="0" algn="r" defTabSz="914400">
+              <a:lnSpc>
+                <a:spcPct val="100000"/>
+              </a:lnSpc>
+              <a:buNone/>
+              <a:tabLst>
+                <a:tab algn="l" pos="0"/>
+              </a:tabLst>
+            </a:pPr>
+            <a:fld id="{E034C66D-6E63-40EA-A48F-7AD0B076CAD8}" type="slidenum">
+              <a:rPr b="0" lang="en-US" sz="800" spc="-1" strike="noStrike">
+                <a:solidFill>
+                  <a:schemeClr val="dk1">
+                    <a:tint val="75000"/>
+                  </a:schemeClr>
+                </a:solidFill>
+                <a:latin typeface="Calibri"/>
               </a:rPr>
-              <a:t>Click to edit Master text styles</a:t>
-            </a:r>
-            <a:endParaRPr b="0" lang="it-IT" sz="1340" spc="-1" strike="noStrike">
-              <a:solidFill>
-                <a:schemeClr val="dk1"/>
-              </a:solidFill>
-              <a:latin typeface="Calibri"/>
-            </a:endParaRPr>
-          </a:p>
-        </p:txBody>
-      </p:sp>
-      <p:sp>
-        <p:nvSpPr>
-          <p:cNvPr id="25" name="PlaceHolder 3"/>
-          <p:cNvSpPr>
-            <a:spLocks noGrp="1"/>
-          </p:cNvSpPr>
-          <p:nvPr>
-            <p:ph type="dt" idx="13"/>
+              <a:t>&lt;numero&gt;</a:t>
+            </a:fld>
+            <a:endParaRPr b="0" lang="it-IT" sz="800" spc="-1" strike="noStrike">
+              <a:solidFill>
+                <a:srgbClr val="000000"/>
+              </a:solidFill>
+              <a:latin typeface="Times New Roman"/>
+            </a:endParaRPr>
+          </a:p>
+        </p:txBody>
+      </p:sp>
+      <p:sp>
+        <p:nvSpPr>
+          <p:cNvPr id="21" name="PlaceHolder 3"/>
+          <p:cNvSpPr>
+            <a:spLocks noGrp="1"/>
+          </p:cNvSpPr>
+          <p:nvPr>
+            <p:ph type="dt" idx="15"/>
           </p:nvPr>
         </p:nvSpPr>
         <p:spPr>
           <a:xfrm>
             <a:off x="304920" y="4237560"/>
-            <a:ext cx="1422000" cy="243000"/>
+            <a:ext cx="1421640" cy="242640"/>
           </a:xfrm>
           <a:prstGeom prst="rect">
             <a:avLst/>
@@ -4764,77 +3811,7 @@
             <a:noAutofit/>
           </a:bodyPr>
           <a:lstStyle>
-            <a:lvl1pPr indent="0" defTabSz="914400">
-              <a:lnSpc>
-                <a:spcPct val="100000"/>
-              </a:lnSpc>
-              <a:buNone/>
-              <a:defRPr b="0" lang="en-US" sz="800" spc="-1" strike="noStrike">
-                <a:solidFill>
-                  <a:schemeClr val="dk1">
-                    <a:tint val="75000"/>
-                  </a:schemeClr>
-                </a:solidFill>
-                <a:latin typeface="Calibri"/>
-              </a:defRPr>
-            </a:lvl1pPr>
-          </a:lstStyle>
-          <a:p>
-            <a:pPr indent="0" defTabSz="914400">
-              <a:lnSpc>
-                <a:spcPct val="100000"/>
-              </a:lnSpc>
-              <a:buNone/>
-            </a:pPr>
-            <a:r>
-              <a:rPr b="0" lang="en-US" sz="800" spc="-1" strike="noStrike">
-                <a:solidFill>
-                  <a:schemeClr val="dk1">
-                    <a:tint val="75000"/>
-                  </a:schemeClr>
-                </a:solidFill>
-                <a:latin typeface="Calibri"/>
-              </a:rPr>
-              <a:t>&lt;data/ora&gt;</a:t>
-            </a:r>
-            <a:endParaRPr b="0" lang="it-IT" sz="800" spc="-1" strike="noStrike">
-              <a:solidFill>
-                <a:srgbClr val="000000"/>
-              </a:solidFill>
-              <a:latin typeface="Times New Roman"/>
-            </a:endParaRPr>
-          </a:p>
-        </p:txBody>
-      </p:sp>
-      <p:sp>
-        <p:nvSpPr>
-          <p:cNvPr id="26" name="PlaceHolder 4"/>
-          <p:cNvSpPr>
-            <a:spLocks noGrp="1"/>
-          </p:cNvSpPr>
-          <p:nvPr>
-            <p:ph type="ftr" idx="14"/>
-          </p:nvPr>
-        </p:nvSpPr>
-        <p:spPr>
-          <a:xfrm>
-            <a:off x="2082960" y="4237560"/>
-            <a:ext cx="1929960" cy="243000"/>
-          </a:xfrm>
-          <a:prstGeom prst="rect">
-            <a:avLst/>
-          </a:prstGeom>
-          <a:noFill/>
-          <a:ln w="0">
-            <a:noFill/>
-          </a:ln>
-        </p:spPr>
-        <p:txBody>
-          <a:bodyPr lIns="91440" rIns="91440" tIns="45720" bIns="45720" anchor="ctr">
-            <a:noAutofit/>
-          </a:bodyPr>
-          <a:lstStyle>
-            <a:lvl1pPr indent="0" algn="ctr">
+            <a:lvl1pPr indent="0">
               <a:buNone/>
               <a:defRPr b="0" lang="it-IT" sz="1400" spc="-1" strike="noStrike">
                 <a:solidFill>
@@ -4845,7 +3822,7 @@
             </a:lvl1pPr>
           </a:lstStyle>
           <a:p>
-            <a:pPr indent="0" algn="ctr">
+            <a:pPr indent="0">
               <a:buNone/>
             </a:pPr>
             <a:r>
@@ -4855,79 +3832,9 @@
                 </a:solidFill>
                 <a:latin typeface="Times New Roman"/>
               </a:rPr>
-              <a:t>&lt;piè di pagina&gt;</a:t>
+              <a:t>&lt;data/ora&gt;</a:t>
             </a:r>
             <a:endParaRPr b="0" lang="it-IT" sz="1400" spc="-1" strike="noStrike">
-              <a:solidFill>
-                <a:srgbClr val="000000"/>
-              </a:solidFill>
-              <a:latin typeface="Times New Roman"/>
-            </a:endParaRPr>
-          </a:p>
-        </p:txBody>
-      </p:sp>
-      <p:sp>
-        <p:nvSpPr>
-          <p:cNvPr id="27" name="PlaceHolder 5"/>
-          <p:cNvSpPr>
-            <a:spLocks noGrp="1"/>
-          </p:cNvSpPr>
-          <p:nvPr>
-            <p:ph type="sldNum" idx="15"/>
-          </p:nvPr>
-        </p:nvSpPr>
-        <p:spPr>
-          <a:xfrm>
-            <a:off x="4368960" y="4237560"/>
-            <a:ext cx="1422000" cy="243000"/>
-          </a:xfrm>
-          <a:prstGeom prst="rect">
-            <a:avLst/>
-          </a:prstGeom>
-          <a:noFill/>
-          <a:ln w="0">
-            <a:noFill/>
-          </a:ln>
-        </p:spPr>
-        <p:txBody>
-          <a:bodyPr lIns="91440" rIns="91440" tIns="45720" bIns="45720" anchor="ctr">
-            <a:noAutofit/>
-          </a:bodyPr>
-          <a:lstStyle>
-            <a:lvl1pPr indent="0" algn="r" defTabSz="914400">
-              <a:lnSpc>
-                <a:spcPct val="100000"/>
-              </a:lnSpc>
-              <a:buNone/>
-              <a:defRPr b="0" lang="en-US" sz="800" spc="-1" strike="noStrike">
-                <a:solidFill>
-                  <a:schemeClr val="dk1">
-                    <a:tint val="75000"/>
-                  </a:schemeClr>
-                </a:solidFill>
-                <a:latin typeface="Calibri"/>
-              </a:defRPr>
-            </a:lvl1pPr>
-          </a:lstStyle>
-          <a:p>
-            <a:pPr indent="0" algn="r" defTabSz="914400">
-              <a:lnSpc>
-                <a:spcPct val="100000"/>
-              </a:lnSpc>
-              <a:buNone/>
-            </a:pPr>
-            <a:fld id="{C7A78D61-5800-47C1-80F6-4CDD44B38E9B}" type="slidenum">
-              <a:rPr b="0" lang="en-US" sz="800" spc="-1" strike="noStrike">
-                <a:solidFill>
-                  <a:schemeClr val="dk1">
-                    <a:tint val="75000"/>
-                  </a:schemeClr>
-                </a:solidFill>
-                <a:latin typeface="Calibri"/>
-              </a:rPr>
-              <a:t>&lt;numero&gt;</a:t>
-            </a:fld>
-            <a:endParaRPr b="0" lang="it-IT" sz="800" spc="-1" strike="noStrike">
               <a:solidFill>
                 <a:srgbClr val="000000"/>
               </a:solidFill>
@@ -4971,7 +3878,7 @@
       </p:grpSpPr>
       <p:sp>
         <p:nvSpPr>
-          <p:cNvPr id="28" name="PlaceHolder 1"/>
+          <p:cNvPr id="22" name="PlaceHolder 1"/>
           <p:cNvSpPr>
             <a:spLocks noGrp="1"/>
           </p:cNvSpPr>
@@ -4981,8 +3888,8 @@
         </p:nvSpPr>
         <p:spPr>
           <a:xfrm>
-            <a:off x="304920" y="183240"/>
-            <a:ext cx="5486040" cy="761760"/>
+            <a:off x="609480" y="273600"/>
+            <a:ext cx="10972080" cy="1144440"/>
           </a:xfrm>
           <a:prstGeom prst="rect">
             <a:avLst/>
@@ -4993,37 +3900,34 @@
           </a:ln>
         </p:spPr>
         <p:txBody>
-          <a:bodyPr lIns="91440" rIns="91440" tIns="45720" bIns="45720" anchor="ctr">
+          <a:bodyPr lIns="0" rIns="0" tIns="0" bIns="0" anchor="ctr">
             <a:noAutofit/>
           </a:bodyPr>
           <a:p>
-            <a:pPr indent="0" algn="ctr" defTabSz="609480">
-              <a:lnSpc>
-                <a:spcPct val="100000"/>
-              </a:lnSpc>
-              <a:buNone/>
-            </a:pPr>
-            <a:r>
-              <a:rPr b="0" lang="en-US" sz="2930" spc="-1" strike="noStrike">
-                <a:solidFill>
-                  <a:schemeClr val="dk1"/>
-                </a:solidFill>
-                <a:latin typeface="Calibri"/>
+            <a:pPr indent="0">
+              <a:buNone/>
+            </a:pPr>
+            <a:r>
+              <a:rPr b="0" lang="it-IT" sz="1800" spc="-1" strike="noStrike">
+                <a:solidFill>
+                  <a:srgbClr val="000000"/>
+                </a:solidFill>
+                <a:latin typeface="Arial"/>
               </a:rPr>
-              <a:t>Click to edit Master title style</a:t>
-            </a:r>
-            <a:endParaRPr b="0" lang="it-IT" sz="2930" spc="-1" strike="noStrike">
-              <a:solidFill>
-                <a:schemeClr val="dk1"/>
-              </a:solidFill>
-              <a:latin typeface="Calibri"/>
-            </a:endParaRPr>
-          </a:p>
-        </p:txBody>
-      </p:sp>
-      <p:sp>
-        <p:nvSpPr>
-          <p:cNvPr id="29" name="PlaceHolder 2"/>
+              <a:t>Fai clic per modificare il formato del testo del titolo</a:t>
+            </a:r>
+            <a:endParaRPr b="0" lang="it-IT" sz="1800" spc="-1" strike="noStrike">
+              <a:solidFill>
+                <a:srgbClr val="000000"/>
+              </a:solidFill>
+              <a:latin typeface="Arial"/>
+            </a:endParaRPr>
+          </a:p>
+        </p:txBody>
+      </p:sp>
+      <p:sp>
+        <p:nvSpPr>
+          <p:cNvPr id="23" name="PlaceHolder 2"/>
           <p:cNvSpPr>
             <a:spLocks noGrp="1"/>
           </p:cNvSpPr>
@@ -5033,8 +3937,8 @@
         </p:nvSpPr>
         <p:spPr>
           <a:xfrm>
-            <a:off x="304920" y="1066680"/>
-            <a:ext cx="2692080" cy="3016800"/>
+            <a:off x="609480" y="1604520"/>
+            <a:ext cx="5353920" cy="3976920"/>
           </a:xfrm>
           <a:prstGeom prst="rect">
             <a:avLst/>
@@ -5045,164 +3949,210 @@
           </a:ln>
         </p:spPr>
         <p:txBody>
-          <a:bodyPr lIns="91440" rIns="91440" tIns="45720" bIns="45720" anchor="t">
-            <a:noAutofit/>
+          <a:bodyPr lIns="0" rIns="0" tIns="0" bIns="0" anchor="t">
+            <a:normAutofit/>
           </a:bodyPr>
           <a:p>
-            <a:pPr marL="228600" indent="-228600" defTabSz="609480">
-              <a:lnSpc>
-                <a:spcPct val="100000"/>
-              </a:lnSpc>
+            <a:pPr marL="432000" indent="-324000">
               <a:spcBef>
-                <a:spcPts val="374"/>
+                <a:spcPts val="1417"/>
               </a:spcBef>
               <a:buClr>
                 <a:srgbClr val="000000"/>
               </a:buClr>
-              <a:buFont typeface="Arial"/>
-              <a:buChar char="•"/>
-            </a:pPr>
-            <a:r>
-              <a:rPr b="0" lang="en-US" sz="1870" spc="-1" strike="noStrike">
-                <a:solidFill>
-                  <a:schemeClr val="dk1"/>
-                </a:solidFill>
-                <a:latin typeface="Calibri"/>
+              <a:buSzPct val="45000"/>
+              <a:buFont typeface="Wingdings" charset="2"/>
+              <a:buChar char=""/>
+            </a:pPr>
+            <a:r>
+              <a:rPr b="0" lang="it-IT" sz="1800" spc="-1" strike="noStrike">
+                <a:solidFill>
+                  <a:srgbClr val="000000"/>
+                </a:solidFill>
+                <a:latin typeface="Arial"/>
               </a:rPr>
-              <a:t>Click to edit Master text styles</a:t>
-            </a:r>
-            <a:endParaRPr b="0" lang="it-IT" sz="1870" spc="-1" strike="noStrike">
-              <a:solidFill>
-                <a:schemeClr val="dk1"/>
-              </a:solidFill>
-              <a:latin typeface="Calibri"/>
-            </a:endParaRPr>
-          </a:p>
-          <a:p>
-            <a:pPr lvl="1" marL="495360" indent="-190440" defTabSz="609480">
-              <a:lnSpc>
-                <a:spcPct val="100000"/>
-              </a:lnSpc>
+              <a:t>Fai clic per modificare il formato del testo della struttura</a:t>
+            </a:r>
+            <a:endParaRPr b="0" lang="it-IT" sz="1800" spc="-1" strike="noStrike">
+              <a:solidFill>
+                <a:srgbClr val="000000"/>
+              </a:solidFill>
+              <a:latin typeface="Arial"/>
+            </a:endParaRPr>
+          </a:p>
+          <a:p>
+            <a:pPr lvl="1" marL="864000" indent="-324000">
               <a:spcBef>
-                <a:spcPts val="320"/>
+                <a:spcPts val="1134"/>
               </a:spcBef>
               <a:buClr>
                 <a:srgbClr val="000000"/>
               </a:buClr>
-              <a:buFont typeface="Arial"/>
-              <a:buChar char="–"/>
-            </a:pPr>
-            <a:r>
-              <a:rPr b="0" lang="en-US" sz="1600" spc="-1" strike="noStrike">
-                <a:solidFill>
-                  <a:schemeClr val="dk1"/>
-                </a:solidFill>
-                <a:latin typeface="Calibri"/>
+              <a:buSzPct val="75000"/>
+              <a:buFont typeface="Symbol" charset="2"/>
+              <a:buChar char=""/>
+            </a:pPr>
+            <a:r>
+              <a:rPr b="0" lang="it-IT" sz="1800" spc="-1" strike="noStrike">
+                <a:solidFill>
+                  <a:srgbClr val="000000"/>
+                </a:solidFill>
+                <a:latin typeface="Arial"/>
               </a:rPr>
-              <a:t>Second level</a:t>
-            </a:r>
-            <a:endParaRPr b="0" lang="it-IT" sz="1600" spc="-1" strike="noStrike">
-              <a:solidFill>
-                <a:schemeClr val="dk1"/>
-              </a:solidFill>
-              <a:latin typeface="Calibri"/>
-            </a:endParaRPr>
-          </a:p>
-          <a:p>
-            <a:pPr lvl="2" marL="762120" indent="-152280" defTabSz="609480">
-              <a:lnSpc>
-                <a:spcPct val="100000"/>
-              </a:lnSpc>
+              <a:t>Secondo livello struttura</a:t>
+            </a:r>
+            <a:endParaRPr b="0" lang="it-IT" sz="1800" spc="-1" strike="noStrike">
+              <a:solidFill>
+                <a:srgbClr val="000000"/>
+              </a:solidFill>
+              <a:latin typeface="Arial"/>
+            </a:endParaRPr>
+          </a:p>
+          <a:p>
+            <a:pPr lvl="2" marL="1296000" indent="-288000">
               <a:spcBef>
-                <a:spcPts val="266"/>
+                <a:spcPts val="850"/>
               </a:spcBef>
               <a:buClr>
                 <a:srgbClr val="000000"/>
               </a:buClr>
-              <a:buFont typeface="Arial"/>
-              <a:buChar char="•"/>
-            </a:pPr>
-            <a:r>
-              <a:rPr b="0" lang="en-US" sz="1340" spc="-1" strike="noStrike">
-                <a:solidFill>
-                  <a:schemeClr val="dk1"/>
-                </a:solidFill>
-                <a:latin typeface="Calibri"/>
+              <a:buSzPct val="45000"/>
+              <a:buFont typeface="Wingdings" charset="2"/>
+              <a:buChar char=""/>
+            </a:pPr>
+            <a:r>
+              <a:rPr b="0" lang="it-IT" sz="1800" spc="-1" strike="noStrike">
+                <a:solidFill>
+                  <a:srgbClr val="000000"/>
+                </a:solidFill>
+                <a:latin typeface="Arial"/>
               </a:rPr>
-              <a:t>Third level</a:t>
-            </a:r>
-            <a:endParaRPr b="0" lang="it-IT" sz="1340" spc="-1" strike="noStrike">
-              <a:solidFill>
-                <a:schemeClr val="dk1"/>
-              </a:solidFill>
-              <a:latin typeface="Calibri"/>
-            </a:endParaRPr>
-          </a:p>
-          <a:p>
-            <a:pPr lvl="3" marL="1066680" indent="-152280" defTabSz="609480">
-              <a:lnSpc>
-                <a:spcPct val="100000"/>
-              </a:lnSpc>
+              <a:t>Terzo livello struttura</a:t>
+            </a:r>
+            <a:endParaRPr b="0" lang="it-IT" sz="1800" spc="-1" strike="noStrike">
+              <a:solidFill>
+                <a:srgbClr val="000000"/>
+              </a:solidFill>
+              <a:latin typeface="Arial"/>
+            </a:endParaRPr>
+          </a:p>
+          <a:p>
+            <a:pPr lvl="3" marL="1728000" indent="-216000">
               <a:spcBef>
-                <a:spcPts val="241"/>
+                <a:spcPts val="567"/>
               </a:spcBef>
               <a:buClr>
                 <a:srgbClr val="000000"/>
               </a:buClr>
-              <a:buFont typeface="Arial"/>
-              <a:buChar char="–"/>
-            </a:pPr>
-            <a:r>
-              <a:rPr b="0" lang="en-US" sz="1200" spc="-1" strike="noStrike">
-                <a:solidFill>
-                  <a:schemeClr val="dk1"/>
-                </a:solidFill>
-                <a:latin typeface="Calibri"/>
+              <a:buSzPct val="75000"/>
+              <a:buFont typeface="Symbol" charset="2"/>
+              <a:buChar char=""/>
+            </a:pPr>
+            <a:r>
+              <a:rPr b="0" lang="it-IT" sz="1800" spc="-1" strike="noStrike">
+                <a:solidFill>
+                  <a:srgbClr val="000000"/>
+                </a:solidFill>
+                <a:latin typeface="Arial"/>
               </a:rPr>
-              <a:t>Fourth level</a:t>
-            </a:r>
-            <a:endParaRPr b="0" lang="it-IT" sz="1200" spc="-1" strike="noStrike">
-              <a:solidFill>
-                <a:schemeClr val="dk1"/>
-              </a:solidFill>
-              <a:latin typeface="Calibri"/>
-            </a:endParaRPr>
-          </a:p>
-          <a:p>
-            <a:pPr lvl="4" marL="1371600" indent="-152280" defTabSz="609480">
-              <a:lnSpc>
-                <a:spcPct val="100000"/>
-              </a:lnSpc>
+              <a:t>Quarto livello struttura</a:t>
+            </a:r>
+            <a:endParaRPr b="0" lang="it-IT" sz="1800" spc="-1" strike="noStrike">
+              <a:solidFill>
+                <a:srgbClr val="000000"/>
+              </a:solidFill>
+              <a:latin typeface="Arial"/>
+            </a:endParaRPr>
+          </a:p>
+          <a:p>
+            <a:pPr lvl="4" marL="2160000" indent="-216000">
               <a:spcBef>
-                <a:spcPts val="241"/>
+                <a:spcPts val="283"/>
               </a:spcBef>
               <a:buClr>
                 <a:srgbClr val="000000"/>
               </a:buClr>
-              <a:buFont typeface="Arial"/>
-              <a:buChar char="»"/>
-            </a:pPr>
-            <a:r>
-              <a:rPr b="0" lang="en-US" sz="1200" spc="-1" strike="noStrike">
-                <a:solidFill>
-                  <a:schemeClr val="dk1"/>
-                </a:solidFill>
-                <a:latin typeface="Calibri"/>
+              <a:buSzPct val="45000"/>
+              <a:buFont typeface="Wingdings" charset="2"/>
+              <a:buChar char=""/>
+            </a:pPr>
+            <a:r>
+              <a:rPr b="0" lang="it-IT" sz="1800" spc="-1" strike="noStrike">
+                <a:solidFill>
+                  <a:srgbClr val="000000"/>
+                </a:solidFill>
+                <a:latin typeface="Arial"/>
               </a:rPr>
-              <a:t>Fifth level</a:t>
-            </a:r>
-            <a:endParaRPr b="0" lang="it-IT" sz="1200" spc="-1" strike="noStrike">
-              <a:solidFill>
-                <a:schemeClr val="dk1"/>
-              </a:solidFill>
-              <a:latin typeface="Calibri"/>
-            </a:endParaRPr>
-          </a:p>
-        </p:txBody>
-      </p:sp>
-      <p:sp>
-        <p:nvSpPr>
-          <p:cNvPr id="30" name="PlaceHolder 3"/>
+              <a:t>Quinto livello struttura</a:t>
+            </a:r>
+            <a:endParaRPr b="0" lang="it-IT" sz="1800" spc="-1" strike="noStrike">
+              <a:solidFill>
+                <a:srgbClr val="000000"/>
+              </a:solidFill>
+              <a:latin typeface="Arial"/>
+            </a:endParaRPr>
+          </a:p>
+          <a:p>
+            <a:pPr lvl="5" marL="2592000" indent="-216000">
+              <a:spcBef>
+                <a:spcPts val="283"/>
+              </a:spcBef>
+              <a:buClr>
+                <a:srgbClr val="000000"/>
+              </a:buClr>
+              <a:buSzPct val="45000"/>
+              <a:buFont typeface="Wingdings" charset="2"/>
+              <a:buChar char=""/>
+            </a:pPr>
+            <a:r>
+              <a:rPr b="0" lang="it-IT" sz="1800" spc="-1" strike="noStrike">
+                <a:solidFill>
+                  <a:srgbClr val="000000"/>
+                </a:solidFill>
+                <a:latin typeface="Arial"/>
+              </a:rPr>
+              <a:t>Sesto livello struttura</a:t>
+            </a:r>
+            <a:endParaRPr b="0" lang="it-IT" sz="1800" spc="-1" strike="noStrike">
+              <a:solidFill>
+                <a:srgbClr val="000000"/>
+              </a:solidFill>
+              <a:latin typeface="Arial"/>
+            </a:endParaRPr>
+          </a:p>
+          <a:p>
+            <a:pPr lvl="6" marL="3024000" indent="-216000">
+              <a:spcBef>
+                <a:spcPts val="283"/>
+              </a:spcBef>
+              <a:buClr>
+                <a:srgbClr val="000000"/>
+              </a:buClr>
+              <a:buSzPct val="45000"/>
+              <a:buFont typeface="Wingdings" charset="2"/>
+              <a:buChar char=""/>
+            </a:pPr>
+            <a:r>
+              <a:rPr b="0" lang="it-IT" sz="1800" spc="-1" strike="noStrike">
+                <a:solidFill>
+                  <a:srgbClr val="000000"/>
+                </a:solidFill>
+                <a:latin typeface="Arial"/>
+              </a:rPr>
+              <a:t>Settimo livello struttura</a:t>
+            </a:r>
+            <a:endParaRPr b="0" lang="it-IT" sz="1800" spc="-1" strike="noStrike">
+              <a:solidFill>
+                <a:srgbClr val="000000"/>
+              </a:solidFill>
+              <a:latin typeface="Arial"/>
+            </a:endParaRPr>
+          </a:p>
+        </p:txBody>
+      </p:sp>
+      <p:sp>
+        <p:nvSpPr>
+          <p:cNvPr id="24" name="PlaceHolder 3"/>
           <p:cNvSpPr>
             <a:spLocks noGrp="1"/>
           </p:cNvSpPr>
@@ -5212,8 +4162,8 @@
         </p:nvSpPr>
         <p:spPr>
           <a:xfrm>
-            <a:off x="3098880" y="1066680"/>
-            <a:ext cx="2692080" cy="3016800"/>
+            <a:off x="6231960" y="1604520"/>
+            <a:ext cx="5353920" cy="3976920"/>
           </a:xfrm>
           <a:prstGeom prst="rect">
             <a:avLst/>
@@ -5224,175 +4174,221 @@
           </a:ln>
         </p:spPr>
         <p:txBody>
-          <a:bodyPr lIns="91440" rIns="91440" tIns="45720" bIns="45720" anchor="t">
-            <a:noAutofit/>
+          <a:bodyPr lIns="0" rIns="0" tIns="0" bIns="0" anchor="t">
+            <a:normAutofit/>
           </a:bodyPr>
           <a:p>
-            <a:pPr marL="228600" indent="-228600" defTabSz="609480">
-              <a:lnSpc>
-                <a:spcPct val="100000"/>
-              </a:lnSpc>
+            <a:pPr marL="432000" indent="-324000">
               <a:spcBef>
-                <a:spcPts val="374"/>
+                <a:spcPts val="1417"/>
               </a:spcBef>
               <a:buClr>
                 <a:srgbClr val="000000"/>
               </a:buClr>
-              <a:buFont typeface="Arial"/>
-              <a:buChar char="•"/>
-            </a:pPr>
-            <a:r>
-              <a:rPr b="0" lang="en-US" sz="1870" spc="-1" strike="noStrike">
-                <a:solidFill>
-                  <a:schemeClr val="dk1"/>
-                </a:solidFill>
-                <a:latin typeface="Calibri"/>
+              <a:buSzPct val="45000"/>
+              <a:buFont typeface="Wingdings" charset="2"/>
+              <a:buChar char=""/>
+            </a:pPr>
+            <a:r>
+              <a:rPr b="0" lang="it-IT" sz="1800" spc="-1" strike="noStrike">
+                <a:solidFill>
+                  <a:srgbClr val="000000"/>
+                </a:solidFill>
+                <a:latin typeface="Arial"/>
               </a:rPr>
-              <a:t>Click to edit Master text styles</a:t>
-            </a:r>
-            <a:endParaRPr b="0" lang="it-IT" sz="1870" spc="-1" strike="noStrike">
-              <a:solidFill>
-                <a:schemeClr val="dk1"/>
-              </a:solidFill>
-              <a:latin typeface="Calibri"/>
-            </a:endParaRPr>
-          </a:p>
-          <a:p>
-            <a:pPr lvl="1" marL="495360" indent="-190440" defTabSz="609480">
-              <a:lnSpc>
-                <a:spcPct val="100000"/>
-              </a:lnSpc>
+              <a:t>Fai clic per modificare il formato del testo della struttura</a:t>
+            </a:r>
+            <a:endParaRPr b="0" lang="it-IT" sz="1800" spc="-1" strike="noStrike">
+              <a:solidFill>
+                <a:srgbClr val="000000"/>
+              </a:solidFill>
+              <a:latin typeface="Arial"/>
+            </a:endParaRPr>
+          </a:p>
+          <a:p>
+            <a:pPr lvl="1" marL="864000" indent="-324000">
               <a:spcBef>
-                <a:spcPts val="320"/>
+                <a:spcPts val="1134"/>
               </a:spcBef>
               <a:buClr>
                 <a:srgbClr val="000000"/>
               </a:buClr>
-              <a:buFont typeface="Arial"/>
-              <a:buChar char="–"/>
-            </a:pPr>
-            <a:r>
-              <a:rPr b="0" lang="en-US" sz="1600" spc="-1" strike="noStrike">
-                <a:solidFill>
-                  <a:schemeClr val="dk1"/>
-                </a:solidFill>
-                <a:latin typeface="Calibri"/>
+              <a:buSzPct val="75000"/>
+              <a:buFont typeface="Symbol" charset="2"/>
+              <a:buChar char=""/>
+            </a:pPr>
+            <a:r>
+              <a:rPr b="0" lang="it-IT" sz="1800" spc="-1" strike="noStrike">
+                <a:solidFill>
+                  <a:srgbClr val="000000"/>
+                </a:solidFill>
+                <a:latin typeface="Arial"/>
               </a:rPr>
-              <a:t>Second level</a:t>
-            </a:r>
-            <a:endParaRPr b="0" lang="it-IT" sz="1600" spc="-1" strike="noStrike">
-              <a:solidFill>
-                <a:schemeClr val="dk1"/>
-              </a:solidFill>
-              <a:latin typeface="Calibri"/>
-            </a:endParaRPr>
-          </a:p>
-          <a:p>
-            <a:pPr lvl="2" marL="762120" indent="-152280" defTabSz="609480">
-              <a:lnSpc>
-                <a:spcPct val="100000"/>
-              </a:lnSpc>
+              <a:t>Secondo livello struttura</a:t>
+            </a:r>
+            <a:endParaRPr b="0" lang="it-IT" sz="1800" spc="-1" strike="noStrike">
+              <a:solidFill>
+                <a:srgbClr val="000000"/>
+              </a:solidFill>
+              <a:latin typeface="Arial"/>
+            </a:endParaRPr>
+          </a:p>
+          <a:p>
+            <a:pPr lvl="2" marL="1296000" indent="-288000">
               <a:spcBef>
-                <a:spcPts val="266"/>
+                <a:spcPts val="850"/>
               </a:spcBef>
               <a:buClr>
                 <a:srgbClr val="000000"/>
               </a:buClr>
-              <a:buFont typeface="Arial"/>
-              <a:buChar char="•"/>
-            </a:pPr>
-            <a:r>
-              <a:rPr b="0" lang="en-US" sz="1340" spc="-1" strike="noStrike">
-                <a:solidFill>
-                  <a:schemeClr val="dk1"/>
-                </a:solidFill>
-                <a:latin typeface="Calibri"/>
+              <a:buSzPct val="45000"/>
+              <a:buFont typeface="Wingdings" charset="2"/>
+              <a:buChar char=""/>
+            </a:pPr>
+            <a:r>
+              <a:rPr b="0" lang="it-IT" sz="1800" spc="-1" strike="noStrike">
+                <a:solidFill>
+                  <a:srgbClr val="000000"/>
+                </a:solidFill>
+                <a:latin typeface="Arial"/>
               </a:rPr>
-              <a:t>Third level</a:t>
-            </a:r>
-            <a:endParaRPr b="0" lang="it-IT" sz="1340" spc="-1" strike="noStrike">
-              <a:solidFill>
-                <a:schemeClr val="dk1"/>
-              </a:solidFill>
-              <a:latin typeface="Calibri"/>
-            </a:endParaRPr>
-          </a:p>
-          <a:p>
-            <a:pPr lvl="3" marL="1066680" indent="-152280" defTabSz="609480">
-              <a:lnSpc>
-                <a:spcPct val="100000"/>
-              </a:lnSpc>
+              <a:t>Terzo livello struttura</a:t>
+            </a:r>
+            <a:endParaRPr b="0" lang="it-IT" sz="1800" spc="-1" strike="noStrike">
+              <a:solidFill>
+                <a:srgbClr val="000000"/>
+              </a:solidFill>
+              <a:latin typeface="Arial"/>
+            </a:endParaRPr>
+          </a:p>
+          <a:p>
+            <a:pPr lvl="3" marL="1728000" indent="-216000">
               <a:spcBef>
-                <a:spcPts val="241"/>
+                <a:spcPts val="567"/>
               </a:spcBef>
               <a:buClr>
                 <a:srgbClr val="000000"/>
               </a:buClr>
-              <a:buFont typeface="Arial"/>
-              <a:buChar char="–"/>
-            </a:pPr>
-            <a:r>
-              <a:rPr b="0" lang="en-US" sz="1200" spc="-1" strike="noStrike">
-                <a:solidFill>
-                  <a:schemeClr val="dk1"/>
-                </a:solidFill>
-                <a:latin typeface="Calibri"/>
+              <a:buSzPct val="75000"/>
+              <a:buFont typeface="Symbol" charset="2"/>
+              <a:buChar char=""/>
+            </a:pPr>
+            <a:r>
+              <a:rPr b="0" lang="it-IT" sz="1800" spc="-1" strike="noStrike">
+                <a:solidFill>
+                  <a:srgbClr val="000000"/>
+                </a:solidFill>
+                <a:latin typeface="Arial"/>
               </a:rPr>
-              <a:t>Fourth level</a:t>
-            </a:r>
-            <a:endParaRPr b="0" lang="it-IT" sz="1200" spc="-1" strike="noStrike">
-              <a:solidFill>
-                <a:schemeClr val="dk1"/>
-              </a:solidFill>
-              <a:latin typeface="Calibri"/>
-            </a:endParaRPr>
-          </a:p>
-          <a:p>
-            <a:pPr lvl="4" marL="1371600" indent="-152280" defTabSz="609480">
-              <a:lnSpc>
-                <a:spcPct val="100000"/>
-              </a:lnSpc>
+              <a:t>Quarto livello struttura</a:t>
+            </a:r>
+            <a:endParaRPr b="0" lang="it-IT" sz="1800" spc="-1" strike="noStrike">
+              <a:solidFill>
+                <a:srgbClr val="000000"/>
+              </a:solidFill>
+              <a:latin typeface="Arial"/>
+            </a:endParaRPr>
+          </a:p>
+          <a:p>
+            <a:pPr lvl="4" marL="2160000" indent="-216000">
               <a:spcBef>
-                <a:spcPts val="241"/>
+                <a:spcPts val="283"/>
               </a:spcBef>
               <a:buClr>
                 <a:srgbClr val="000000"/>
               </a:buClr>
-              <a:buFont typeface="Arial"/>
-              <a:buChar char="»"/>
-            </a:pPr>
-            <a:r>
-              <a:rPr b="0" lang="en-US" sz="1200" spc="-1" strike="noStrike">
-                <a:solidFill>
-                  <a:schemeClr val="dk1"/>
-                </a:solidFill>
-                <a:latin typeface="Calibri"/>
+              <a:buSzPct val="45000"/>
+              <a:buFont typeface="Wingdings" charset="2"/>
+              <a:buChar char=""/>
+            </a:pPr>
+            <a:r>
+              <a:rPr b="0" lang="it-IT" sz="1800" spc="-1" strike="noStrike">
+                <a:solidFill>
+                  <a:srgbClr val="000000"/>
+                </a:solidFill>
+                <a:latin typeface="Arial"/>
               </a:rPr>
-              <a:t>Fifth level</a:t>
-            </a:r>
-            <a:endParaRPr b="0" lang="it-IT" sz="1200" spc="-1" strike="noStrike">
-              <a:solidFill>
-                <a:schemeClr val="dk1"/>
-              </a:solidFill>
-              <a:latin typeface="Calibri"/>
-            </a:endParaRPr>
-          </a:p>
-        </p:txBody>
-      </p:sp>
-      <p:sp>
-        <p:nvSpPr>
-          <p:cNvPr id="31" name="PlaceHolder 4"/>
-          <p:cNvSpPr>
-            <a:spLocks noGrp="1"/>
-          </p:cNvSpPr>
-          <p:nvPr>
-            <p:ph type="dt" idx="16"/>
+              <a:t>Quinto livello struttura</a:t>
+            </a:r>
+            <a:endParaRPr b="0" lang="it-IT" sz="1800" spc="-1" strike="noStrike">
+              <a:solidFill>
+                <a:srgbClr val="000000"/>
+              </a:solidFill>
+              <a:latin typeface="Arial"/>
+            </a:endParaRPr>
+          </a:p>
+          <a:p>
+            <a:pPr lvl="5" marL="2592000" indent="-216000">
+              <a:spcBef>
+                <a:spcPts val="283"/>
+              </a:spcBef>
+              <a:buClr>
+                <a:srgbClr val="000000"/>
+              </a:buClr>
+              <a:buSzPct val="45000"/>
+              <a:buFont typeface="Wingdings" charset="2"/>
+              <a:buChar char=""/>
+            </a:pPr>
+            <a:r>
+              <a:rPr b="0" lang="it-IT" sz="1800" spc="-1" strike="noStrike">
+                <a:solidFill>
+                  <a:srgbClr val="000000"/>
+                </a:solidFill>
+                <a:latin typeface="Arial"/>
+              </a:rPr>
+              <a:t>Sesto livello struttura</a:t>
+            </a:r>
+            <a:endParaRPr b="0" lang="it-IT" sz="1800" spc="-1" strike="noStrike">
+              <a:solidFill>
+                <a:srgbClr val="000000"/>
+              </a:solidFill>
+              <a:latin typeface="Arial"/>
+            </a:endParaRPr>
+          </a:p>
+          <a:p>
+            <a:pPr lvl="6" marL="3024000" indent="-216000">
+              <a:spcBef>
+                <a:spcPts val="283"/>
+              </a:spcBef>
+              <a:buClr>
+                <a:srgbClr val="000000"/>
+              </a:buClr>
+              <a:buSzPct val="45000"/>
+              <a:buFont typeface="Wingdings" charset="2"/>
+              <a:buChar char=""/>
+            </a:pPr>
+            <a:r>
+              <a:rPr b="0" lang="it-IT" sz="1800" spc="-1" strike="noStrike">
+                <a:solidFill>
+                  <a:srgbClr val="000000"/>
+                </a:solidFill>
+                <a:latin typeface="Arial"/>
+              </a:rPr>
+              <a:t>Settimo livello struttura</a:t>
+            </a:r>
+            <a:endParaRPr b="0" lang="it-IT" sz="1800" spc="-1" strike="noStrike">
+              <a:solidFill>
+                <a:srgbClr val="000000"/>
+              </a:solidFill>
+              <a:latin typeface="Arial"/>
+            </a:endParaRPr>
+          </a:p>
+        </p:txBody>
+      </p:sp>
+      <p:sp>
+        <p:nvSpPr>
+          <p:cNvPr id="25" name="PlaceHolder 4"/>
+          <p:cNvSpPr>
+            <a:spLocks noGrp="1"/>
+          </p:cNvSpPr>
+          <p:nvPr>
+            <p:ph type="ftr" idx="16"/>
           </p:nvPr>
         </p:nvSpPr>
         <p:spPr>
           <a:xfrm>
-            <a:off x="304920" y="4237560"/>
-            <a:ext cx="1422000" cy="243000"/>
+            <a:off x="2082960" y="4237560"/>
+            <a:ext cx="1929600" cy="242640"/>
           </a:xfrm>
           <a:prstGeom prst="rect">
             <a:avLst/>
@@ -5407,40 +4403,42 @@
             <a:noAutofit/>
           </a:bodyPr>
           <a:lstStyle>
-            <a:lvl1pPr indent="0" defTabSz="914400">
+            <a:lvl1pPr indent="0" algn="ctr">
               <a:lnSpc>
                 <a:spcPct val="100000"/>
               </a:lnSpc>
               <a:buNone/>
-              <a:defRPr b="0" lang="en-US" sz="800" spc="-1" strike="noStrike">
-                <a:solidFill>
-                  <a:schemeClr val="dk1">
-                    <a:tint val="75000"/>
-                  </a:schemeClr>
-                </a:solidFill>
-                <a:latin typeface="Calibri"/>
+              <a:tabLst>
+                <a:tab algn="l" pos="0"/>
+              </a:tabLst>
+              <a:defRPr b="0" lang="it-IT" sz="1400" spc="-1" strike="noStrike">
+                <a:solidFill>
+                  <a:srgbClr val="000000"/>
+                </a:solidFill>
+                <a:latin typeface="Times New Roman"/>
               </a:defRPr>
             </a:lvl1pPr>
           </a:lstStyle>
           <a:p>
-            <a:pPr indent="0" defTabSz="914400">
+            <a:pPr indent="0" algn="ctr">
               <a:lnSpc>
                 <a:spcPct val="100000"/>
               </a:lnSpc>
               <a:buNone/>
-            </a:pPr>
-            <a:r>
-              <a:rPr b="0" lang="en-US" sz="800" spc="-1" strike="noStrike">
-                <a:solidFill>
-                  <a:schemeClr val="dk1">
-                    <a:tint val="75000"/>
-                  </a:schemeClr>
-                </a:solidFill>
-                <a:latin typeface="Calibri"/>
+              <a:tabLst>
+                <a:tab algn="l" pos="0"/>
+              </a:tabLst>
+            </a:pPr>
+            <a:r>
+              <a:rPr b="0" lang="it-IT" sz="1400" spc="-1" strike="noStrike">
+                <a:solidFill>
+                  <a:srgbClr val="000000"/>
+                </a:solidFill>
+                <a:latin typeface="Times New Roman"/>
               </a:rPr>
-              <a:t>&lt;data/ora&gt;</a:t>
-            </a:r>
-            <a:endParaRPr b="0" lang="it-IT" sz="800" spc="-1" strike="noStrike">
+              <a:t>&lt;piè di pagina&gt;</a:t>
+            </a:r>
+            <a:endParaRPr b="0" lang="it-IT" sz="1400" spc="-1" strike="noStrike">
               <a:solidFill>
                 <a:srgbClr val="000000"/>
               </a:solidFill>
@@ -5451,18 +4449,18 @@
       </p:sp>
       <p:sp>
         <p:nvSpPr>
-          <p:cNvPr id="32" name="PlaceHolder 5"/>
-          <p:cNvSpPr>
-            <a:spLocks noGrp="1"/>
-          </p:cNvSpPr>
-          <p:nvPr>
-            <p:ph type="ftr" idx="17"/>
+          <p:cNvPr id="26" name="PlaceHolder 5"/>
+          <p:cNvSpPr>
+            <a:spLocks noGrp="1"/>
+          </p:cNvSpPr>
+          <p:nvPr>
+            <p:ph type="sldNum" idx="17"/>
           </p:nvPr>
         </p:nvSpPr>
         <p:spPr>
           <a:xfrm>
-            <a:off x="2082960" y="4237560"/>
-            <a:ext cx="1929960" cy="243000"/>
+            <a:off x="4368960" y="4237560"/>
+            <a:ext cx="1421640" cy="242640"/>
           </a:xfrm>
           <a:prstGeom prst="rect">
             <a:avLst/>
@@ -5477,30 +4475,46 @@
             <a:noAutofit/>
           </a:bodyPr>
           <a:lstStyle>
-            <a:lvl1pPr indent="0" algn="ctr">
-              <a:buNone/>
-              <a:defRPr b="0" lang="it-IT" sz="1400" spc="-1" strike="noStrike">
-                <a:solidFill>
-                  <a:srgbClr val="000000"/>
-                </a:solidFill>
-                <a:latin typeface="Times New Roman"/>
+            <a:lvl1pPr indent="0" algn="r" defTabSz="914400">
+              <a:lnSpc>
+                <a:spcPct val="100000"/>
+              </a:lnSpc>
+              <a:buNone/>
+              <a:tabLst>
+                <a:tab algn="l" pos="0"/>
+              </a:tabLst>
+              <a:defRPr b="0" lang="en-US" sz="800" spc="-1" strike="noStrike">
+                <a:solidFill>
+                  <a:schemeClr val="dk1">
+                    <a:tint val="75000"/>
+                  </a:schemeClr>
+                </a:solidFill>
+                <a:latin typeface="Calibri"/>
               </a:defRPr>
             </a:lvl1pPr>
           </a:lstStyle>
           <a:p>
-            <a:pPr indent="0" algn="ctr">
-              <a:buNone/>
-            </a:pPr>
-            <a:r>
-              <a:rPr b="0" lang="it-IT" sz="1400" spc="-1" strike="noStrike">
-                <a:solidFill>
-                  <a:srgbClr val="000000"/>
-                </a:solidFill>
-                <a:latin typeface="Times New Roman"/>
+            <a:pPr indent="0" algn="r" defTabSz="914400">
+              <a:lnSpc>
+                <a:spcPct val="100000"/>
+              </a:lnSpc>
+              <a:buNone/>
+              <a:tabLst>
+                <a:tab algn="l" pos="0"/>
+              </a:tabLst>
+            </a:pPr>
+            <a:fld id="{1D6C372C-C65E-4EE9-9C07-6EC290EE8D43}" type="slidenum">
+              <a:rPr b="0" lang="en-US" sz="800" spc="-1" strike="noStrike">
+                <a:solidFill>
+                  <a:schemeClr val="dk1">
+                    <a:tint val="75000"/>
+                  </a:schemeClr>
+                </a:solidFill>
+                <a:latin typeface="Calibri"/>
               </a:rPr>
-              <a:t>&lt;piè di pagina&gt;</a:t>
-            </a:r>
-            <a:endParaRPr b="0" lang="it-IT" sz="1400" spc="-1" strike="noStrike">
+              <a:t>&lt;numero&gt;</a:t>
+            </a:fld>
+            <a:endParaRPr b="0" lang="it-IT" sz="800" spc="-1" strike="noStrike">
               <a:solidFill>
                 <a:srgbClr val="000000"/>
               </a:solidFill>
@@ -5511,18 +4525,18 @@
       </p:sp>
       <p:sp>
         <p:nvSpPr>
-          <p:cNvPr id="33" name="PlaceHolder 6"/>
-          <p:cNvSpPr>
-            <a:spLocks noGrp="1"/>
-          </p:cNvSpPr>
-          <p:nvPr>
-            <p:ph type="sldNum" idx="18"/>
+          <p:cNvPr id="27" name="PlaceHolder 6"/>
+          <p:cNvSpPr>
+            <a:spLocks noGrp="1"/>
+          </p:cNvSpPr>
+          <p:nvPr>
+            <p:ph type="dt" idx="18"/>
           </p:nvPr>
         </p:nvSpPr>
         <p:spPr>
           <a:xfrm>
-            <a:off x="4368960" y="4237560"/>
-            <a:ext cx="1422000" cy="243000"/>
+            <a:off x="304920" y="4237560"/>
+            <a:ext cx="1421640" cy="242640"/>
           </a:xfrm>
           <a:prstGeom prst="rect">
             <a:avLst/>
@@ -5537,40 +4551,30 @@
             <a:noAutofit/>
           </a:bodyPr>
           <a:lstStyle>
-            <a:lvl1pPr indent="0" algn="r" defTabSz="914400">
-              <a:lnSpc>
-                <a:spcPct val="100000"/>
-              </a:lnSpc>
-              <a:buNone/>
-              <a:defRPr b="0" lang="en-US" sz="800" spc="-1" strike="noStrike">
-                <a:solidFill>
-                  <a:schemeClr val="dk1">
-                    <a:tint val="75000"/>
-                  </a:schemeClr>
-                </a:solidFill>
-                <a:latin typeface="Calibri"/>
+            <a:lvl1pPr indent="0">
+              <a:buNone/>
+              <a:defRPr b="0" lang="it-IT" sz="1400" spc="-1" strike="noStrike">
+                <a:solidFill>
+                  <a:srgbClr val="000000"/>
+                </a:solidFill>
+                <a:latin typeface="Times New Roman"/>
               </a:defRPr>
             </a:lvl1pPr>
           </a:lstStyle>
           <a:p>
-            <a:pPr indent="0" algn="r" defTabSz="914400">
-              <a:lnSpc>
-                <a:spcPct val="100000"/>
-              </a:lnSpc>
-              <a:buNone/>
-            </a:pPr>
-            <a:fld id="{7DC5BEC9-9F15-4DA4-AC08-D29D9E07EE9E}" type="slidenum">
-              <a:rPr b="0" lang="en-US" sz="800" spc="-1" strike="noStrike">
-                <a:solidFill>
-                  <a:schemeClr val="dk1">
-                    <a:tint val="75000"/>
-                  </a:schemeClr>
-                </a:solidFill>
-                <a:latin typeface="Calibri"/>
+            <a:pPr indent="0">
+              <a:buNone/>
+            </a:pPr>
+            <a:r>
+              <a:rPr b="0" lang="it-IT" sz="1400" spc="-1" strike="noStrike">
+                <a:solidFill>
+                  <a:srgbClr val="000000"/>
+                </a:solidFill>
+                <a:latin typeface="Times New Roman"/>
               </a:rPr>
-              <a:t>&lt;numero&gt;</a:t>
-            </a:fld>
-            <a:endParaRPr b="0" lang="it-IT" sz="800" spc="-1" strike="noStrike">
+              <a:t>&lt;data/ora&gt;</a:t>
+            </a:r>
+            <a:endParaRPr b="0" lang="it-IT" sz="1400" spc="-1" strike="noStrike">
               <a:solidFill>
                 <a:srgbClr val="000000"/>
               </a:solidFill>
@@ -5614,18 +4618,18 @@
       </p:grpSpPr>
       <p:sp>
         <p:nvSpPr>
-          <p:cNvPr id="37" name="PlaceHolder 1"/>
-          <p:cNvSpPr>
-            <a:spLocks noGrp="1"/>
-          </p:cNvSpPr>
-          <p:nvPr>
-            <p:ph type="title"/>
+          <p:cNvPr id="31" name="PlaceHolder 1"/>
+          <p:cNvSpPr>
+            <a:spLocks noGrp="1"/>
+          </p:cNvSpPr>
+          <p:nvPr>
+            <p:ph type="ftr" idx="19"/>
           </p:nvPr>
         </p:nvSpPr>
         <p:spPr>
           <a:xfrm>
-            <a:off x="304920" y="183240"/>
-            <a:ext cx="5486040" cy="761760"/>
+            <a:off x="2082960" y="4237560"/>
+            <a:ext cx="1929600" cy="242640"/>
           </a:xfrm>
           <a:prstGeom prst="rect">
             <a:avLst/>
@@ -5639,45 +4643,65 @@
           <a:bodyPr lIns="91440" rIns="91440" tIns="45720" bIns="45720" anchor="ctr">
             <a:noAutofit/>
           </a:bodyPr>
-          <a:p>
-            <a:pPr indent="0" algn="ctr" defTabSz="609480">
+          <a:lstStyle>
+            <a:lvl1pPr indent="0" algn="ctr">
               <a:lnSpc>
                 <a:spcPct val="100000"/>
               </a:lnSpc>
               <a:buNone/>
-            </a:pPr>
-            <a:r>
-              <a:rPr b="0" lang="en-US" sz="2930" spc="-1" strike="noStrike">
-                <a:solidFill>
-                  <a:schemeClr val="dk1"/>
-                </a:solidFill>
-                <a:latin typeface="Calibri"/>
+              <a:tabLst>
+                <a:tab algn="l" pos="0"/>
+              </a:tabLst>
+              <a:defRPr b="0" lang="it-IT" sz="1400" spc="-1" strike="noStrike">
+                <a:solidFill>
+                  <a:srgbClr val="000000"/>
+                </a:solidFill>
+                <a:latin typeface="Times New Roman"/>
+              </a:defRPr>
+            </a:lvl1pPr>
+          </a:lstStyle>
+          <a:p>
+            <a:pPr indent="0" algn="ctr">
+              <a:lnSpc>
+                <a:spcPct val="100000"/>
+              </a:lnSpc>
+              <a:buNone/>
+              <a:tabLst>
+                <a:tab algn="l" pos="0"/>
+              </a:tabLst>
+            </a:pPr>
+            <a:r>
+              <a:rPr b="0" lang="it-IT" sz="1400" spc="-1" strike="noStrike">
+                <a:solidFill>
+                  <a:srgbClr val="000000"/>
+                </a:solidFill>
+                <a:latin typeface="Times New Roman"/>
               </a:rPr>
-              <a:t>Click to edit Master title style</a:t>
-            </a:r>
-            <a:endParaRPr b="0" lang="it-IT" sz="2930" spc="-1" strike="noStrike">
-              <a:solidFill>
-                <a:schemeClr val="dk1"/>
-              </a:solidFill>
-              <a:latin typeface="Calibri"/>
-            </a:endParaRPr>
-          </a:p>
-        </p:txBody>
-      </p:sp>
-      <p:sp>
-        <p:nvSpPr>
-          <p:cNvPr id="38" name="PlaceHolder 2"/>
-          <p:cNvSpPr>
-            <a:spLocks noGrp="1"/>
-          </p:cNvSpPr>
-          <p:nvPr>
-            <p:ph type="body"/>
+              <a:t>&lt;piè di pagina&gt;</a:t>
+            </a:r>
+            <a:endParaRPr b="0" lang="it-IT" sz="1400" spc="-1" strike="noStrike">
+              <a:solidFill>
+                <a:srgbClr val="000000"/>
+              </a:solidFill>
+              <a:latin typeface="Times New Roman"/>
+            </a:endParaRPr>
+          </a:p>
+        </p:txBody>
+      </p:sp>
+      <p:sp>
+        <p:nvSpPr>
+          <p:cNvPr id="32" name="PlaceHolder 2"/>
+          <p:cNvSpPr>
+            <a:spLocks noGrp="1"/>
+          </p:cNvSpPr>
+          <p:nvPr>
+            <p:ph type="sldNum" idx="20"/>
           </p:nvPr>
         </p:nvSpPr>
         <p:spPr>
           <a:xfrm>
-            <a:off x="304920" y="1023480"/>
-            <a:ext cx="2693160" cy="426240"/>
+            <a:off x="4368960" y="4237560"/>
+            <a:ext cx="1421640" cy="242640"/>
           </a:xfrm>
           <a:prstGeom prst="rect">
             <a:avLst/>
@@ -5688,54 +4712,72 @@
           </a:ln>
         </p:spPr>
         <p:txBody>
-          <a:bodyPr lIns="91440" rIns="91440" tIns="45720" bIns="45720" anchor="b">
+          <a:bodyPr lIns="91440" rIns="91440" tIns="45720" bIns="45720" anchor="ctr">
             <a:noAutofit/>
           </a:bodyPr>
-          <a:p>
-            <a:pPr indent="0" defTabSz="609480">
+          <a:lstStyle>
+            <a:lvl1pPr indent="0" algn="r" defTabSz="914400">
               <a:lnSpc>
                 <a:spcPct val="100000"/>
               </a:lnSpc>
-              <a:spcBef>
-                <a:spcPts val="320"/>
-              </a:spcBef>
               <a:buNone/>
               <a:tabLst>
                 <a:tab algn="l" pos="0"/>
               </a:tabLst>
-            </a:pPr>
-            <a:r>
-              <a:rPr b="1" lang="en-US" sz="1600" spc="-1" strike="noStrike">
-                <a:solidFill>
-                  <a:schemeClr val="dk1"/>
+              <a:defRPr b="0" lang="en-US" sz="800" spc="-1" strike="noStrike">
+                <a:solidFill>
+                  <a:schemeClr val="dk1">
+                    <a:tint val="75000"/>
+                  </a:schemeClr>
+                </a:solidFill>
+                <a:latin typeface="Calibri"/>
+              </a:defRPr>
+            </a:lvl1pPr>
+          </a:lstStyle>
+          <a:p>
+            <a:pPr indent="0" algn="r" defTabSz="914400">
+              <a:lnSpc>
+                <a:spcPct val="100000"/>
+              </a:lnSpc>
+              <a:buNone/>
+              <a:tabLst>
+                <a:tab algn="l" pos="0"/>
+              </a:tabLst>
+            </a:pPr>
+            <a:fld id="{F43656D5-8B45-42CD-A794-C33E0C410500}" type="slidenum">
+              <a:rPr b="0" lang="en-US" sz="800" spc="-1" strike="noStrike">
+                <a:solidFill>
+                  <a:schemeClr val="dk1">
+                    <a:tint val="75000"/>
+                  </a:schemeClr>
                 </a:solidFill>
                 <a:latin typeface="Calibri"/>
               </a:rPr>
-              <a:t>Click to edit Master text styles</a:t>
-            </a:r>
-            <a:endParaRPr b="0" lang="it-IT" sz="1600" spc="-1" strike="noStrike">
-              <a:solidFill>
-                <a:schemeClr val="dk1"/>
-              </a:solidFill>
-              <a:latin typeface="Calibri"/>
-            </a:endParaRPr>
-          </a:p>
-        </p:txBody>
-      </p:sp>
-      <p:sp>
-        <p:nvSpPr>
-          <p:cNvPr id="39" name="PlaceHolder 3"/>
-          <p:cNvSpPr>
-            <a:spLocks noGrp="1"/>
-          </p:cNvSpPr>
-          <p:nvPr>
-            <p:ph type="body"/>
+              <a:t>&lt;numero&gt;</a:t>
+            </a:fld>
+            <a:endParaRPr b="0" lang="it-IT" sz="800" spc="-1" strike="noStrike">
+              <a:solidFill>
+                <a:srgbClr val="000000"/>
+              </a:solidFill>
+              <a:latin typeface="Times New Roman"/>
+            </a:endParaRPr>
+          </a:p>
+        </p:txBody>
+      </p:sp>
+      <p:sp>
+        <p:nvSpPr>
+          <p:cNvPr id="33" name="PlaceHolder 3"/>
+          <p:cNvSpPr>
+            <a:spLocks noGrp="1"/>
+          </p:cNvSpPr>
+          <p:nvPr>
+            <p:ph type="dt" idx="21"/>
           </p:nvPr>
         </p:nvSpPr>
         <p:spPr>
           <a:xfrm>
-            <a:off x="304920" y="1450080"/>
-            <a:ext cx="2693160" cy="2633760"/>
+            <a:off x="304920" y="4237560"/>
+            <a:ext cx="1421640" cy="242640"/>
           </a:xfrm>
           <a:prstGeom prst="rect">
             <a:avLst/>
@@ -5746,497 +4788,11 @@
           </a:ln>
         </p:spPr>
         <p:txBody>
-          <a:bodyPr lIns="91440" rIns="91440" tIns="45720" bIns="45720" anchor="t">
-            <a:noAutofit/>
-          </a:bodyPr>
-          <a:p>
-            <a:pPr marL="228600" indent="-228600" defTabSz="609480">
-              <a:lnSpc>
-                <a:spcPct val="100000"/>
-              </a:lnSpc>
-              <a:spcBef>
-                <a:spcPts val="320"/>
-              </a:spcBef>
-              <a:buClr>
-                <a:srgbClr val="000000"/>
-              </a:buClr>
-              <a:buFont typeface="Arial"/>
-              <a:buChar char="•"/>
-            </a:pPr>
-            <a:r>
-              <a:rPr b="0" lang="en-US" sz="1600" spc="-1" strike="noStrike">
-                <a:solidFill>
-                  <a:schemeClr val="dk1"/>
-                </a:solidFill>
-                <a:latin typeface="Calibri"/>
-              </a:rPr>
-              <a:t>Click to edit Master text styles</a:t>
-            </a:r>
-            <a:endParaRPr b="0" lang="it-IT" sz="1600" spc="-1" strike="noStrike">
-              <a:solidFill>
-                <a:schemeClr val="dk1"/>
-              </a:solidFill>
-              <a:latin typeface="Calibri"/>
-            </a:endParaRPr>
-          </a:p>
-          <a:p>
-            <a:pPr lvl="1" marL="495360" indent="-190440" defTabSz="609480">
-              <a:lnSpc>
-                <a:spcPct val="100000"/>
-              </a:lnSpc>
-              <a:spcBef>
-                <a:spcPts val="266"/>
-              </a:spcBef>
-              <a:buClr>
-                <a:srgbClr val="000000"/>
-              </a:buClr>
-              <a:buFont typeface="Arial"/>
-              <a:buChar char="–"/>
-            </a:pPr>
-            <a:r>
-              <a:rPr b="0" lang="en-US" sz="1340" spc="-1" strike="noStrike">
-                <a:solidFill>
-                  <a:schemeClr val="dk1"/>
-                </a:solidFill>
-                <a:latin typeface="Calibri"/>
-              </a:rPr>
-              <a:t>Second level</a:t>
-            </a:r>
-            <a:endParaRPr b="0" lang="it-IT" sz="1340" spc="-1" strike="noStrike">
-              <a:solidFill>
-                <a:schemeClr val="dk1"/>
-              </a:solidFill>
-              <a:latin typeface="Calibri"/>
-            </a:endParaRPr>
-          </a:p>
-          <a:p>
-            <a:pPr lvl="2" marL="762120" indent="-152280" defTabSz="609480">
-              <a:lnSpc>
-                <a:spcPct val="100000"/>
-              </a:lnSpc>
-              <a:spcBef>
-                <a:spcPts val="241"/>
-              </a:spcBef>
-              <a:buClr>
-                <a:srgbClr val="000000"/>
-              </a:buClr>
-              <a:buFont typeface="Arial"/>
-              <a:buChar char="•"/>
-            </a:pPr>
-            <a:r>
-              <a:rPr b="0" lang="en-US" sz="1200" spc="-1" strike="noStrike">
-                <a:solidFill>
-                  <a:schemeClr val="dk1"/>
-                </a:solidFill>
-                <a:latin typeface="Calibri"/>
-              </a:rPr>
-              <a:t>Third level</a:t>
-            </a:r>
-            <a:endParaRPr b="0" lang="it-IT" sz="1200" spc="-1" strike="noStrike">
-              <a:solidFill>
-                <a:schemeClr val="dk1"/>
-              </a:solidFill>
-              <a:latin typeface="Calibri"/>
-            </a:endParaRPr>
-          </a:p>
-          <a:p>
-            <a:pPr lvl="3" marL="1066680" indent="-152280" defTabSz="609480">
-              <a:lnSpc>
-                <a:spcPct val="100000"/>
-              </a:lnSpc>
-              <a:spcBef>
-                <a:spcPts val="213"/>
-              </a:spcBef>
-              <a:buClr>
-                <a:srgbClr val="000000"/>
-              </a:buClr>
-              <a:buFont typeface="Arial"/>
-              <a:buChar char="–"/>
-            </a:pPr>
-            <a:r>
-              <a:rPr b="0" lang="en-US" sz="1070" spc="-1" strike="noStrike">
-                <a:solidFill>
-                  <a:schemeClr val="dk1"/>
-                </a:solidFill>
-                <a:latin typeface="Calibri"/>
-              </a:rPr>
-              <a:t>Fourth level</a:t>
-            </a:r>
-            <a:endParaRPr b="0" lang="it-IT" sz="1070" spc="-1" strike="noStrike">
-              <a:solidFill>
-                <a:schemeClr val="dk1"/>
-              </a:solidFill>
-              <a:latin typeface="Calibri"/>
-            </a:endParaRPr>
-          </a:p>
-          <a:p>
-            <a:pPr lvl="4" marL="1371600" indent="-152280" defTabSz="609480">
-              <a:lnSpc>
-                <a:spcPct val="100000"/>
-              </a:lnSpc>
-              <a:spcBef>
-                <a:spcPts val="213"/>
-              </a:spcBef>
-              <a:buClr>
-                <a:srgbClr val="000000"/>
-              </a:buClr>
-              <a:buFont typeface="Arial"/>
-              <a:buChar char="»"/>
-            </a:pPr>
-            <a:r>
-              <a:rPr b="0" lang="en-US" sz="1070" spc="-1" strike="noStrike">
-                <a:solidFill>
-                  <a:schemeClr val="dk1"/>
-                </a:solidFill>
-                <a:latin typeface="Calibri"/>
-              </a:rPr>
-              <a:t>Fifth level</a:t>
-            </a:r>
-            <a:endParaRPr b="0" lang="it-IT" sz="1070" spc="-1" strike="noStrike">
-              <a:solidFill>
-                <a:schemeClr val="dk1"/>
-              </a:solidFill>
-              <a:latin typeface="Calibri"/>
-            </a:endParaRPr>
-          </a:p>
-        </p:txBody>
-      </p:sp>
-      <p:sp>
-        <p:nvSpPr>
-          <p:cNvPr id="40" name="PlaceHolder 4"/>
-          <p:cNvSpPr>
-            <a:spLocks noGrp="1"/>
-          </p:cNvSpPr>
-          <p:nvPr>
-            <p:ph type="body"/>
-          </p:nvPr>
-        </p:nvSpPr>
-        <p:spPr>
-          <a:xfrm>
-            <a:off x="3096720" y="1023480"/>
-            <a:ext cx="2694240" cy="426240"/>
-          </a:xfrm>
-          <a:prstGeom prst="rect">
-            <a:avLst/>
-          </a:prstGeom>
-          <a:noFill/>
-          <a:ln w="0">
-            <a:noFill/>
-          </a:ln>
-        </p:spPr>
-        <p:txBody>
-          <a:bodyPr lIns="91440" rIns="91440" tIns="45720" bIns="45720" anchor="b">
-            <a:noAutofit/>
-          </a:bodyPr>
-          <a:p>
-            <a:pPr indent="0" defTabSz="609480">
-              <a:lnSpc>
-                <a:spcPct val="100000"/>
-              </a:lnSpc>
-              <a:spcBef>
-                <a:spcPts val="320"/>
-              </a:spcBef>
-              <a:buNone/>
-              <a:tabLst>
-                <a:tab algn="l" pos="0"/>
-              </a:tabLst>
-            </a:pPr>
-            <a:r>
-              <a:rPr b="1" lang="en-US" sz="1600" spc="-1" strike="noStrike">
-                <a:solidFill>
-                  <a:schemeClr val="dk1"/>
-                </a:solidFill>
-                <a:latin typeface="Calibri"/>
-              </a:rPr>
-              <a:t>Click to edit Master text styles</a:t>
-            </a:r>
-            <a:endParaRPr b="0" lang="it-IT" sz="1600" spc="-1" strike="noStrike">
-              <a:solidFill>
-                <a:schemeClr val="dk1"/>
-              </a:solidFill>
-              <a:latin typeface="Calibri"/>
-            </a:endParaRPr>
-          </a:p>
-        </p:txBody>
-      </p:sp>
-      <p:sp>
-        <p:nvSpPr>
-          <p:cNvPr id="41" name="PlaceHolder 5"/>
-          <p:cNvSpPr>
-            <a:spLocks noGrp="1"/>
-          </p:cNvSpPr>
-          <p:nvPr>
-            <p:ph type="body"/>
-          </p:nvPr>
-        </p:nvSpPr>
-        <p:spPr>
-          <a:xfrm>
-            <a:off x="3096720" y="1450080"/>
-            <a:ext cx="2694240" cy="2633760"/>
-          </a:xfrm>
-          <a:prstGeom prst="rect">
-            <a:avLst/>
-          </a:prstGeom>
-          <a:noFill/>
-          <a:ln w="0">
-            <a:noFill/>
-          </a:ln>
-        </p:spPr>
-        <p:txBody>
-          <a:bodyPr lIns="91440" rIns="91440" tIns="45720" bIns="45720" anchor="t">
-            <a:noAutofit/>
-          </a:bodyPr>
-          <a:p>
-            <a:pPr marL="228600" indent="-228600" defTabSz="609480">
-              <a:lnSpc>
-                <a:spcPct val="100000"/>
-              </a:lnSpc>
-              <a:spcBef>
-                <a:spcPts val="320"/>
-              </a:spcBef>
-              <a:buClr>
-                <a:srgbClr val="000000"/>
-              </a:buClr>
-              <a:buFont typeface="Arial"/>
-              <a:buChar char="•"/>
-            </a:pPr>
-            <a:r>
-              <a:rPr b="0" lang="en-US" sz="1600" spc="-1" strike="noStrike">
-                <a:solidFill>
-                  <a:schemeClr val="dk1"/>
-                </a:solidFill>
-                <a:latin typeface="Calibri"/>
-              </a:rPr>
-              <a:t>Click to edit Master text styles</a:t>
-            </a:r>
-            <a:endParaRPr b="0" lang="it-IT" sz="1600" spc="-1" strike="noStrike">
-              <a:solidFill>
-                <a:schemeClr val="dk1"/>
-              </a:solidFill>
-              <a:latin typeface="Calibri"/>
-            </a:endParaRPr>
-          </a:p>
-          <a:p>
-            <a:pPr lvl="1" marL="495360" indent="-190440" defTabSz="609480">
-              <a:lnSpc>
-                <a:spcPct val="100000"/>
-              </a:lnSpc>
-              <a:spcBef>
-                <a:spcPts val="266"/>
-              </a:spcBef>
-              <a:buClr>
-                <a:srgbClr val="000000"/>
-              </a:buClr>
-              <a:buFont typeface="Arial"/>
-              <a:buChar char="–"/>
-            </a:pPr>
-            <a:r>
-              <a:rPr b="0" lang="en-US" sz="1340" spc="-1" strike="noStrike">
-                <a:solidFill>
-                  <a:schemeClr val="dk1"/>
-                </a:solidFill>
-                <a:latin typeface="Calibri"/>
-              </a:rPr>
-              <a:t>Second level</a:t>
-            </a:r>
-            <a:endParaRPr b="0" lang="it-IT" sz="1340" spc="-1" strike="noStrike">
-              <a:solidFill>
-                <a:schemeClr val="dk1"/>
-              </a:solidFill>
-              <a:latin typeface="Calibri"/>
-            </a:endParaRPr>
-          </a:p>
-          <a:p>
-            <a:pPr lvl="2" marL="762120" indent="-152280" defTabSz="609480">
-              <a:lnSpc>
-                <a:spcPct val="100000"/>
-              </a:lnSpc>
-              <a:spcBef>
-                <a:spcPts val="241"/>
-              </a:spcBef>
-              <a:buClr>
-                <a:srgbClr val="000000"/>
-              </a:buClr>
-              <a:buFont typeface="Arial"/>
-              <a:buChar char="•"/>
-            </a:pPr>
-            <a:r>
-              <a:rPr b="0" lang="en-US" sz="1200" spc="-1" strike="noStrike">
-                <a:solidFill>
-                  <a:schemeClr val="dk1"/>
-                </a:solidFill>
-                <a:latin typeface="Calibri"/>
-              </a:rPr>
-              <a:t>Third level</a:t>
-            </a:r>
-            <a:endParaRPr b="0" lang="it-IT" sz="1200" spc="-1" strike="noStrike">
-              <a:solidFill>
-                <a:schemeClr val="dk1"/>
-              </a:solidFill>
-              <a:latin typeface="Calibri"/>
-            </a:endParaRPr>
-          </a:p>
-          <a:p>
-            <a:pPr lvl="3" marL="1066680" indent="-152280" defTabSz="609480">
-              <a:lnSpc>
-                <a:spcPct val="100000"/>
-              </a:lnSpc>
-              <a:spcBef>
-                <a:spcPts val="213"/>
-              </a:spcBef>
-              <a:buClr>
-                <a:srgbClr val="000000"/>
-              </a:buClr>
-              <a:buFont typeface="Arial"/>
-              <a:buChar char="–"/>
-            </a:pPr>
-            <a:r>
-              <a:rPr b="0" lang="en-US" sz="1070" spc="-1" strike="noStrike">
-                <a:solidFill>
-                  <a:schemeClr val="dk1"/>
-                </a:solidFill>
-                <a:latin typeface="Calibri"/>
-              </a:rPr>
-              <a:t>Fourth level</a:t>
-            </a:r>
-            <a:endParaRPr b="0" lang="it-IT" sz="1070" spc="-1" strike="noStrike">
-              <a:solidFill>
-                <a:schemeClr val="dk1"/>
-              </a:solidFill>
-              <a:latin typeface="Calibri"/>
-            </a:endParaRPr>
-          </a:p>
-          <a:p>
-            <a:pPr lvl="4" marL="1371600" indent="-152280" defTabSz="609480">
-              <a:lnSpc>
-                <a:spcPct val="100000"/>
-              </a:lnSpc>
-              <a:spcBef>
-                <a:spcPts val="213"/>
-              </a:spcBef>
-              <a:buClr>
-                <a:srgbClr val="000000"/>
-              </a:buClr>
-              <a:buFont typeface="Arial"/>
-              <a:buChar char="»"/>
-            </a:pPr>
-            <a:r>
-              <a:rPr b="0" lang="en-US" sz="1070" spc="-1" strike="noStrike">
-                <a:solidFill>
-                  <a:schemeClr val="dk1"/>
-                </a:solidFill>
-                <a:latin typeface="Calibri"/>
-              </a:rPr>
-              <a:t>Fifth level</a:t>
-            </a:r>
-            <a:endParaRPr b="0" lang="it-IT" sz="1070" spc="-1" strike="noStrike">
-              <a:solidFill>
-                <a:schemeClr val="dk1"/>
-              </a:solidFill>
-              <a:latin typeface="Calibri"/>
-            </a:endParaRPr>
-          </a:p>
-        </p:txBody>
-      </p:sp>
-      <p:sp>
-        <p:nvSpPr>
-          <p:cNvPr id="42" name="PlaceHolder 6"/>
-          <p:cNvSpPr>
-            <a:spLocks noGrp="1"/>
-          </p:cNvSpPr>
-          <p:nvPr>
-            <p:ph type="dt" idx="19"/>
-          </p:nvPr>
-        </p:nvSpPr>
-        <p:spPr>
-          <a:xfrm>
-            <a:off x="304920" y="4237560"/>
-            <a:ext cx="1422000" cy="243000"/>
-          </a:xfrm>
-          <a:prstGeom prst="rect">
-            <a:avLst/>
-          </a:prstGeom>
-          <a:noFill/>
-          <a:ln w="0">
-            <a:noFill/>
-          </a:ln>
-        </p:spPr>
-        <p:txBody>
           <a:bodyPr lIns="91440" rIns="91440" tIns="45720" bIns="45720" anchor="ctr">
             <a:noAutofit/>
           </a:bodyPr>
           <a:lstStyle>
-            <a:lvl1pPr indent="0" defTabSz="914400">
-              <a:lnSpc>
-                <a:spcPct val="100000"/>
-              </a:lnSpc>
-              <a:buNone/>
-              <a:defRPr b="0" lang="en-US" sz="800" spc="-1" strike="noStrike">
-                <a:solidFill>
-                  <a:schemeClr val="dk1">
-                    <a:tint val="75000"/>
-                  </a:schemeClr>
-                </a:solidFill>
-                <a:latin typeface="Calibri"/>
-              </a:defRPr>
-            </a:lvl1pPr>
-          </a:lstStyle>
-          <a:p>
-            <a:pPr indent="0" defTabSz="914400">
-              <a:lnSpc>
-                <a:spcPct val="100000"/>
-              </a:lnSpc>
-              <a:buNone/>
-            </a:pPr>
-            <a:r>
-              <a:rPr b="0" lang="en-US" sz="800" spc="-1" strike="noStrike">
-                <a:solidFill>
-                  <a:schemeClr val="dk1">
-                    <a:tint val="75000"/>
-                  </a:schemeClr>
-                </a:solidFill>
-                <a:latin typeface="Calibri"/>
-              </a:rPr>
-              <a:t>&lt;data/ora&gt;</a:t>
-            </a:r>
-            <a:endParaRPr b="0" lang="it-IT" sz="800" spc="-1" strike="noStrike">
-              <a:solidFill>
-                <a:srgbClr val="000000"/>
-              </a:solidFill>
-              <a:latin typeface="Times New Roman"/>
-            </a:endParaRPr>
-          </a:p>
-        </p:txBody>
-      </p:sp>
-      <p:sp>
-        <p:nvSpPr>
-          <p:cNvPr id="43" name="PlaceHolder 7"/>
-          <p:cNvSpPr>
-            <a:spLocks noGrp="1"/>
-          </p:cNvSpPr>
-          <p:nvPr>
-            <p:ph type="ftr" idx="20"/>
-          </p:nvPr>
-        </p:nvSpPr>
-        <p:spPr>
-          <a:xfrm>
-            <a:off x="2082960" y="4237560"/>
-            <a:ext cx="1929960" cy="243000"/>
-          </a:xfrm>
-          <a:prstGeom prst="rect">
-            <a:avLst/>
-          </a:prstGeom>
-          <a:noFill/>
-          <a:ln w="0">
-            <a:noFill/>
-          </a:ln>
-        </p:spPr>
-        <p:txBody>
-          <a:bodyPr lIns="91440" rIns="91440" tIns="45720" bIns="45720" anchor="ctr">
-            <a:noAutofit/>
-          </a:bodyPr>
-          <a:lstStyle>
-            <a:lvl1pPr indent="0" algn="ctr">
+            <a:lvl1pPr indent="0">
               <a:buNone/>
               <a:defRPr b="0" lang="it-IT" sz="1400" spc="-1" strike="noStrike">
                 <a:solidFill>
@@ -6247,7 +4803,7 @@
             </a:lvl1pPr>
           </a:lstStyle>
           <a:p>
-            <a:pPr indent="0" algn="ctr">
+            <a:pPr indent="0">
               <a:buNone/>
             </a:pPr>
             <a:r>
@@ -6257,79 +4813,9 @@
                 </a:solidFill>
                 <a:latin typeface="Times New Roman"/>
               </a:rPr>
-              <a:t>&lt;piè di pagina&gt;</a:t>
+              <a:t>&lt;data/ora&gt;</a:t>
             </a:r>
             <a:endParaRPr b="0" lang="it-IT" sz="1400" spc="-1" strike="noStrike">
-              <a:solidFill>
-                <a:srgbClr val="000000"/>
-              </a:solidFill>
-              <a:latin typeface="Times New Roman"/>
-            </a:endParaRPr>
-          </a:p>
-        </p:txBody>
-      </p:sp>
-      <p:sp>
-        <p:nvSpPr>
-          <p:cNvPr id="44" name="PlaceHolder 8"/>
-          <p:cNvSpPr>
-            <a:spLocks noGrp="1"/>
-          </p:cNvSpPr>
-          <p:nvPr>
-            <p:ph type="sldNum" idx="21"/>
-          </p:nvPr>
-        </p:nvSpPr>
-        <p:spPr>
-          <a:xfrm>
-            <a:off x="4368960" y="4237560"/>
-            <a:ext cx="1422000" cy="243000"/>
-          </a:xfrm>
-          <a:prstGeom prst="rect">
-            <a:avLst/>
-          </a:prstGeom>
-          <a:noFill/>
-          <a:ln w="0">
-            <a:noFill/>
-          </a:ln>
-        </p:spPr>
-        <p:txBody>
-          <a:bodyPr lIns="91440" rIns="91440" tIns="45720" bIns="45720" anchor="ctr">
-            <a:noAutofit/>
-          </a:bodyPr>
-          <a:lstStyle>
-            <a:lvl1pPr indent="0" algn="r" defTabSz="914400">
-              <a:lnSpc>
-                <a:spcPct val="100000"/>
-              </a:lnSpc>
-              <a:buNone/>
-              <a:defRPr b="0" lang="en-US" sz="800" spc="-1" strike="noStrike">
-                <a:solidFill>
-                  <a:schemeClr val="dk1">
-                    <a:tint val="75000"/>
-                  </a:schemeClr>
-                </a:solidFill>
-                <a:latin typeface="Calibri"/>
-              </a:defRPr>
-            </a:lvl1pPr>
-          </a:lstStyle>
-          <a:p>
-            <a:pPr indent="0" algn="r" defTabSz="914400">
-              <a:lnSpc>
-                <a:spcPct val="100000"/>
-              </a:lnSpc>
-              <a:buNone/>
-            </a:pPr>
-            <a:fld id="{330F9D13-DAB9-4665-A02C-F2270313E928}" type="slidenum">
-              <a:rPr b="0" lang="en-US" sz="800" spc="-1" strike="noStrike">
-                <a:solidFill>
-                  <a:schemeClr val="dk1">
-                    <a:tint val="75000"/>
-                  </a:schemeClr>
-                </a:solidFill>
-                <a:latin typeface="Calibri"/>
-              </a:rPr>
-              <a:t>&lt;numero&gt;</a:t>
-            </a:fld>
-            <a:endParaRPr b="0" lang="it-IT" sz="800" spc="-1" strike="noStrike">
               <a:solidFill>
                 <a:srgbClr val="000000"/>
               </a:solidFill>
@@ -6373,7 +4859,7 @@
       </p:grpSpPr>
       <p:sp>
         <p:nvSpPr>
-          <p:cNvPr id="45" name="PlaceHolder 1"/>
+          <p:cNvPr id="34" name="PlaceHolder 1"/>
           <p:cNvSpPr>
             <a:spLocks noGrp="1"/>
           </p:cNvSpPr>
@@ -6383,8 +4869,8 @@
         </p:nvSpPr>
         <p:spPr>
           <a:xfrm>
-            <a:off x="304920" y="183240"/>
-            <a:ext cx="5486040" cy="761760"/>
+            <a:off x="609480" y="273600"/>
+            <a:ext cx="10972080" cy="1144440"/>
           </a:xfrm>
           <a:prstGeom prst="rect">
             <a:avLst/>
@@ -6395,48 +4881,45 @@
           </a:ln>
         </p:spPr>
         <p:txBody>
-          <a:bodyPr lIns="91440" rIns="91440" tIns="45720" bIns="45720" anchor="ctr">
+          <a:bodyPr lIns="0" rIns="0" tIns="0" bIns="0" anchor="ctr">
             <a:noAutofit/>
           </a:bodyPr>
           <a:p>
-            <a:pPr indent="0" algn="ctr" defTabSz="609480">
-              <a:lnSpc>
-                <a:spcPct val="100000"/>
-              </a:lnSpc>
-              <a:buNone/>
-            </a:pPr>
-            <a:r>
-              <a:rPr b="0" lang="en-US" sz="2930" spc="-1" strike="noStrike">
-                <a:solidFill>
-                  <a:schemeClr val="dk1"/>
-                </a:solidFill>
-                <a:latin typeface="Calibri"/>
+            <a:pPr indent="0">
+              <a:buNone/>
+            </a:pPr>
+            <a:r>
+              <a:rPr b="0" lang="it-IT" sz="1800" spc="-1" strike="noStrike">
+                <a:solidFill>
+                  <a:srgbClr val="000000"/>
+                </a:solidFill>
+                <a:latin typeface="Arial"/>
               </a:rPr>
-              <a:t>Click to edit Master title style</a:t>
-            </a:r>
-            <a:endParaRPr b="0" lang="it-IT" sz="2930" spc="-1" strike="noStrike">
-              <a:solidFill>
-                <a:schemeClr val="dk1"/>
-              </a:solidFill>
-              <a:latin typeface="Calibri"/>
-            </a:endParaRPr>
-          </a:p>
-        </p:txBody>
-      </p:sp>
-      <p:sp>
-        <p:nvSpPr>
-          <p:cNvPr id="46" name="PlaceHolder 2"/>
-          <p:cNvSpPr>
-            <a:spLocks noGrp="1"/>
-          </p:cNvSpPr>
-          <p:nvPr>
-            <p:ph type="dt" idx="22"/>
+              <a:t>Fai clic per modificare il formato del testo del titolo</a:t>
+            </a:r>
+            <a:endParaRPr b="0" lang="it-IT" sz="1800" spc="-1" strike="noStrike">
+              <a:solidFill>
+                <a:srgbClr val="000000"/>
+              </a:solidFill>
+              <a:latin typeface="Arial"/>
+            </a:endParaRPr>
+          </a:p>
+        </p:txBody>
+      </p:sp>
+      <p:sp>
+        <p:nvSpPr>
+          <p:cNvPr id="35" name="PlaceHolder 2"/>
+          <p:cNvSpPr>
+            <a:spLocks noGrp="1"/>
+          </p:cNvSpPr>
+          <p:nvPr>
+            <p:ph type="ftr" idx="22"/>
           </p:nvPr>
         </p:nvSpPr>
         <p:spPr>
           <a:xfrm>
-            <a:off x="304920" y="4237560"/>
-            <a:ext cx="1422000" cy="243000"/>
+            <a:off x="2082960" y="4237560"/>
+            <a:ext cx="1929600" cy="242640"/>
           </a:xfrm>
           <a:prstGeom prst="rect">
             <a:avLst/>
@@ -6451,40 +4934,42 @@
             <a:noAutofit/>
           </a:bodyPr>
           <a:lstStyle>
-            <a:lvl1pPr indent="0" defTabSz="914400">
+            <a:lvl1pPr indent="0" algn="ctr">
               <a:lnSpc>
                 <a:spcPct val="100000"/>
               </a:lnSpc>
               <a:buNone/>
-              <a:defRPr b="0" lang="en-US" sz="800" spc="-1" strike="noStrike">
-                <a:solidFill>
-                  <a:schemeClr val="dk1">
-                    <a:tint val="75000"/>
-                  </a:schemeClr>
-                </a:solidFill>
-                <a:latin typeface="Calibri"/>
+              <a:tabLst>
+                <a:tab algn="l" pos="0"/>
+              </a:tabLst>
+              <a:defRPr b="0" lang="it-IT" sz="1400" spc="-1" strike="noStrike">
+                <a:solidFill>
+                  <a:srgbClr val="000000"/>
+                </a:solidFill>
+                <a:latin typeface="Times New Roman"/>
               </a:defRPr>
             </a:lvl1pPr>
           </a:lstStyle>
           <a:p>
-            <a:pPr indent="0" defTabSz="914400">
+            <a:pPr indent="0" algn="ctr">
               <a:lnSpc>
                 <a:spcPct val="100000"/>
               </a:lnSpc>
               <a:buNone/>
-            </a:pPr>
-            <a:r>
-              <a:rPr b="0" lang="en-US" sz="800" spc="-1" strike="noStrike">
-                <a:solidFill>
-                  <a:schemeClr val="dk1">
-                    <a:tint val="75000"/>
-                  </a:schemeClr>
-                </a:solidFill>
-                <a:latin typeface="Calibri"/>
+              <a:tabLst>
+                <a:tab algn="l" pos="0"/>
+              </a:tabLst>
+            </a:pPr>
+            <a:r>
+              <a:rPr b="0" lang="it-IT" sz="1400" spc="-1" strike="noStrike">
+                <a:solidFill>
+                  <a:srgbClr val="000000"/>
+                </a:solidFill>
+                <a:latin typeface="Times New Roman"/>
               </a:rPr>
-              <a:t>&lt;data/ora&gt;</a:t>
-            </a:r>
-            <a:endParaRPr b="0" lang="it-IT" sz="800" spc="-1" strike="noStrike">
+              <a:t>&lt;piè di pagina&gt;</a:t>
+            </a:r>
+            <a:endParaRPr b="0" lang="it-IT" sz="1400" spc="-1" strike="noStrike">
               <a:solidFill>
                 <a:srgbClr val="000000"/>
               </a:solidFill>
@@ -6495,18 +4980,18 @@
       </p:sp>
       <p:sp>
         <p:nvSpPr>
-          <p:cNvPr id="47" name="PlaceHolder 3"/>
-          <p:cNvSpPr>
-            <a:spLocks noGrp="1"/>
-          </p:cNvSpPr>
-          <p:nvPr>
-            <p:ph type="ftr" idx="23"/>
+          <p:cNvPr id="36" name="PlaceHolder 3"/>
+          <p:cNvSpPr>
+            <a:spLocks noGrp="1"/>
+          </p:cNvSpPr>
+          <p:nvPr>
+            <p:ph type="sldNum" idx="23"/>
           </p:nvPr>
         </p:nvSpPr>
         <p:spPr>
           <a:xfrm>
-            <a:off x="2082960" y="4237560"/>
-            <a:ext cx="1929960" cy="243000"/>
+            <a:off x="4368960" y="4237560"/>
+            <a:ext cx="1421640" cy="242640"/>
           </a:xfrm>
           <a:prstGeom prst="rect">
             <a:avLst/>
@@ -6521,30 +5006,46 @@
             <a:noAutofit/>
           </a:bodyPr>
           <a:lstStyle>
-            <a:lvl1pPr indent="0" algn="ctr">
-              <a:buNone/>
-              <a:defRPr b="0" lang="it-IT" sz="1400" spc="-1" strike="noStrike">
-                <a:solidFill>
-                  <a:srgbClr val="000000"/>
-                </a:solidFill>
-                <a:latin typeface="Times New Roman"/>
+            <a:lvl1pPr indent="0" algn="r" defTabSz="914400">
+              <a:lnSpc>
+                <a:spcPct val="100000"/>
+              </a:lnSpc>
+              <a:buNone/>
+              <a:tabLst>
+                <a:tab algn="l" pos="0"/>
+              </a:tabLst>
+              <a:defRPr b="0" lang="en-US" sz="800" spc="-1" strike="noStrike">
+                <a:solidFill>
+                  <a:schemeClr val="dk1">
+                    <a:tint val="75000"/>
+                  </a:schemeClr>
+                </a:solidFill>
+                <a:latin typeface="Calibri"/>
               </a:defRPr>
             </a:lvl1pPr>
           </a:lstStyle>
           <a:p>
-            <a:pPr indent="0" algn="ctr">
-              <a:buNone/>
-            </a:pPr>
-            <a:r>
-              <a:rPr b="0" lang="it-IT" sz="1400" spc="-1" strike="noStrike">
-                <a:solidFill>
-                  <a:srgbClr val="000000"/>
-                </a:solidFill>
-                <a:latin typeface="Times New Roman"/>
+            <a:pPr indent="0" algn="r" defTabSz="914400">
+              <a:lnSpc>
+                <a:spcPct val="100000"/>
+              </a:lnSpc>
+              <a:buNone/>
+              <a:tabLst>
+                <a:tab algn="l" pos="0"/>
+              </a:tabLst>
+            </a:pPr>
+            <a:fld id="{20044580-A4F3-4048-B4A3-092146996EE5}" type="slidenum">
+              <a:rPr b="0" lang="en-US" sz="800" spc="-1" strike="noStrike">
+                <a:solidFill>
+                  <a:schemeClr val="dk1">
+                    <a:tint val="75000"/>
+                  </a:schemeClr>
+                </a:solidFill>
+                <a:latin typeface="Calibri"/>
               </a:rPr>
-              <a:t>&lt;piè di pagina&gt;</a:t>
-            </a:r>
-            <a:endParaRPr b="0" lang="it-IT" sz="1400" spc="-1" strike="noStrike">
+              <a:t>&lt;numero&gt;</a:t>
+            </a:fld>
+            <a:endParaRPr b="0" lang="it-IT" sz="800" spc="-1" strike="noStrike">
               <a:solidFill>
                 <a:srgbClr val="000000"/>
               </a:solidFill>
@@ -6555,18 +5056,18 @@
       </p:sp>
       <p:sp>
         <p:nvSpPr>
-          <p:cNvPr id="48" name="PlaceHolder 4"/>
-          <p:cNvSpPr>
-            <a:spLocks noGrp="1"/>
-          </p:cNvSpPr>
-          <p:nvPr>
-            <p:ph type="sldNum" idx="24"/>
+          <p:cNvPr id="37" name="PlaceHolder 4"/>
+          <p:cNvSpPr>
+            <a:spLocks noGrp="1"/>
+          </p:cNvSpPr>
+          <p:nvPr>
+            <p:ph type="dt" idx="24"/>
           </p:nvPr>
         </p:nvSpPr>
         <p:spPr>
           <a:xfrm>
-            <a:off x="4368960" y="4237560"/>
-            <a:ext cx="1422000" cy="243000"/>
+            <a:off x="304920" y="4237560"/>
+            <a:ext cx="1421640" cy="242640"/>
           </a:xfrm>
           <a:prstGeom prst="rect">
             <a:avLst/>
@@ -6581,40 +5082,30 @@
             <a:noAutofit/>
           </a:bodyPr>
           <a:lstStyle>
-            <a:lvl1pPr indent="0" algn="r" defTabSz="914400">
-              <a:lnSpc>
-                <a:spcPct val="100000"/>
-              </a:lnSpc>
-              <a:buNone/>
-              <a:defRPr b="0" lang="en-US" sz="800" spc="-1" strike="noStrike">
-                <a:solidFill>
-                  <a:schemeClr val="dk1">
-                    <a:tint val="75000"/>
-                  </a:schemeClr>
-                </a:solidFill>
-                <a:latin typeface="Calibri"/>
+            <a:lvl1pPr indent="0">
+              <a:buNone/>
+              <a:defRPr b="0" lang="it-IT" sz="1400" spc="-1" strike="noStrike">
+                <a:solidFill>
+                  <a:srgbClr val="000000"/>
+                </a:solidFill>
+                <a:latin typeface="Times New Roman"/>
               </a:defRPr>
             </a:lvl1pPr>
           </a:lstStyle>
           <a:p>
-            <a:pPr indent="0" algn="r" defTabSz="914400">
-              <a:lnSpc>
-                <a:spcPct val="100000"/>
-              </a:lnSpc>
-              <a:buNone/>
-            </a:pPr>
-            <a:fld id="{2071CB38-7CC4-4C73-ACEB-A76C2C67B831}" type="slidenum">
-              <a:rPr b="0" lang="en-US" sz="800" spc="-1" strike="noStrike">
-                <a:solidFill>
-                  <a:schemeClr val="dk1">
-                    <a:tint val="75000"/>
-                  </a:schemeClr>
-                </a:solidFill>
-                <a:latin typeface="Calibri"/>
+            <a:pPr indent="0">
+              <a:buNone/>
+            </a:pPr>
+            <a:r>
+              <a:rPr b="0" lang="it-IT" sz="1400" spc="-1" strike="noStrike">
+                <a:solidFill>
+                  <a:srgbClr val="000000"/>
+                </a:solidFill>
+                <a:latin typeface="Times New Roman"/>
               </a:rPr>
-              <a:t>&lt;numero&gt;</a:t>
-            </a:fld>
-            <a:endParaRPr b="0" lang="it-IT" sz="800" spc="-1" strike="noStrike">
+              <a:t>&lt;data/ora&gt;</a:t>
+            </a:r>
+            <a:endParaRPr b="0" lang="it-IT" sz="1400" spc="-1" strike="noStrike">
               <a:solidFill>
                 <a:srgbClr val="000000"/>
               </a:solidFill>
@@ -6658,18 +5149,18 @@
       </p:grpSpPr>
       <p:sp>
         <p:nvSpPr>
-          <p:cNvPr id="50" name="PlaceHolder 1"/>
-          <p:cNvSpPr>
-            <a:spLocks noGrp="1"/>
-          </p:cNvSpPr>
-          <p:nvPr>
-            <p:ph type="dt" idx="25"/>
+          <p:cNvPr id="39" name="PlaceHolder 1"/>
+          <p:cNvSpPr>
+            <a:spLocks noGrp="1"/>
+          </p:cNvSpPr>
+          <p:nvPr>
+            <p:ph type="ftr" idx="25"/>
           </p:nvPr>
         </p:nvSpPr>
         <p:spPr>
           <a:xfrm>
-            <a:off x="304920" y="4237560"/>
-            <a:ext cx="1422000" cy="243000"/>
+            <a:off x="2082960" y="4237560"/>
+            <a:ext cx="1929600" cy="242640"/>
           </a:xfrm>
           <a:prstGeom prst="rect">
             <a:avLst/>
@@ -6684,40 +5175,42 @@
             <a:noAutofit/>
           </a:bodyPr>
           <a:lstStyle>
-            <a:lvl1pPr indent="0" defTabSz="914400">
+            <a:lvl1pPr indent="0" algn="ctr">
               <a:lnSpc>
                 <a:spcPct val="100000"/>
               </a:lnSpc>
               <a:buNone/>
-              <a:defRPr b="0" lang="en-US" sz="800" spc="-1" strike="noStrike">
-                <a:solidFill>
-                  <a:schemeClr val="dk1">
-                    <a:tint val="75000"/>
-                  </a:schemeClr>
-                </a:solidFill>
-                <a:latin typeface="Calibri"/>
+              <a:tabLst>
+                <a:tab algn="l" pos="0"/>
+              </a:tabLst>
+              <a:defRPr b="0" lang="it-IT" sz="1400" spc="-1" strike="noStrike">
+                <a:solidFill>
+                  <a:srgbClr val="000000"/>
+                </a:solidFill>
+                <a:latin typeface="Times New Roman"/>
               </a:defRPr>
             </a:lvl1pPr>
           </a:lstStyle>
           <a:p>
-            <a:pPr indent="0" defTabSz="914400">
+            <a:pPr indent="0" algn="ctr">
               <a:lnSpc>
                 <a:spcPct val="100000"/>
               </a:lnSpc>
               <a:buNone/>
-            </a:pPr>
-            <a:r>
-              <a:rPr b="0" lang="en-US" sz="800" spc="-1" strike="noStrike">
-                <a:solidFill>
-                  <a:schemeClr val="dk1">
-                    <a:tint val="75000"/>
-                  </a:schemeClr>
-                </a:solidFill>
-                <a:latin typeface="Calibri"/>
+              <a:tabLst>
+                <a:tab algn="l" pos="0"/>
+              </a:tabLst>
+            </a:pPr>
+            <a:r>
+              <a:rPr b="0" lang="it-IT" sz="1400" spc="-1" strike="noStrike">
+                <a:solidFill>
+                  <a:srgbClr val="000000"/>
+                </a:solidFill>
+                <a:latin typeface="Times New Roman"/>
               </a:rPr>
-              <a:t>&lt;data/ora&gt;</a:t>
-            </a:r>
-            <a:endParaRPr b="0" lang="it-IT" sz="800" spc="-1" strike="noStrike">
+              <a:t>&lt;piè di pagina&gt;</a:t>
+            </a:r>
+            <a:endParaRPr b="0" lang="it-IT" sz="1400" spc="-1" strike="noStrike">
               <a:solidFill>
                 <a:srgbClr val="000000"/>
               </a:solidFill>
@@ -6728,18 +5221,18 @@
       </p:sp>
       <p:sp>
         <p:nvSpPr>
-          <p:cNvPr id="51" name="PlaceHolder 2"/>
-          <p:cNvSpPr>
-            <a:spLocks noGrp="1"/>
-          </p:cNvSpPr>
-          <p:nvPr>
-            <p:ph type="ftr" idx="26"/>
+          <p:cNvPr id="40" name="PlaceHolder 2"/>
+          <p:cNvSpPr>
+            <a:spLocks noGrp="1"/>
+          </p:cNvSpPr>
+          <p:nvPr>
+            <p:ph type="sldNum" idx="26"/>
           </p:nvPr>
         </p:nvSpPr>
         <p:spPr>
           <a:xfrm>
-            <a:off x="2082960" y="4237560"/>
-            <a:ext cx="1929960" cy="243000"/>
+            <a:off x="4368960" y="4237560"/>
+            <a:ext cx="1421640" cy="242640"/>
           </a:xfrm>
           <a:prstGeom prst="rect">
             <a:avLst/>
@@ -6754,30 +5247,46 @@
             <a:noAutofit/>
           </a:bodyPr>
           <a:lstStyle>
-            <a:lvl1pPr indent="0" algn="ctr">
-              <a:buNone/>
-              <a:defRPr b="0" lang="it-IT" sz="1400" spc="-1" strike="noStrike">
-                <a:solidFill>
-                  <a:srgbClr val="000000"/>
-                </a:solidFill>
-                <a:latin typeface="Times New Roman"/>
+            <a:lvl1pPr indent="0" algn="r" defTabSz="914400">
+              <a:lnSpc>
+                <a:spcPct val="100000"/>
+              </a:lnSpc>
+              <a:buNone/>
+              <a:tabLst>
+                <a:tab algn="l" pos="0"/>
+              </a:tabLst>
+              <a:defRPr b="0" lang="en-US" sz="800" spc="-1" strike="noStrike">
+                <a:solidFill>
+                  <a:schemeClr val="dk1">
+                    <a:tint val="75000"/>
+                  </a:schemeClr>
+                </a:solidFill>
+                <a:latin typeface="Calibri"/>
               </a:defRPr>
             </a:lvl1pPr>
           </a:lstStyle>
           <a:p>
-            <a:pPr indent="0" algn="ctr">
-              <a:buNone/>
-            </a:pPr>
-            <a:r>
-              <a:rPr b="0" lang="it-IT" sz="1400" spc="-1" strike="noStrike">
-                <a:solidFill>
-                  <a:srgbClr val="000000"/>
-                </a:solidFill>
-                <a:latin typeface="Times New Roman"/>
+            <a:pPr indent="0" algn="r" defTabSz="914400">
+              <a:lnSpc>
+                <a:spcPct val="100000"/>
+              </a:lnSpc>
+              <a:buNone/>
+              <a:tabLst>
+                <a:tab algn="l" pos="0"/>
+              </a:tabLst>
+            </a:pPr>
+            <a:fld id="{B01D38D0-30CE-465D-B8D0-9441372442DF}" type="slidenum">
+              <a:rPr b="0" lang="en-US" sz="800" spc="-1" strike="noStrike">
+                <a:solidFill>
+                  <a:schemeClr val="dk1">
+                    <a:tint val="75000"/>
+                  </a:schemeClr>
+                </a:solidFill>
+                <a:latin typeface="Calibri"/>
               </a:rPr>
-              <a:t>&lt;piè di pagina&gt;</a:t>
-            </a:r>
-            <a:endParaRPr b="0" lang="it-IT" sz="1400" spc="-1" strike="noStrike">
+              <a:t>&lt;numero&gt;</a:t>
+            </a:fld>
+            <a:endParaRPr b="0" lang="it-IT" sz="800" spc="-1" strike="noStrike">
               <a:solidFill>
                 <a:srgbClr val="000000"/>
               </a:solidFill>
@@ -6788,18 +5297,18 @@
       </p:sp>
       <p:sp>
         <p:nvSpPr>
-          <p:cNvPr id="52" name="PlaceHolder 3"/>
-          <p:cNvSpPr>
-            <a:spLocks noGrp="1"/>
-          </p:cNvSpPr>
-          <p:nvPr>
-            <p:ph type="sldNum" idx="27"/>
+          <p:cNvPr id="41" name="PlaceHolder 3"/>
+          <p:cNvSpPr>
+            <a:spLocks noGrp="1"/>
+          </p:cNvSpPr>
+          <p:nvPr>
+            <p:ph type="dt" idx="27"/>
           </p:nvPr>
         </p:nvSpPr>
         <p:spPr>
           <a:xfrm>
-            <a:off x="4368960" y="4237560"/>
-            <a:ext cx="1422000" cy="243000"/>
+            <a:off x="304920" y="4237560"/>
+            <a:ext cx="1421640" cy="242640"/>
           </a:xfrm>
           <a:prstGeom prst="rect">
             <a:avLst/>
@@ -6814,40 +5323,30 @@
             <a:noAutofit/>
           </a:bodyPr>
           <a:lstStyle>
-            <a:lvl1pPr indent="0" algn="r" defTabSz="914400">
-              <a:lnSpc>
-                <a:spcPct val="100000"/>
-              </a:lnSpc>
-              <a:buNone/>
-              <a:defRPr b="0" lang="en-US" sz="800" spc="-1" strike="noStrike">
-                <a:solidFill>
-                  <a:schemeClr val="dk1">
-                    <a:tint val="75000"/>
-                  </a:schemeClr>
-                </a:solidFill>
-                <a:latin typeface="Calibri"/>
+            <a:lvl1pPr indent="0">
+              <a:buNone/>
+              <a:defRPr b="0" lang="it-IT" sz="1400" spc="-1" strike="noStrike">
+                <a:solidFill>
+                  <a:srgbClr val="000000"/>
+                </a:solidFill>
+                <a:latin typeface="Times New Roman"/>
               </a:defRPr>
             </a:lvl1pPr>
           </a:lstStyle>
           <a:p>
-            <a:pPr indent="0" algn="r" defTabSz="914400">
-              <a:lnSpc>
-                <a:spcPct val="100000"/>
-              </a:lnSpc>
-              <a:buNone/>
-            </a:pPr>
-            <a:fld id="{41343A0C-912E-4C8E-86A1-46FBF2B4A09F}" type="slidenum">
-              <a:rPr b="0" lang="en-US" sz="800" spc="-1" strike="noStrike">
-                <a:solidFill>
-                  <a:schemeClr val="dk1">
-                    <a:tint val="75000"/>
-                  </a:schemeClr>
-                </a:solidFill>
-                <a:latin typeface="Calibri"/>
+            <a:pPr indent="0">
+              <a:buNone/>
+            </a:pPr>
+            <a:r>
+              <a:rPr b="0" lang="it-IT" sz="1400" spc="-1" strike="noStrike">
+                <a:solidFill>
+                  <a:srgbClr val="000000"/>
+                </a:solidFill>
+                <a:latin typeface="Times New Roman"/>
               </a:rPr>
-              <a:t>&lt;numero&gt;</a:t>
-            </a:fld>
-            <a:endParaRPr b="0" lang="it-IT" sz="800" spc="-1" strike="noStrike">
+              <a:t>&lt;data/ora&gt;</a:t>
+            </a:r>
+            <a:endParaRPr b="0" lang="it-IT" sz="1400" spc="-1" strike="noStrike">
               <a:solidFill>
                 <a:srgbClr val="000000"/>
               </a:solidFill>
@@ -6858,7 +5357,7 @@
       </p:sp>
       <p:sp>
         <p:nvSpPr>
-          <p:cNvPr id="53" name="PlaceHolder 4"/>
+          <p:cNvPr id="42" name="PlaceHolder 4"/>
           <p:cNvSpPr>
             <a:spLocks noGrp="1"/>
           </p:cNvSpPr>
@@ -6884,30 +5383,39 @@
             <a:noAutofit/>
           </a:bodyPr>
           <a:p>
-            <a:pPr indent="0">
-              <a:buNone/>
-            </a:pPr>
-            <a:r>
-              <a:rPr b="0" lang="it-IT" sz="1800" spc="-1" strike="noStrike">
-                <a:solidFill>
-                  <a:schemeClr val="dk1"/>
-                </a:solidFill>
-                <a:latin typeface="Calibri"/>
+            <a:pPr indent="0" algn="ctr">
+              <a:buNone/>
+            </a:pPr>
+            <a:r>
+              <a:rPr b="0" lang="it-IT" sz="4400" spc="-1" strike="noStrike">
+                <a:solidFill>
+                  <a:srgbClr val="000000"/>
+                </a:solidFill>
+                <a:latin typeface="Arial"/>
               </a:rPr>
-              <a:t>Fai clic per modificare il formato del testo del titolo</a:t>
-            </a:r>
-            <a:endParaRPr b="0" lang="it-IT" sz="1800" spc="-1" strike="noStrike">
-              <a:solidFill>
-                <a:schemeClr val="dk1"/>
-              </a:solidFill>
-              <a:latin typeface="Calibri"/>
-            </a:endParaRPr>
-          </a:p>
-        </p:txBody>
-      </p:sp>
-      <p:sp>
-        <p:nvSpPr>
-          <p:cNvPr id="54" name="PlaceHolder 5"/>
+              <a:t>Fai clic per modificare il formato </a:t>
+            </a:r>
+            <a:r>
+              <a:rPr b="0" lang="it-IT" sz="4400" spc="-1" strike="noStrike">
+                <a:solidFill>
+                  <a:srgbClr val="000000"/>
+                </a:solidFill>
+                <a:latin typeface="Arial"/>
+              </a:rPr>
+              <a:t>del testo del titolo</a:t>
+            </a:r>
+            <a:endParaRPr b="0" lang="it-IT" sz="4400" spc="-1" strike="noStrike">
+              <a:solidFill>
+                <a:srgbClr val="000000"/>
+              </a:solidFill>
+              <a:latin typeface="Arial"/>
+            </a:endParaRPr>
+          </a:p>
+        </p:txBody>
+      </p:sp>
+      <p:sp>
+        <p:nvSpPr>
+          <p:cNvPr id="43" name="PlaceHolder 5"/>
           <p:cNvSpPr>
             <a:spLocks noGrp="1"/>
           </p:cNvSpPr>
@@ -6945,19 +5453,19 @@
               <a:buChar char=""/>
             </a:pPr>
             <a:r>
-              <a:rPr b="0" lang="it-IT" sz="2130" spc="-1" strike="noStrike">
-                <a:solidFill>
-                  <a:schemeClr val="dk1"/>
-                </a:solidFill>
-                <a:latin typeface="Calibri"/>
+              <a:rPr b="0" lang="it-IT" sz="3200" spc="-1" strike="noStrike">
+                <a:solidFill>
+                  <a:srgbClr val="000000"/>
+                </a:solidFill>
+                <a:latin typeface="Arial"/>
               </a:rPr>
               <a:t>Fai clic per modificare il formato del testo della struttura</a:t>
             </a:r>
-            <a:endParaRPr b="0" lang="it-IT" sz="2130" spc="-1" strike="noStrike">
-              <a:solidFill>
-                <a:schemeClr val="dk1"/>
-              </a:solidFill>
-              <a:latin typeface="Calibri"/>
+            <a:endParaRPr b="0" lang="it-IT" sz="3200" spc="-1" strike="noStrike">
+              <a:solidFill>
+                <a:srgbClr val="000000"/>
+              </a:solidFill>
+              <a:latin typeface="Arial"/>
             </a:endParaRPr>
           </a:p>
           <a:p>
@@ -6973,19 +5481,19 @@
               <a:buChar char=""/>
             </a:pPr>
             <a:r>
-              <a:rPr b="0" lang="it-IT" sz="1600" spc="-1" strike="noStrike">
-                <a:solidFill>
-                  <a:schemeClr val="dk1"/>
-                </a:solidFill>
-                <a:latin typeface="Calibri"/>
+              <a:rPr b="0" lang="it-IT" sz="2800" spc="-1" strike="noStrike">
+                <a:solidFill>
+                  <a:srgbClr val="000000"/>
+                </a:solidFill>
+                <a:latin typeface="Arial"/>
               </a:rPr>
               <a:t>Secondo livello struttura</a:t>
             </a:r>
-            <a:endParaRPr b="0" lang="it-IT" sz="1600" spc="-1" strike="noStrike">
-              <a:solidFill>
-                <a:schemeClr val="dk1"/>
-              </a:solidFill>
-              <a:latin typeface="Calibri"/>
+            <a:endParaRPr b="0" lang="it-IT" sz="2800" spc="-1" strike="noStrike">
+              <a:solidFill>
+                <a:srgbClr val="000000"/>
+              </a:solidFill>
+              <a:latin typeface="Arial"/>
             </a:endParaRPr>
           </a:p>
           <a:p>
@@ -7001,19 +5509,19 @@
               <a:buChar char=""/>
             </a:pPr>
             <a:r>
-              <a:rPr b="0" lang="it-IT" sz="1340" spc="-1" strike="noStrike">
-                <a:solidFill>
-                  <a:schemeClr val="dk1"/>
-                </a:solidFill>
-                <a:latin typeface="Calibri"/>
+              <a:rPr b="0" lang="it-IT" sz="2400" spc="-1" strike="noStrike">
+                <a:solidFill>
+                  <a:srgbClr val="000000"/>
+                </a:solidFill>
+                <a:latin typeface="Arial"/>
               </a:rPr>
               <a:t>Terzo livello struttura</a:t>
             </a:r>
-            <a:endParaRPr b="0" lang="it-IT" sz="1340" spc="-1" strike="noStrike">
-              <a:solidFill>
-                <a:schemeClr val="dk1"/>
-              </a:solidFill>
-              <a:latin typeface="Calibri"/>
+            <a:endParaRPr b="0" lang="it-IT" sz="2400" spc="-1" strike="noStrike">
+              <a:solidFill>
+                <a:srgbClr val="000000"/>
+              </a:solidFill>
+              <a:latin typeface="Arial"/>
             </a:endParaRPr>
           </a:p>
           <a:p>
@@ -7029,19 +5537,19 @@
               <a:buChar char=""/>
             </a:pPr>
             <a:r>
-              <a:rPr b="0" lang="it-IT" sz="1340" spc="-1" strike="noStrike">
-                <a:solidFill>
-                  <a:schemeClr val="dk1"/>
-                </a:solidFill>
-                <a:latin typeface="Calibri"/>
+              <a:rPr b="0" lang="it-IT" sz="2000" spc="-1" strike="noStrike">
+                <a:solidFill>
+                  <a:srgbClr val="000000"/>
+                </a:solidFill>
+                <a:latin typeface="Arial"/>
               </a:rPr>
               <a:t>Quarto livello struttura</a:t>
             </a:r>
-            <a:endParaRPr b="0" lang="it-IT" sz="1340" spc="-1" strike="noStrike">
-              <a:solidFill>
-                <a:schemeClr val="dk1"/>
-              </a:solidFill>
-              <a:latin typeface="Calibri"/>
+            <a:endParaRPr b="0" lang="it-IT" sz="2000" spc="-1" strike="noStrike">
+              <a:solidFill>
+                <a:srgbClr val="000000"/>
+              </a:solidFill>
+              <a:latin typeface="Arial"/>
             </a:endParaRPr>
           </a:p>
           <a:p>
@@ -7059,17 +5567,17 @@
             <a:r>
               <a:rPr b="0" lang="it-IT" sz="2000" spc="-1" strike="noStrike">
                 <a:solidFill>
-                  <a:schemeClr val="dk1"/>
-                </a:solidFill>
-                <a:latin typeface="Calibri"/>
+                  <a:srgbClr val="000000"/>
+                </a:solidFill>
+                <a:latin typeface="Arial"/>
               </a:rPr>
               <a:t>Quinto livello struttura</a:t>
             </a:r>
             <a:endParaRPr b="0" lang="it-IT" sz="2000" spc="-1" strike="noStrike">
               <a:solidFill>
-                <a:schemeClr val="dk1"/>
-              </a:solidFill>
-              <a:latin typeface="Calibri"/>
+                <a:srgbClr val="000000"/>
+              </a:solidFill>
+              <a:latin typeface="Arial"/>
             </a:endParaRPr>
           </a:p>
           <a:p>
@@ -7087,17 +5595,17 @@
             <a:r>
               <a:rPr b="0" lang="it-IT" sz="2000" spc="-1" strike="noStrike">
                 <a:solidFill>
-                  <a:schemeClr val="dk1"/>
-                </a:solidFill>
-                <a:latin typeface="Calibri"/>
+                  <a:srgbClr val="000000"/>
+                </a:solidFill>
+                <a:latin typeface="Arial"/>
               </a:rPr>
               <a:t>Sesto livello struttura</a:t>
             </a:r>
             <a:endParaRPr b="0" lang="it-IT" sz="2000" spc="-1" strike="noStrike">
               <a:solidFill>
-                <a:schemeClr val="dk1"/>
-              </a:solidFill>
-              <a:latin typeface="Calibri"/>
+                <a:srgbClr val="000000"/>
+              </a:solidFill>
+              <a:latin typeface="Arial"/>
             </a:endParaRPr>
           </a:p>
           <a:p>
@@ -7115,17 +5623,17 @@
             <a:r>
               <a:rPr b="0" lang="it-IT" sz="2000" spc="-1" strike="noStrike">
                 <a:solidFill>
-                  <a:schemeClr val="dk1"/>
-                </a:solidFill>
-                <a:latin typeface="Calibri"/>
+                  <a:srgbClr val="000000"/>
+                </a:solidFill>
+                <a:latin typeface="Arial"/>
               </a:rPr>
               <a:t>Settimo livello struttura</a:t>
             </a:r>
             <a:endParaRPr b="0" lang="it-IT" sz="2000" spc="-1" strike="noStrike">
               <a:solidFill>
-                <a:schemeClr val="dk1"/>
-              </a:solidFill>
-              <a:latin typeface="Calibri"/>
+                <a:srgbClr val="000000"/>
+              </a:solidFill>
+              <a:latin typeface="Arial"/>
             </a:endParaRPr>
           </a:p>
         </p:txBody>
@@ -7184,14 +5692,14 @@
       </p:grpSpPr>
       <p:sp>
         <p:nvSpPr>
-          <p:cNvPr id="73" name="AutoShape 3"/>
+          <p:cNvPr id="56" name="AutoShape 3"/>
           <p:cNvSpPr/>
           <p:nvPr/>
         </p:nvSpPr>
         <p:spPr>
           <a:xfrm rot="16200000">
-            <a:off x="2675880" y="3644640"/>
-            <a:ext cx="221040" cy="5572800"/>
+            <a:off x="2675880" y="3645000"/>
+            <a:ext cx="220680" cy="5572440"/>
           </a:xfrm>
           <a:prstGeom prst="rect">
             <a:avLst/>
@@ -7230,36 +5738,36 @@
       </p:sp>
       <p:grpSp>
         <p:nvGrpSpPr>
-          <p:cNvPr id="74" name="Group 4"/>
+          <p:cNvPr id="57" name="Group 4"/>
           <p:cNvGrpSpPr/>
           <p:nvPr/>
         </p:nvGrpSpPr>
         <p:grpSpPr>
           <a:xfrm>
-            <a:off x="6349320" y="360"/>
-            <a:ext cx="5842800" cy="4123800"/>
-            <a:chOff x="6349320" y="360"/>
-            <a:chExt cx="5842800" cy="4123800"/>
+            <a:off x="6349680" y="360"/>
+            <a:ext cx="5842440" cy="4123440"/>
+            <a:chOff x="6349680" y="360"/>
+            <a:chExt cx="5842440" cy="4123440"/>
           </a:xfrm>
         </p:grpSpPr>
         <p:sp>
           <p:nvSpPr>
-            <p:cNvPr id="75" name="Freeform 5"/>
+            <p:cNvPr id="58" name="Freeform 5"/>
             <p:cNvSpPr/>
             <p:nvPr/>
           </p:nvSpPr>
           <p:spPr>
             <a:xfrm rot="10800000">
-              <a:off x="6349320" y="0"/>
-              <a:ext cx="5842800" cy="4123800"/>
+              <a:off x="6349680" y="0"/>
+              <a:ext cx="5842440" cy="4123440"/>
             </a:xfrm>
             <a:custGeom>
               <a:avLst/>
               <a:gdLst>
-                <a:gd name="textAreaLeft" fmla="*/ 0 w 5842800"/>
-                <a:gd name="textAreaRight" fmla="*/ 5843160 w 5842800"/>
-                <a:gd name="textAreaTop" fmla="*/ 0 h 4123800"/>
-                <a:gd name="textAreaBottom" fmla="*/ 4124160 h 4123800"/>
+                <a:gd name="textAreaLeft" fmla="*/ 0 w 5842440"/>
+                <a:gd name="textAreaRight" fmla="*/ 5843160 w 5842440"/>
+                <a:gd name="textAreaTop" fmla="*/ 0 h 4123440"/>
+                <a:gd name="textAreaBottom" fmla="*/ 4124160 h 4123440"/>
               </a:gdLst>
               <a:ahLst/>
               <a:rect l="textAreaLeft" t="textAreaTop" r="textAreaRight" b="textAreaBottom"/>
@@ -7296,6 +5804,11 @@
               <a:noAutofit/>
             </a:bodyPr>
             <a:p>
+              <a:pPr>
+                <a:lnSpc>
+                  <a:spcPct val="100000"/>
+                </a:lnSpc>
+              </a:pPr>
               <a:endParaRPr b="0" lang="it-IT" sz="1800" spc="-1" strike="noStrike">
                 <a:solidFill>
                   <a:srgbClr val="ffffff"/>
@@ -7308,7 +5821,7 @@
       </p:grpSp>
       <p:pic>
         <p:nvPicPr>
-          <p:cNvPr id="76" name="Picture 6" descr=""/>
+          <p:cNvPr id="59" name="Picture 6" descr=""/>
           <p:cNvPicPr/>
           <p:nvPr/>
         </p:nvPicPr>
@@ -7320,8 +5833,8 @@
         </p:blipFill>
         <p:spPr>
           <a:xfrm rot="2113200">
-            <a:off x="9457920" y="1240920"/>
-            <a:ext cx="2391120" cy="1640880"/>
+            <a:off x="9457920" y="1240560"/>
+            <a:ext cx="2390760" cy="1640520"/>
           </a:xfrm>
           <a:prstGeom prst="rect">
             <a:avLst/>
@@ -7333,7 +5846,7 @@
       </p:pic>
       <p:pic>
         <p:nvPicPr>
-          <p:cNvPr id="77" name="Picture 7" descr=""/>
+          <p:cNvPr id="60" name="Picture 7" descr=""/>
           <p:cNvPicPr/>
           <p:nvPr/>
         </p:nvPicPr>
@@ -7343,8 +5856,8 @@
         </p:blipFill>
         <p:spPr>
           <a:xfrm rot="12935400">
-            <a:off x="8485200" y="1092240"/>
-            <a:ext cx="2137680" cy="1068480"/>
+            <a:off x="8485200" y="1092600"/>
+            <a:ext cx="2137320" cy="1068120"/>
           </a:xfrm>
           <a:prstGeom prst="rect">
             <a:avLst/>
@@ -7356,7 +5869,7 @@
       </p:pic>
       <p:pic>
         <p:nvPicPr>
-          <p:cNvPr id="78" name="Picture 8" descr=""/>
+          <p:cNvPr id="61" name="Picture 8" descr=""/>
           <p:cNvPicPr/>
           <p:nvPr/>
         </p:nvPicPr>
@@ -7367,7 +5880,7 @@
         <p:spPr>
           <a:xfrm>
             <a:off x="8395920" y="1169280"/>
-            <a:ext cx="1748520" cy="1785240"/>
+            <a:ext cx="1748160" cy="1784880"/>
           </a:xfrm>
           <a:prstGeom prst="rect">
             <a:avLst/>
@@ -7379,14 +5892,14 @@
       </p:pic>
       <p:sp>
         <p:nvSpPr>
-          <p:cNvPr id="79" name="AutoShape 17"/>
+          <p:cNvPr id="62" name="AutoShape 17"/>
           <p:cNvSpPr/>
           <p:nvPr/>
         </p:nvSpPr>
         <p:spPr>
           <a:xfrm rot="16200000">
-            <a:off x="3325680" y="-2374560"/>
-            <a:ext cx="45360" cy="6696720"/>
+            <a:off x="3325680" y="-2373840"/>
+            <a:ext cx="45000" cy="6696360"/>
           </a:xfrm>
           <a:prstGeom prst="rect">
             <a:avLst/>
@@ -7409,6 +5922,11 @@
             <a:noAutofit/>
           </a:bodyPr>
           <a:p>
+            <a:pPr>
+              <a:lnSpc>
+                <a:spcPct val="100000"/>
+              </a:lnSpc>
+            </a:pPr>
             <a:endParaRPr b="0" lang="it-IT" sz="1800" spc="-1" strike="noStrike">
               <a:solidFill>
                 <a:srgbClr val="ffffff"/>
@@ -7420,28 +5938,28 @@
       </p:sp>
       <p:grpSp>
         <p:nvGrpSpPr>
-          <p:cNvPr id="80" name="Group 18"/>
+          <p:cNvPr id="63" name="Group 18"/>
           <p:cNvGrpSpPr/>
           <p:nvPr/>
         </p:nvGrpSpPr>
         <p:grpSpPr>
           <a:xfrm>
             <a:off x="6208560" y="2585520"/>
-            <a:ext cx="5542560" cy="3295080"/>
+            <a:ext cx="5542200" cy="3294720"/>
             <a:chOff x="6208560" y="2585520"/>
-            <a:chExt cx="5542560" cy="3295080"/>
+            <a:chExt cx="5542200" cy="3294720"/>
           </a:xfrm>
         </p:grpSpPr>
         <p:sp>
           <p:nvSpPr>
-            <p:cNvPr id="81" name="TextBox 19"/>
+            <p:cNvPr id="64" name="TextBox 19"/>
             <p:cNvSpPr/>
             <p:nvPr/>
           </p:nvSpPr>
           <p:spPr>
             <a:xfrm>
               <a:off x="6208560" y="2585520"/>
-              <a:ext cx="5542560" cy="309600"/>
+              <a:ext cx="5542200" cy="309240"/>
             </a:xfrm>
             <a:prstGeom prst="rect">
               <a:avLst/>
@@ -7478,14 +5996,14 @@
         </p:sp>
         <p:sp>
           <p:nvSpPr>
-            <p:cNvPr id="82" name="TextBox 21"/>
+            <p:cNvPr id="65" name="TextBox 21"/>
             <p:cNvSpPr/>
             <p:nvPr/>
           </p:nvSpPr>
           <p:spPr>
             <a:xfrm>
               <a:off x="6208560" y="3792240"/>
-              <a:ext cx="5542560" cy="309600"/>
+              <a:ext cx="5542200" cy="309240"/>
             </a:xfrm>
             <a:prstGeom prst="rect">
               <a:avLst/>
@@ -7522,14 +6040,14 @@
         </p:sp>
         <p:sp>
           <p:nvSpPr>
-            <p:cNvPr id="83" name="TextBox 24"/>
+            <p:cNvPr id="66" name="TextBox 24"/>
             <p:cNvSpPr/>
             <p:nvPr/>
           </p:nvSpPr>
           <p:spPr>
             <a:xfrm>
               <a:off x="6208560" y="5551920"/>
-              <a:ext cx="5542560" cy="328680"/>
+              <a:ext cx="5542200" cy="328320"/>
             </a:xfrm>
             <a:prstGeom prst="rect">
               <a:avLst/>
@@ -7567,14 +6085,14 @@
       </p:grpSp>
       <p:sp>
         <p:nvSpPr>
-          <p:cNvPr id="84" name="TextBox 22"/>
+          <p:cNvPr id="67" name="TextBox 22"/>
           <p:cNvSpPr/>
           <p:nvPr/>
         </p:nvSpPr>
         <p:spPr>
           <a:xfrm>
             <a:off x="5618880" y="4327200"/>
-            <a:ext cx="6392520" cy="732960"/>
+            <a:ext cx="6392160" cy="732600"/>
           </a:xfrm>
           <a:prstGeom prst="rect">
             <a:avLst/>
@@ -7624,28 +6142,28 @@
       </p:sp>
       <p:grpSp>
         <p:nvGrpSpPr>
-          <p:cNvPr id="85" name="Group 18"/>
+          <p:cNvPr id="68" name="Group 18"/>
           <p:cNvGrpSpPr/>
           <p:nvPr/>
         </p:nvGrpSpPr>
         <p:grpSpPr>
           <a:xfrm>
             <a:off x="6242760" y="2853360"/>
-            <a:ext cx="5542560" cy="3295080"/>
+            <a:ext cx="5542200" cy="3294720"/>
             <a:chOff x="6242760" y="2853360"/>
-            <a:chExt cx="5542560" cy="3295080"/>
+            <a:chExt cx="5542200" cy="3294720"/>
           </a:xfrm>
         </p:grpSpPr>
         <p:sp>
           <p:nvSpPr>
-            <p:cNvPr id="86" name="TextBox 19"/>
+            <p:cNvPr id="69" name="TextBox 19"/>
             <p:cNvSpPr/>
             <p:nvPr/>
           </p:nvSpPr>
           <p:spPr>
             <a:xfrm>
               <a:off x="6242760" y="2853360"/>
-              <a:ext cx="5542560" cy="309600"/>
+              <a:ext cx="5542200" cy="309240"/>
             </a:xfrm>
             <a:prstGeom prst="rect">
               <a:avLst/>
@@ -7682,14 +6200,14 @@
         </p:sp>
         <p:sp>
           <p:nvSpPr>
-            <p:cNvPr id="87" name="TextBox 20"/>
+            <p:cNvPr id="70" name="TextBox 20"/>
             <p:cNvSpPr/>
             <p:nvPr/>
           </p:nvSpPr>
           <p:spPr>
             <a:xfrm>
               <a:off x="6242760" y="3416760"/>
-              <a:ext cx="5542560" cy="328680"/>
+              <a:ext cx="5542200" cy="328320"/>
             </a:xfrm>
             <a:prstGeom prst="rect">
               <a:avLst/>
@@ -7726,14 +6244,14 @@
         </p:sp>
         <p:sp>
           <p:nvSpPr>
-            <p:cNvPr id="88" name="TextBox 21"/>
+            <p:cNvPr id="71" name="TextBox 21"/>
             <p:cNvSpPr/>
             <p:nvPr/>
           </p:nvSpPr>
           <p:spPr>
             <a:xfrm>
               <a:off x="6242760" y="4060080"/>
-              <a:ext cx="5542560" cy="309600"/>
+              <a:ext cx="5542200" cy="309240"/>
             </a:xfrm>
             <a:prstGeom prst="rect">
               <a:avLst/>
@@ -7770,14 +6288,14 @@
         </p:sp>
         <p:sp>
           <p:nvSpPr>
-            <p:cNvPr id="89" name="TextBox 22"/>
+            <p:cNvPr id="72" name="TextBox 22"/>
             <p:cNvSpPr/>
             <p:nvPr/>
           </p:nvSpPr>
           <p:spPr>
             <a:xfrm>
               <a:off x="6242760" y="4623480"/>
-              <a:ext cx="5542560" cy="348120"/>
+              <a:ext cx="5542200" cy="347760"/>
             </a:xfrm>
             <a:prstGeom prst="rect">
               <a:avLst/>
@@ -7803,7 +6321,7 @@
                   <a:spcPts val="2999"/>
                 </a:lnSpc>
               </a:pPr>
-              <a:endParaRPr b="1" lang="en-US" sz="2000" spc="18" strike="noStrike">
+              <a:endParaRPr b="1" lang="en-US" sz="2000" spc="15" strike="noStrike">
                 <a:solidFill>
                   <a:srgbClr val="f2f0f4"/>
                 </a:solidFill>
@@ -7814,14 +6332,14 @@
         </p:sp>
         <p:sp>
           <p:nvSpPr>
-            <p:cNvPr id="90" name="TextBox 23"/>
+            <p:cNvPr id="73" name="TextBox 23"/>
             <p:cNvSpPr/>
             <p:nvPr/>
           </p:nvSpPr>
           <p:spPr>
             <a:xfrm>
               <a:off x="6242760" y="5271120"/>
-              <a:ext cx="5542560" cy="309960"/>
+              <a:ext cx="5542200" cy="309600"/>
             </a:xfrm>
             <a:prstGeom prst="rect">
               <a:avLst/>
@@ -7858,14 +6376,14 @@
         </p:sp>
         <p:sp>
           <p:nvSpPr>
-            <p:cNvPr id="91" name="TextBox 24"/>
+            <p:cNvPr id="74" name="TextBox 24"/>
             <p:cNvSpPr/>
             <p:nvPr/>
           </p:nvSpPr>
           <p:spPr>
             <a:xfrm>
               <a:off x="6242760" y="5819760"/>
-              <a:ext cx="5542560" cy="328680"/>
+              <a:ext cx="5542200" cy="328320"/>
             </a:xfrm>
             <a:prstGeom prst="rect">
               <a:avLst/>
@@ -7903,14 +6421,14 @@
       </p:grpSp>
       <p:sp>
         <p:nvSpPr>
-          <p:cNvPr id="92" name="CasellaDiTesto 3"/>
+          <p:cNvPr id="75" name="CasellaDiTesto 3"/>
           <p:cNvSpPr/>
           <p:nvPr/>
         </p:nvSpPr>
         <p:spPr>
           <a:xfrm>
             <a:off x="100080" y="256680"/>
-            <a:ext cx="8833680" cy="516600"/>
+            <a:ext cx="8833320" cy="516600"/>
           </a:xfrm>
           <a:prstGeom prst="rect">
             <a:avLst/>
@@ -7956,14 +6474,14 @@
       </p:sp>
       <p:sp>
         <p:nvSpPr>
-          <p:cNvPr id="93" name="CasellaDiTesto 9"/>
+          <p:cNvPr id="76" name="CasellaDiTesto 9"/>
           <p:cNvSpPr/>
           <p:nvPr/>
         </p:nvSpPr>
         <p:spPr>
           <a:xfrm>
             <a:off x="267840" y="3416760"/>
-            <a:ext cx="4910400" cy="2604240"/>
+            <a:ext cx="4910040" cy="2604240"/>
           </a:xfrm>
           <a:prstGeom prst="rect">
             <a:avLst/>
@@ -7992,11 +6510,11 @@
             <a:r>
               <a:rPr b="0" lang="it-IT" sz="1500" spc="-1" strike="noStrike">
                 <a:solidFill>
-                  <a:srgbClr val="c00000"/>
+                  <a:srgbClr val="000000"/>
                 </a:solidFill>
                 <a:latin typeface="Calibri"/>
               </a:rPr>
-              <a:t>Il lavoro ha riguardato la selezione, sulla base del ciclo cinematico previsto, dei componenti il power train di uno scooter ibrido a celle a combustibile.</a:t>
+              <a:t>Il lavoro ha riguardato lo sviluppo di un algoritmo di coordinamento automatizzato di uno sciame di droni.</a:t>
             </a:r>
             <a:endParaRPr b="0" lang="it-IT" sz="1500" spc="-1" strike="noStrike">
               <a:solidFill>
@@ -8027,11 +6545,11 @@
             <a:r>
               <a:rPr b="0" lang="it-IT" sz="1500" spc="-1" strike="noStrike">
                 <a:solidFill>
-                  <a:srgbClr val="c00000"/>
+                  <a:srgbClr val="000000"/>
                 </a:solidFill>
                 <a:latin typeface="Calibri"/>
               </a:rPr>
-              <a:t>Esso è stato svolto in collaborazione con la ditta SmartScooters che lo utilizzerà come base preliminare per i successivi studi che intende svolgere.</a:t>
+              <a:t>In particolare, lo scopo è di coordinare lo sciame affinché questo copra un’intera area secondo una disposizione che prende il nome di «tassellatura centroidale di Voronoi» (illustrata in figura), riscontrabile anche in natura in determinati fenomeni minerali e biologici.</a:t>
             </a:r>
             <a:endParaRPr b="0" lang="it-IT" sz="1500" spc="-1" strike="noStrike">
               <a:solidFill>
@@ -8062,11 +6580,11 @@
             <a:r>
               <a:rPr b="0" lang="it-IT" sz="1500" spc="-1" strike="noStrike">
                 <a:solidFill>
-                  <a:srgbClr val="c00000"/>
+                  <a:srgbClr val="000000"/>
                 </a:solidFill>
                 <a:latin typeface="Calibri"/>
               </a:rPr>
-              <a:t>Lo studio ha dimostrato la possibilità concreta di alloggiare tutti i componenti del power train nel telaio di uno scooter commerciale esistente.</a:t>
+              <a:t>I test svolti hanno confermato la corretta progettazione e realizzazione dell’algoritmo.</a:t>
             </a:r>
             <a:endParaRPr b="0" lang="it-IT" sz="1500" spc="-1" strike="noStrike">
               <a:solidFill>
@@ -8079,14 +6597,14 @@
       </p:sp>
       <p:sp>
         <p:nvSpPr>
-          <p:cNvPr id="94" name="CasellaDiTesto 11"/>
+          <p:cNvPr id="77" name="CasellaDiTesto 11"/>
           <p:cNvSpPr/>
           <p:nvPr/>
         </p:nvSpPr>
         <p:spPr>
           <a:xfrm>
             <a:off x="135000" y="1680480"/>
-            <a:ext cx="8693640" cy="699480"/>
+            <a:ext cx="8693280" cy="699480"/>
           </a:xfrm>
           <a:prstGeom prst="rect">
             <a:avLst/>
@@ -8154,14 +6672,14 @@
       </p:sp>
       <p:sp>
         <p:nvSpPr>
-          <p:cNvPr id="95" name="AutoShape 17"/>
+          <p:cNvPr id="78" name="AutoShape 17"/>
           <p:cNvSpPr/>
           <p:nvPr/>
         </p:nvSpPr>
         <p:spPr>
           <a:xfrm flipH="1" rot="16200000">
-            <a:off x="2741040" y="253800"/>
-            <a:ext cx="91080" cy="5572800"/>
+            <a:off x="2740680" y="253800"/>
+            <a:ext cx="90720" cy="5572440"/>
           </a:xfrm>
           <a:prstGeom prst="rect">
             <a:avLst/>
@@ -8184,6 +6702,11 @@
             <a:noAutofit/>
           </a:bodyPr>
           <a:p>
+            <a:pPr>
+              <a:lnSpc>
+                <a:spcPct val="100000"/>
+              </a:lnSpc>
+            </a:pPr>
             <a:endParaRPr b="0" lang="it-IT" sz="1800" spc="-1" strike="noStrike">
               <a:solidFill>
                 <a:srgbClr val="ffffff"/>
@@ -8195,14 +6718,14 @@
       </p:sp>
       <p:sp>
         <p:nvSpPr>
-          <p:cNvPr id="96" name="CasellaDiTesto 3"/>
+          <p:cNvPr id="79" name="CasellaDiTesto 3"/>
           <p:cNvSpPr/>
           <p:nvPr/>
         </p:nvSpPr>
         <p:spPr>
           <a:xfrm>
             <a:off x="135000" y="1066680"/>
-            <a:ext cx="5265000" cy="517320"/>
+            <a:ext cx="5264640" cy="516600"/>
           </a:xfrm>
           <a:prstGeom prst="rect">
             <a:avLst/>
@@ -8248,14 +6771,14 @@
       </p:sp>
       <p:sp>
         <p:nvSpPr>
-          <p:cNvPr id="97" name="CasellaDiTesto 3"/>
+          <p:cNvPr id="80" name="CasellaDiTesto 3"/>
           <p:cNvSpPr/>
           <p:nvPr/>
         </p:nvSpPr>
         <p:spPr>
           <a:xfrm>
             <a:off x="140760" y="2491920"/>
-            <a:ext cx="4500000" cy="363960"/>
+            <a:ext cx="5439240" cy="364680"/>
           </a:xfrm>
           <a:prstGeom prst="rect">
             <a:avLst/>
@@ -8288,7 +6811,7 @@
                 </a:solidFill>
                 <a:latin typeface="Calibri"/>
               </a:rPr>
-              <a:t>Relatore/i: Prof….</a:t>
+              <a:t>Relator: Prof Mario G.C.A. Cimino, Giada Simionato </a:t>
             </a:r>
             <a:endParaRPr b="0" lang="it-IT" sz="1800" spc="-1" strike="noStrike">
               <a:solidFill>
@@ -8301,7 +6824,7 @@
       </p:sp>
       <p:pic>
         <p:nvPicPr>
-          <p:cNvPr id="98" name="" descr=""/>
+          <p:cNvPr id="81" name="" descr=""/>
           <p:cNvPicPr/>
           <p:nvPr/>
         </p:nvPicPr>
@@ -8312,7 +6835,7 @@
         <p:spPr>
           <a:xfrm>
             <a:off x="6120000" y="3240000"/>
-            <a:ext cx="3240000" cy="3240000"/>
+            <a:ext cx="3239640" cy="3239640"/>
           </a:xfrm>
           <a:prstGeom prst="rect">
             <a:avLst/>
@@ -8322,275 +6845,6 @@
           </a:ln>
         </p:spPr>
       </p:pic>
-    </p:spTree>
-  </p:cSld>
-  <mc:AlternateContent>
-    <mc:Choice Requires="p14">
-      <p:transition spd="slow" p14:dur="2000"/>
-    </mc:Choice>
-    <mc:Fallback>
-      <p:transition spd="slow"/>
-    </mc:Fallback>
-  </mc:AlternateContent>
-</p:sld>
-</file>
-
-<file path=ppt/slides/slide2.xml><?xml version="1.0" encoding="utf-8"?>
-<p:sld xmlns:a="http://schemas.openxmlformats.org/drawingml/2006/main" xmlns:p="http://schemas.openxmlformats.org/presentationml/2006/main" xmlns:r="http://schemas.openxmlformats.org/officeDocument/2006/relationships" xmlns:p14="http://schemas.microsoft.com/office/powerpoint/2010/main" xmlns:p15="http://schemas.microsoft.com/office/powerpoint/2012/main" xmlns:mc="http://schemas.openxmlformats.org/markup-compatibility/2006">
-  <p:cSld>
-    <p:spTree>
-      <p:nvGrpSpPr>
-        <p:cNvPr id="1" name=""/>
-        <p:cNvGrpSpPr/>
-        <p:nvPr/>
-      </p:nvGrpSpPr>
-      <p:grpSpPr>
-        <a:xfrm>
-          <a:off x="0" y="0"/>
-          <a:ext cx="0" cy="0"/>
-          <a:chOff x="0" y="0"/>
-          <a:chExt cx="0" cy="0"/>
-        </a:xfrm>
-      </p:grpSpPr>
-      <p:sp>
-        <p:nvSpPr>
-          <p:cNvPr id="99" name="CasellaDiTesto 1"/>
-          <p:cNvSpPr/>
-          <p:nvPr/>
-        </p:nvSpPr>
-        <p:spPr>
-          <a:xfrm>
-            <a:off x="263520" y="1700640"/>
-            <a:ext cx="11232720" cy="2468520"/>
-          </a:xfrm>
-          <a:prstGeom prst="rect">
-            <a:avLst/>
-          </a:prstGeom>
-          <a:noFill/>
-          <a:ln w="0">
-            <a:noFill/>
-          </a:ln>
-        </p:spPr>
-        <p:style>
-          <a:lnRef idx="0"/>
-          <a:fillRef idx="0"/>
-          <a:effectRef idx="0"/>
-          <a:fontRef idx="minor"/>
-        </p:style>
-        <p:txBody>
-          <a:bodyPr lIns="90000" rIns="90000" tIns="45000" bIns="45000" anchor="t">
-            <a:spAutoFit/>
-          </a:bodyPr>
-          <a:p>
-            <a:pPr defTabSz="914400">
-              <a:lnSpc>
-                <a:spcPct val="100000"/>
-              </a:lnSpc>
-              <a:spcBef>
-                <a:spcPts val="601"/>
-              </a:spcBef>
-            </a:pPr>
-            <a:r>
-              <a:rPr b="1" lang="it-IT" sz="1700" spc="-1" strike="noStrike">
-                <a:solidFill>
-                  <a:schemeClr val="dk1"/>
-                </a:solidFill>
-                <a:latin typeface="Calibri"/>
-              </a:rPr>
-              <a:t>Come utilizzare questo file:</a:t>
-            </a:r>
-            <a:endParaRPr b="0" lang="it-IT" sz="1700" spc="-1" strike="noStrike">
-              <a:solidFill>
-                <a:srgbClr val="000000"/>
-              </a:solidFill>
-              <a:latin typeface="Arial"/>
-            </a:endParaRPr>
-          </a:p>
-          <a:p>
-            <a:pPr marL="355680" indent="-355680" defTabSz="914400">
-              <a:lnSpc>
-                <a:spcPct val="100000"/>
-              </a:lnSpc>
-              <a:spcBef>
-                <a:spcPts val="601"/>
-              </a:spcBef>
-              <a:buClr>
-                <a:srgbClr val="000000"/>
-              </a:buClr>
-              <a:buFont typeface="OpenSymbol"/>
-              <a:buAutoNum type="arabicParenR"/>
-            </a:pPr>
-            <a:r>
-              <a:rPr b="1" lang="it-IT" sz="1700" spc="-1" strike="noStrike">
-                <a:solidFill>
-                  <a:schemeClr val="dk1"/>
-                </a:solidFill>
-                <a:latin typeface="Calibri"/>
-              </a:rPr>
-              <a:t>La slide deve essere formulata in maniera piana e comprensibile anche ai non addetti ai lavori, </a:t>
-            </a:r>
-            <a:r>
-              <a:rPr b="0" lang="it-IT" sz="1700" spc="-1" strike="noStrike">
-                <a:solidFill>
-                  <a:schemeClr val="dk1"/>
-                </a:solidFill>
-                <a:latin typeface="Calibri"/>
-              </a:rPr>
-              <a:t>evitando in particolare l’uso di acronimi o spiegandone il significato nei casi in cui il loro uso sia reputato indispensabile</a:t>
-            </a:r>
-            <a:endParaRPr b="0" lang="it-IT" sz="1700" spc="-1" strike="noStrike">
-              <a:solidFill>
-                <a:srgbClr val="000000"/>
-              </a:solidFill>
-              <a:latin typeface="Arial"/>
-            </a:endParaRPr>
-          </a:p>
-          <a:p>
-            <a:pPr marL="355680" indent="-355680" defTabSz="914400">
-              <a:lnSpc>
-                <a:spcPct val="100000"/>
-              </a:lnSpc>
-              <a:spcBef>
-                <a:spcPts val="601"/>
-              </a:spcBef>
-              <a:buClr>
-                <a:srgbClr val="000000"/>
-              </a:buClr>
-              <a:buFont typeface="OpenSymbol"/>
-              <a:buAutoNum type="arabicParenR"/>
-            </a:pPr>
-            <a:r>
-              <a:rPr b="0" lang="it-IT" sz="1700" spc="-1" strike="noStrike">
-                <a:solidFill>
-                  <a:schemeClr val="dk1"/>
-                </a:solidFill>
-                <a:latin typeface="Calibri"/>
-              </a:rPr>
-              <a:t>Nella slide scelta compilare tutti i campi; dopo la compilazione convertire il colore in nero (mantenendo invariati font e corpo). Quindi aggiungere l’</a:t>
-            </a:r>
-            <a:r>
-              <a:rPr b="0" i="1" lang="it-IT" sz="1700" spc="-1" strike="noStrike">
-                <a:solidFill>
-                  <a:schemeClr val="dk1"/>
-                </a:solidFill>
-                <a:latin typeface="Calibri"/>
-              </a:rPr>
-              <a:t>immagine</a:t>
-            </a:r>
-            <a:r>
-              <a:rPr b="0" lang="it-IT" sz="1700" spc="-1" strike="noStrike">
-                <a:solidFill>
-                  <a:schemeClr val="dk1"/>
-                </a:solidFill>
-                <a:latin typeface="Calibri"/>
-              </a:rPr>
-              <a:t> desiderata.</a:t>
-            </a:r>
-            <a:endParaRPr b="0" lang="it-IT" sz="1700" spc="-1" strike="noStrike">
-              <a:solidFill>
-                <a:srgbClr val="000000"/>
-              </a:solidFill>
-              <a:latin typeface="Arial"/>
-            </a:endParaRPr>
-          </a:p>
-          <a:p>
-            <a:pPr marL="355680" indent="-355680" defTabSz="914400">
-              <a:lnSpc>
-                <a:spcPct val="100000"/>
-              </a:lnSpc>
-              <a:spcBef>
-                <a:spcPts val="601"/>
-              </a:spcBef>
-              <a:buClr>
-                <a:srgbClr val="000000"/>
-              </a:buClr>
-              <a:buFont typeface="OpenSymbol"/>
-              <a:buAutoNum type="arabicParenR"/>
-            </a:pPr>
-            <a:r>
-              <a:rPr b="0" lang="it-IT" sz="1700" spc="-1" strike="noStrike">
-                <a:solidFill>
-                  <a:schemeClr val="dk1"/>
-                </a:solidFill>
-                <a:latin typeface="Calibri"/>
-              </a:rPr>
-              <a:t>L’</a:t>
-            </a:r>
-            <a:r>
-              <a:rPr b="0" i="1" lang="it-IT" sz="1700" spc="-1" strike="noStrike">
-                <a:solidFill>
-                  <a:schemeClr val="dk1"/>
-                </a:solidFill>
-                <a:latin typeface="Calibri"/>
-              </a:rPr>
-              <a:t>immagine</a:t>
-            </a:r>
-            <a:r>
-              <a:rPr b="0" lang="it-IT" sz="1700" spc="-1" strike="noStrike">
-                <a:solidFill>
-                  <a:schemeClr val="dk1"/>
-                </a:solidFill>
-                <a:latin typeface="Calibri"/>
-              </a:rPr>
-              <a:t> deve essere ben leggibile in sala, anche nell’eventuale testo incluso, se significativo. A tal fine il corpo di quest’ultimo dovrebbe essere pari almeno a 14-16 punti. </a:t>
-            </a:r>
-            <a:endParaRPr b="0" lang="it-IT" sz="1700" spc="-1" strike="noStrike">
-              <a:solidFill>
-                <a:srgbClr val="000000"/>
-              </a:solidFill>
-              <a:latin typeface="Arial"/>
-            </a:endParaRPr>
-          </a:p>
-          <a:p>
-            <a:pPr marL="355680" indent="-355680" defTabSz="914400">
-              <a:lnSpc>
-                <a:spcPct val="100000"/>
-              </a:lnSpc>
-              <a:spcBef>
-                <a:spcPts val="601"/>
-              </a:spcBef>
-              <a:buClr>
-                <a:srgbClr val="000000"/>
-              </a:buClr>
-              <a:buFont typeface="OpenSymbol"/>
-              <a:buAutoNum type="arabicParenR"/>
-            </a:pPr>
-            <a:r>
-              <a:rPr b="0" lang="it-IT" sz="1700" spc="-1" strike="noStrike">
-                <a:solidFill>
-                  <a:schemeClr val="dk1"/>
-                </a:solidFill>
-                <a:latin typeface="Calibri"/>
-              </a:rPr>
-              <a:t>E' consentito, e incoraggiato, l'uso di </a:t>
-            </a:r>
-            <a:r>
-              <a:rPr b="0" i="1" lang="it-IT" sz="1700" spc="-1" strike="noStrike">
-                <a:solidFill>
-                  <a:schemeClr val="dk1"/>
-                </a:solidFill>
-                <a:latin typeface="Calibri"/>
-              </a:rPr>
-              <a:t>immagini </a:t>
-            </a:r>
-            <a:r>
-              <a:rPr b="0" lang="it-IT" sz="1700" spc="-1" strike="noStrike">
-                <a:solidFill>
-                  <a:schemeClr val="dk1"/>
-                </a:solidFill>
-                <a:latin typeface="Calibri"/>
-              </a:rPr>
-              <a:t>animate. </a:t>
-            </a:r>
-            <a:endParaRPr b="0" lang="it-IT" sz="1700" spc="-1" strike="noStrike">
-              <a:solidFill>
-                <a:srgbClr val="000000"/>
-              </a:solidFill>
-              <a:latin typeface="Arial"/>
-            </a:endParaRPr>
-          </a:p>
-        </p:txBody>
-      </p:sp>
     </p:spTree>
   </p:cSld>
   <mc:AlternateContent>
